--- a/master_files/materials/02_Theory.pptx
+++ b/master_files/materials/02_Theory.pptx
@@ -5,41 +5,45 @@
     <p:sldMasterId id="2147483648" r:id="rId4"/>
   </p:sldMasterIdLst>
   <p:notesMasterIdLst>
-    <p:notesMasterId r:id="rId37"/>
+    <p:notesMasterId r:id="rId41"/>
   </p:notesMasterIdLst>
   <p:sldIdLst>
-    <p:sldId id="1046" r:id="rId5"/>
-    <p:sldId id="1052" r:id="rId6"/>
-    <p:sldId id="1049" r:id="rId7"/>
-    <p:sldId id="1051" r:id="rId8"/>
-    <p:sldId id="1053" r:id="rId9"/>
-    <p:sldId id="1058" r:id="rId10"/>
-    <p:sldId id="1055" r:id="rId11"/>
-    <p:sldId id="1070" r:id="rId12"/>
-    <p:sldId id="1071" r:id="rId13"/>
-    <p:sldId id="1062" r:id="rId14"/>
-    <p:sldId id="1063" r:id="rId15"/>
-    <p:sldId id="1064" r:id="rId16"/>
-    <p:sldId id="1078" r:id="rId17"/>
-    <p:sldId id="1073" r:id="rId18"/>
-    <p:sldId id="1074" r:id="rId19"/>
-    <p:sldId id="1075" r:id="rId20"/>
-    <p:sldId id="1076" r:id="rId21"/>
-    <p:sldId id="1077" r:id="rId22"/>
-    <p:sldId id="1065" r:id="rId23"/>
-    <p:sldId id="1066" r:id="rId24"/>
-    <p:sldId id="1067" r:id="rId25"/>
-    <p:sldId id="1068" r:id="rId26"/>
-    <p:sldId id="1069" r:id="rId27"/>
-    <p:sldId id="1084" r:id="rId28"/>
-    <p:sldId id="1072" r:id="rId29"/>
-    <p:sldId id="1054" r:id="rId30"/>
-    <p:sldId id="1083" r:id="rId31"/>
-    <p:sldId id="1081" r:id="rId32"/>
-    <p:sldId id="1082" r:id="rId33"/>
-    <p:sldId id="1085" r:id="rId34"/>
-    <p:sldId id="333" r:id="rId35"/>
-    <p:sldId id="1079" r:id="rId36"/>
+    <p:sldId id="1096" r:id="rId5"/>
+    <p:sldId id="1046" r:id="rId6"/>
+    <p:sldId id="1052" r:id="rId7"/>
+    <p:sldId id="1049" r:id="rId8"/>
+    <p:sldId id="1051" r:id="rId9"/>
+    <p:sldId id="1053" r:id="rId10"/>
+    <p:sldId id="1058" r:id="rId11"/>
+    <p:sldId id="1055" r:id="rId12"/>
+    <p:sldId id="1070" r:id="rId13"/>
+    <p:sldId id="1071" r:id="rId14"/>
+    <p:sldId id="1062" r:id="rId15"/>
+    <p:sldId id="1063" r:id="rId16"/>
+    <p:sldId id="1064" r:id="rId17"/>
+    <p:sldId id="1078" r:id="rId18"/>
+    <p:sldId id="1073" r:id="rId19"/>
+    <p:sldId id="1074" r:id="rId20"/>
+    <p:sldId id="1075" r:id="rId21"/>
+    <p:sldId id="1076" r:id="rId22"/>
+    <p:sldId id="1077" r:id="rId23"/>
+    <p:sldId id="1065" r:id="rId24"/>
+    <p:sldId id="1066" r:id="rId25"/>
+    <p:sldId id="1067" r:id="rId26"/>
+    <p:sldId id="1068" r:id="rId27"/>
+    <p:sldId id="1069" r:id="rId28"/>
+    <p:sldId id="1084" r:id="rId29"/>
+    <p:sldId id="1072" r:id="rId30"/>
+    <p:sldId id="1054" r:id="rId31"/>
+    <p:sldId id="1083" r:id="rId32"/>
+    <p:sldId id="1081" r:id="rId33"/>
+    <p:sldId id="1082" r:id="rId34"/>
+    <p:sldId id="1087" r:id="rId35"/>
+    <p:sldId id="1085" r:id="rId36"/>
+    <p:sldId id="333" r:id="rId37"/>
+    <p:sldId id="1086" r:id="rId38"/>
+    <p:sldId id="1079" r:id="rId39"/>
+    <p:sldId id="1097" r:id="rId40"/>
   </p:sldIdLst>
   <p:sldSz cx="12192000" cy="6858000"/>
   <p:notesSz cx="6858000" cy="9144000"/>
@@ -239,7 +243,7 @@
           <a:p>
             <a:fld id="{E033252C-ECEF-0044-BF19-FBFB46CE84A2}" type="datetimeFigureOut">
               <a:rPr lang="en-US" smtClean="0"/>
-              <a:t>10/25/24</a:t>
+              <a:t>10/26/24</a:t>
             </a:fld>
             <a:endParaRPr lang="en-US"/>
           </a:p>
@@ -762,7 +766,7 @@
           <a:p>
             <a:fld id="{6A8FB48A-BFC4-2846-8228-6201ABA4D0C5}" type="datetimeFigureOut">
               <a:rPr lang="en-US" smtClean="0"/>
-              <a:t>10/25/24</a:t>
+              <a:t>10/26/24</a:t>
             </a:fld>
             <a:endParaRPr lang="en-US"/>
           </a:p>
@@ -960,7 +964,7 @@
           <a:p>
             <a:fld id="{6A8FB48A-BFC4-2846-8228-6201ABA4D0C5}" type="datetimeFigureOut">
               <a:rPr lang="en-US" smtClean="0"/>
-              <a:t>10/25/24</a:t>
+              <a:t>10/26/24</a:t>
             </a:fld>
             <a:endParaRPr lang="en-US"/>
           </a:p>
@@ -1168,7 +1172,7 @@
           <a:p>
             <a:fld id="{6A8FB48A-BFC4-2846-8228-6201ABA4D0C5}" type="datetimeFigureOut">
               <a:rPr lang="en-US" smtClean="0"/>
-              <a:t>10/25/24</a:t>
+              <a:t>10/26/24</a:t>
             </a:fld>
             <a:endParaRPr lang="en-US"/>
           </a:p>
@@ -1366,7 +1370,7 @@
           <a:p>
             <a:fld id="{6A8FB48A-BFC4-2846-8228-6201ABA4D0C5}" type="datetimeFigureOut">
               <a:rPr lang="en-US" smtClean="0"/>
-              <a:t>10/25/24</a:t>
+              <a:t>10/26/24</a:t>
             </a:fld>
             <a:endParaRPr lang="en-US"/>
           </a:p>
@@ -1641,7 +1645,7 @@
           <a:p>
             <a:fld id="{6A8FB48A-BFC4-2846-8228-6201ABA4D0C5}" type="datetimeFigureOut">
               <a:rPr lang="en-US" smtClean="0"/>
-              <a:t>10/25/24</a:t>
+              <a:t>10/26/24</a:t>
             </a:fld>
             <a:endParaRPr lang="en-US"/>
           </a:p>
@@ -1906,7 +1910,7 @@
           <a:p>
             <a:fld id="{6A8FB48A-BFC4-2846-8228-6201ABA4D0C5}" type="datetimeFigureOut">
               <a:rPr lang="en-US" smtClean="0"/>
-              <a:t>10/25/24</a:t>
+              <a:t>10/26/24</a:t>
             </a:fld>
             <a:endParaRPr lang="en-US"/>
           </a:p>
@@ -2318,7 +2322,7 @@
           <a:p>
             <a:fld id="{6A8FB48A-BFC4-2846-8228-6201ABA4D0C5}" type="datetimeFigureOut">
               <a:rPr lang="en-US" smtClean="0"/>
-              <a:t>10/25/24</a:t>
+              <a:t>10/26/24</a:t>
             </a:fld>
             <a:endParaRPr lang="en-US"/>
           </a:p>
@@ -2459,7 +2463,7 @@
           <a:p>
             <a:fld id="{6A8FB48A-BFC4-2846-8228-6201ABA4D0C5}" type="datetimeFigureOut">
               <a:rPr lang="en-US" smtClean="0"/>
-              <a:t>10/25/24</a:t>
+              <a:t>10/26/24</a:t>
             </a:fld>
             <a:endParaRPr lang="en-US"/>
           </a:p>
@@ -2572,7 +2576,7 @@
           <a:p>
             <a:fld id="{6A8FB48A-BFC4-2846-8228-6201ABA4D0C5}" type="datetimeFigureOut">
               <a:rPr lang="en-US" smtClean="0"/>
-              <a:t>10/25/24</a:t>
+              <a:t>10/26/24</a:t>
             </a:fld>
             <a:endParaRPr lang="en-US"/>
           </a:p>
@@ -2883,7 +2887,7 @@
           <a:p>
             <a:fld id="{6A8FB48A-BFC4-2846-8228-6201ABA4D0C5}" type="datetimeFigureOut">
               <a:rPr lang="en-US" smtClean="0"/>
-              <a:t>10/25/24</a:t>
+              <a:t>10/26/24</a:t>
             </a:fld>
             <a:endParaRPr lang="en-US"/>
           </a:p>
@@ -3171,7 +3175,7 @@
           <a:p>
             <a:fld id="{6A8FB48A-BFC4-2846-8228-6201ABA4D0C5}" type="datetimeFigureOut">
               <a:rPr lang="en-US" smtClean="0"/>
-              <a:t>10/25/24</a:t>
+              <a:t>10/26/24</a:t>
             </a:fld>
             <a:endParaRPr lang="en-US"/>
           </a:p>
@@ -3412,7 +3416,7 @@
           <a:p>
             <a:fld id="{6A8FB48A-BFC4-2846-8228-6201ABA4D0C5}" type="datetimeFigureOut">
               <a:rPr lang="en-US" smtClean="0"/>
-              <a:t>10/25/24</a:t>
+              <a:t>10/26/24</a:t>
             </a:fld>
             <a:endParaRPr lang="en-US"/>
           </a:p>
@@ -3817,7 +3821,13 @@
   <p:cSld>
     <p:spTree>
       <p:nvGrpSpPr>
-        <p:cNvPr id="1" name=""/>
+        <p:cNvPr id="1" name="">
+          <a:extLst>
+            <a:ext uri="{FF2B5EF4-FFF2-40B4-BE49-F238E27FC236}">
+              <a16:creationId xmlns:a16="http://schemas.microsoft.com/office/drawing/2014/main" id="{6E106633-18DA-650C-940F-CC5669AAD226}"/>
+            </a:ext>
+          </a:extLst>
+        </p:cNvPr>
         <p:cNvGrpSpPr/>
         <p:nvPr/>
       </p:nvGrpSpPr>
@@ -3829,63 +3839,768 @@
           <a:chExt cx="0" cy="0"/>
         </a:xfrm>
       </p:grpSpPr>
-      <p:sp>
-        <p:nvSpPr>
-          <p:cNvPr id="2" name="Title 1">
+      <p:graphicFrame>
+        <p:nvGraphicFramePr>
+          <p:cNvPr id="4" name="Content Placeholder 3">
             <a:extLst>
               <a:ext uri="{FF2B5EF4-FFF2-40B4-BE49-F238E27FC236}">
-                <a16:creationId xmlns:a16="http://schemas.microsoft.com/office/drawing/2014/main" id="{AE911888-4659-FF99-A69A-6AF8166101D8}"/>
+                <a16:creationId xmlns:a16="http://schemas.microsoft.com/office/drawing/2014/main" id="{655314A2-2BED-36EA-B4B2-DECEE9EBBB31}"/>
               </a:ext>
             </a:extLst>
           </p:cNvPr>
-          <p:cNvSpPr>
-            <a:spLocks noGrp="1"/>
-          </p:cNvSpPr>
+          <p:cNvGraphicFramePr>
+            <a:graphicFrameLocks noGrp="1"/>
+          </p:cNvGraphicFramePr>
           <p:nvPr>
-            <p:ph type="ctrTitle"/>
+            <p:ph idx="1"/>
           </p:nvPr>
+        </p:nvGraphicFramePr>
+        <p:xfrm>
+          <a:off x="1208690" y="942340"/>
+          <a:ext cx="10720551" cy="4973320"/>
+        </p:xfrm>
+        <a:graphic>
+          <a:graphicData uri="http://schemas.openxmlformats.org/drawingml/2006/table">
+            <a:tbl>
+              <a:tblPr firstRow="1" bandRow="1">
+                <a:tableStyleId>{21E4AEA4-8DFA-4A89-87EB-49C32662AFE0}</a:tableStyleId>
+              </a:tblPr>
+              <a:tblGrid>
+                <a:gridCol w="1717110">
+                  <a:extLst>
+                    <a:ext uri="{9D8B030D-6E8A-4147-A177-3AD203B41FA5}">
+                      <a16:colId xmlns:a16="http://schemas.microsoft.com/office/drawing/2014/main" val="4182014441"/>
+                    </a:ext>
+                  </a:extLst>
+                </a:gridCol>
+                <a:gridCol w="5976462">
+                  <a:extLst>
+                    <a:ext uri="{9D8B030D-6E8A-4147-A177-3AD203B41FA5}">
+                      <a16:colId xmlns:a16="http://schemas.microsoft.com/office/drawing/2014/main" val="906180283"/>
+                    </a:ext>
+                  </a:extLst>
+                </a:gridCol>
+                <a:gridCol w="3026979">
+                  <a:extLst>
+                    <a:ext uri="{9D8B030D-6E8A-4147-A177-3AD203B41FA5}">
+                      <a16:colId xmlns:a16="http://schemas.microsoft.com/office/drawing/2014/main" val="2769721792"/>
+                    </a:ext>
+                  </a:extLst>
+                </a:gridCol>
+              </a:tblGrid>
+              <a:tr h="370840">
+                <a:tc>
+                  <a:txBody>
+                    <a:bodyPr/>
+                    <a:lstStyle/>
+                    <a:p>
+                      <a:r>
+                        <a:rPr lang="en-US" dirty="0"/>
+                        <a:t>Time</a:t>
+                      </a:r>
+                    </a:p>
+                  </a:txBody>
+                  <a:tcPr/>
+                </a:tc>
+                <a:tc>
+                  <a:txBody>
+                    <a:bodyPr/>
+                    <a:lstStyle/>
+                    <a:p>
+                      <a:r>
+                        <a:rPr lang="en-US" dirty="0"/>
+                        <a:t>Description</a:t>
+                      </a:r>
+                    </a:p>
+                  </a:txBody>
+                  <a:tcPr/>
+                </a:tc>
+                <a:tc>
+                  <a:txBody>
+                    <a:bodyPr/>
+                    <a:lstStyle/>
+                    <a:p>
+                      <a:r>
+                        <a:rPr lang="en-US" dirty="0"/>
+                        <a:t>Discussant</a:t>
+                      </a:r>
+                    </a:p>
+                  </a:txBody>
+                  <a:tcPr/>
+                </a:tc>
+                <a:extLst>
+                  <a:ext uri="{0D108BD9-81ED-4DB2-BD59-A6C34878D82A}">
+                    <a16:rowId xmlns:a16="http://schemas.microsoft.com/office/drawing/2014/main" val="1700444250"/>
+                  </a:ext>
+                </a:extLst>
+              </a:tr>
+              <a:tr h="370840">
+                <a:tc>
+                  <a:txBody>
+                    <a:bodyPr/>
+                    <a:lstStyle/>
+                    <a:p>
+                      <a:r>
+                        <a:rPr lang="en-US" dirty="0"/>
+                        <a:t>[15 min]</a:t>
+                      </a:r>
+                    </a:p>
+                  </a:txBody>
+                  <a:tcPr/>
+                </a:tc>
+                <a:tc>
+                  <a:txBody>
+                    <a:bodyPr/>
+                    <a:lstStyle/>
+                    <a:p>
+                      <a:r>
+                        <a:rPr lang="en-US" sz="1800" kern="1200" dirty="0">
+                          <a:solidFill>
+                            <a:schemeClr val="dk1"/>
+                          </a:solidFill>
+                          <a:effectLst/>
+                          <a:latin typeface="+mn-lt"/>
+                          <a:ea typeface="+mn-ea"/>
+                          <a:cs typeface="+mn-cs"/>
+                        </a:rPr>
+                        <a:t>(0) Introductions and administrivia </a:t>
+                      </a:r>
+                      <a:endParaRPr lang="en-US" dirty="0"/>
+                    </a:p>
+                  </a:txBody>
+                  <a:tcPr/>
+                </a:tc>
+                <a:tc>
+                  <a:txBody>
+                    <a:bodyPr/>
+                    <a:lstStyle/>
+                    <a:p>
+                      <a:r>
+                        <a:rPr lang="en-US" dirty="0" err="1"/>
+                        <a:t>Trikalinos</a:t>
+                      </a:r>
+                      <a:endParaRPr lang="en-US" dirty="0"/>
+                    </a:p>
+                  </a:txBody>
+                  <a:tcPr/>
+                </a:tc>
+                <a:extLst>
+                  <a:ext uri="{0D108BD9-81ED-4DB2-BD59-A6C34878D82A}">
+                    <a16:rowId xmlns:a16="http://schemas.microsoft.com/office/drawing/2014/main" val="2490995723"/>
+                  </a:ext>
+                </a:extLst>
+              </a:tr>
+              <a:tr h="370840">
+                <a:tc>
+                  <a:txBody>
+                    <a:bodyPr/>
+                    <a:lstStyle/>
+                    <a:p>
+                      <a:r>
+                        <a:rPr lang="en-US" dirty="0"/>
+                        <a:t>[25 min]</a:t>
+                      </a:r>
+                    </a:p>
+                  </a:txBody>
+                  <a:tcPr/>
+                </a:tc>
+                <a:tc>
+                  <a:txBody>
+                    <a:bodyPr/>
+                    <a:lstStyle/>
+                    <a:p>
+                      <a:r>
+                        <a:rPr lang="en-US" sz="1800" kern="1200" dirty="0">
+                          <a:solidFill>
+                            <a:schemeClr val="dk1"/>
+                          </a:solidFill>
+                          <a:effectLst/>
+                          <a:latin typeface="+mn-lt"/>
+                          <a:ea typeface="+mn-ea"/>
+                          <a:cs typeface="+mn-cs"/>
+                        </a:rPr>
+                        <a:t>(1) DES as a composition of point processes</a:t>
+                      </a:r>
+                    </a:p>
+                  </a:txBody>
+                  <a:tcPr/>
+                </a:tc>
+                <a:tc>
+                  <a:txBody>
+                    <a:bodyPr/>
+                    <a:lstStyle/>
+                    <a:p>
+                      <a:r>
+                        <a:rPr lang="en-US" dirty="0" err="1"/>
+                        <a:t>Alarid</a:t>
+                      </a:r>
+                      <a:r>
+                        <a:rPr lang="en-US" dirty="0"/>
+                        <a:t>-Escudero</a:t>
+                      </a:r>
+                    </a:p>
+                  </a:txBody>
+                  <a:tcPr/>
+                </a:tc>
+                <a:extLst>
+                  <a:ext uri="{0D108BD9-81ED-4DB2-BD59-A6C34878D82A}">
+                    <a16:rowId xmlns:a16="http://schemas.microsoft.com/office/drawing/2014/main" val="2065491183"/>
+                  </a:ext>
+                </a:extLst>
+              </a:tr>
+              <a:tr h="370840">
+                <a:tc>
+                  <a:txBody>
+                    <a:bodyPr/>
+                    <a:lstStyle/>
+                    <a:p>
+                      <a:r>
+                        <a:rPr lang="en-US" dirty="0"/>
+                        <a:t>[30 min]</a:t>
+                      </a:r>
+                    </a:p>
+                  </a:txBody>
+                  <a:tcPr/>
+                </a:tc>
+                <a:tc>
+                  <a:txBody>
+                    <a:bodyPr/>
+                    <a:lstStyle/>
+                    <a:p>
+                      <a:pPr marL="0" marR="0" lvl="0" indent="0" algn="l" defTabSz="914400" rtl="0" eaLnBrk="1" fontAlgn="auto" latinLnBrk="0" hangingPunct="1">
+                        <a:lnSpc>
+                          <a:spcPct val="100000"/>
+                        </a:lnSpc>
+                        <a:spcBef>
+                          <a:spcPts val="0"/>
+                        </a:spcBef>
+                        <a:spcAft>
+                          <a:spcPts val="0"/>
+                        </a:spcAft>
+                        <a:buClrTx/>
+                        <a:buSzTx/>
+                        <a:buFontTx/>
+                        <a:buNone/>
+                        <a:tabLst/>
+                        <a:defRPr/>
+                      </a:pPr>
+                      <a:r>
+                        <a:rPr lang="en-US" sz="1800" kern="1200" dirty="0">
+                          <a:solidFill>
+                            <a:schemeClr val="dk1"/>
+                          </a:solidFill>
+                          <a:effectLst/>
+                          <a:latin typeface="+mn-lt"/>
+                          <a:ea typeface="+mn-ea"/>
+                          <a:cs typeface="+mn-cs"/>
+                        </a:rPr>
+                        <a:t>(2) NHPPPs – key properties</a:t>
+                      </a:r>
+                    </a:p>
+                  </a:txBody>
+                  <a:tcPr/>
+                </a:tc>
+                <a:tc>
+                  <a:txBody>
+                    <a:bodyPr/>
+                    <a:lstStyle/>
+                    <a:p>
+                      <a:r>
+                        <a:rPr lang="en-US" dirty="0" err="1"/>
+                        <a:t>Trikalinos</a:t>
+                      </a:r>
+                      <a:endParaRPr lang="en-US" dirty="0"/>
+                    </a:p>
+                  </a:txBody>
+                  <a:tcPr/>
+                </a:tc>
+                <a:extLst>
+                  <a:ext uri="{0D108BD9-81ED-4DB2-BD59-A6C34878D82A}">
+                    <a16:rowId xmlns:a16="http://schemas.microsoft.com/office/drawing/2014/main" val="2757944147"/>
+                  </a:ext>
+                </a:extLst>
+              </a:tr>
+              <a:tr h="370840">
+                <a:tc>
+                  <a:txBody>
+                    <a:bodyPr/>
+                    <a:lstStyle/>
+                    <a:p>
+                      <a:r>
+                        <a:rPr lang="en-US" dirty="0"/>
+                        <a:t>[30 min]</a:t>
+                      </a:r>
+                    </a:p>
+                  </a:txBody>
+                  <a:tcPr/>
+                </a:tc>
+                <a:tc>
+                  <a:txBody>
+                    <a:bodyPr/>
+                    <a:lstStyle/>
+                    <a:p>
+                      <a:r>
+                        <a:rPr lang="en-US" sz="1800" kern="1200" dirty="0">
+                          <a:solidFill>
+                            <a:schemeClr val="dk1"/>
+                          </a:solidFill>
+                          <a:effectLst/>
+                          <a:latin typeface="+mn-lt"/>
+                          <a:ea typeface="+mn-ea"/>
+                          <a:cs typeface="+mn-cs"/>
+                        </a:rPr>
+                        <a:t>(3) Sampling from NHPPPs</a:t>
+                      </a:r>
+                      <a:endParaRPr lang="en-US" dirty="0"/>
+                    </a:p>
+                  </a:txBody>
+                  <a:tcPr/>
+                </a:tc>
+                <a:tc>
+                  <a:txBody>
+                    <a:bodyPr/>
+                    <a:lstStyle/>
+                    <a:p>
+                      <a:r>
+                        <a:rPr lang="en-US" dirty="0" err="1"/>
+                        <a:t>Sereda</a:t>
+                      </a:r>
+                      <a:endParaRPr lang="en-US" dirty="0"/>
+                    </a:p>
+                  </a:txBody>
+                  <a:tcPr/>
+                </a:tc>
+                <a:extLst>
+                  <a:ext uri="{0D108BD9-81ED-4DB2-BD59-A6C34878D82A}">
+                    <a16:rowId xmlns:a16="http://schemas.microsoft.com/office/drawing/2014/main" val="1442363784"/>
+                  </a:ext>
+                </a:extLst>
+              </a:tr>
+              <a:tr h="370840">
+                <a:tc>
+                  <a:txBody>
+                    <a:bodyPr/>
+                    <a:lstStyle/>
+                    <a:p>
+                      <a:r>
+                        <a:rPr lang="en-US" dirty="0"/>
+                        <a:t>[15 min]</a:t>
+                      </a:r>
+                    </a:p>
+                  </a:txBody>
+                  <a:tcPr/>
+                </a:tc>
+                <a:tc>
+                  <a:txBody>
+                    <a:bodyPr/>
+                    <a:lstStyle/>
+                    <a:p>
+                      <a:pPr marL="0" marR="0" lvl="0" indent="0" algn="l" defTabSz="914400" rtl="0" eaLnBrk="1" fontAlgn="auto" latinLnBrk="0" hangingPunct="1">
+                        <a:lnSpc>
+                          <a:spcPct val="100000"/>
+                        </a:lnSpc>
+                        <a:spcBef>
+                          <a:spcPts val="0"/>
+                        </a:spcBef>
+                        <a:spcAft>
+                          <a:spcPts val="0"/>
+                        </a:spcAft>
+                        <a:buClrTx/>
+                        <a:buSzTx/>
+                        <a:buFontTx/>
+                        <a:buNone/>
+                        <a:tabLst/>
+                        <a:defRPr/>
+                      </a:pPr>
+                      <a:r>
+                        <a:rPr lang="en-US" b="1" dirty="0"/>
+                        <a:t>Break</a:t>
+                      </a:r>
+                    </a:p>
+                  </a:txBody>
+                  <a:tcPr/>
+                </a:tc>
+                <a:tc>
+                  <a:txBody>
+                    <a:bodyPr/>
+                    <a:lstStyle/>
+                    <a:p>
+                      <a:endParaRPr lang="en-US" dirty="0"/>
+                    </a:p>
+                  </a:txBody>
+                  <a:tcPr/>
+                </a:tc>
+                <a:extLst>
+                  <a:ext uri="{0D108BD9-81ED-4DB2-BD59-A6C34878D82A}">
+                    <a16:rowId xmlns:a16="http://schemas.microsoft.com/office/drawing/2014/main" val="1269228105"/>
+                  </a:ext>
+                </a:extLst>
+              </a:tr>
+              <a:tr h="370840">
+                <a:tc>
+                  <a:txBody>
+                    <a:bodyPr/>
+                    <a:lstStyle/>
+                    <a:p>
+                      <a:r>
+                        <a:rPr lang="en-US" dirty="0"/>
+                        <a:t>[80 min]</a:t>
+                      </a:r>
+                    </a:p>
+                  </a:txBody>
+                  <a:tcPr/>
+                </a:tc>
+                <a:tc>
+                  <a:txBody>
+                    <a:bodyPr/>
+                    <a:lstStyle/>
+                    <a:p>
+                      <a:r>
+                        <a:rPr lang="en-US" sz="1800" kern="1200" dirty="0">
+                          <a:solidFill>
+                            <a:schemeClr val="dk1"/>
+                          </a:solidFill>
+                          <a:effectLst/>
+                          <a:latin typeface="+mn-lt"/>
+                          <a:ea typeface="+mn-ea"/>
+                          <a:cs typeface="+mn-cs"/>
+                        </a:rPr>
+                        <a:t>(4) Guided exercise: </a:t>
+                      </a:r>
+                    </a:p>
+                    <a:p>
+                      <a:pPr marL="285750" indent="-285750">
+                        <a:buFontTx/>
+                        <a:buChar char="-"/>
+                      </a:pPr>
+                      <a:r>
+                        <a:rPr lang="en-US" sz="1800" kern="1200" dirty="0">
+                          <a:solidFill>
+                            <a:schemeClr val="dk1"/>
+                          </a:solidFill>
+                          <a:effectLst/>
+                          <a:latin typeface="+mn-lt"/>
+                          <a:ea typeface="+mn-ea"/>
+                          <a:cs typeface="+mn-cs"/>
+                        </a:rPr>
+                        <a:t>Implement a simple cancer natural history DES for one person</a:t>
+                      </a:r>
+                    </a:p>
+                    <a:p>
+                      <a:pPr marL="285750" indent="-285750">
+                        <a:buFontTx/>
+                        <a:buChar char="-"/>
+                      </a:pPr>
+                      <a:r>
+                        <a:rPr lang="en-US" sz="1800" kern="1200" dirty="0">
+                          <a:solidFill>
+                            <a:schemeClr val="dk1"/>
+                          </a:solidFill>
+                          <a:effectLst/>
+                          <a:latin typeface="+mn-lt"/>
+                          <a:ea typeface="+mn-ea"/>
+                          <a:cs typeface="+mn-cs"/>
+                        </a:rPr>
+                        <a:t>The many-person case</a:t>
+                      </a:r>
+                    </a:p>
+                    <a:p>
+                      <a:pPr marL="285750" indent="-285750">
+                        <a:buFontTx/>
+                        <a:buChar char="-"/>
+                      </a:pPr>
+                      <a:r>
+                        <a:rPr lang="en-US" sz="1800" kern="1200" dirty="0">
+                          <a:solidFill>
+                            <a:schemeClr val="dk1"/>
+                          </a:solidFill>
+                          <a:effectLst/>
+                          <a:latin typeface="+mn-lt"/>
+                          <a:ea typeface="+mn-ea"/>
+                          <a:cs typeface="+mn-cs"/>
+                        </a:rPr>
+                        <a:t>Packaging </a:t>
+                      </a:r>
+                    </a:p>
+                  </a:txBody>
+                  <a:tcPr/>
+                </a:tc>
+                <a:tc>
+                  <a:txBody>
+                    <a:bodyPr/>
+                    <a:lstStyle/>
+                    <a:p>
+                      <a:r>
+                        <a:rPr lang="en-US" dirty="0"/>
+                        <a:t>[All]</a:t>
+                      </a:r>
+                    </a:p>
+                    <a:p>
+                      <a:r>
+                        <a:rPr lang="en-US" dirty="0" err="1"/>
+                        <a:t>Chrysanthopoulou</a:t>
+                      </a:r>
+                      <a:endParaRPr lang="en-US" dirty="0"/>
+                    </a:p>
+                    <a:p>
+                      <a:endParaRPr lang="en-US" dirty="0"/>
+                    </a:p>
+                    <a:p>
+                      <a:r>
+                        <a:rPr lang="en-US" dirty="0" err="1"/>
+                        <a:t>Sereda</a:t>
+                      </a:r>
+                      <a:r>
+                        <a:rPr lang="en-US" dirty="0"/>
+                        <a:t>/</a:t>
+                      </a:r>
+                      <a:r>
+                        <a:rPr lang="en-US" dirty="0" err="1"/>
+                        <a:t>Alarid</a:t>
+                      </a:r>
+                      <a:r>
+                        <a:rPr lang="en-US" dirty="0"/>
+                        <a:t>-Escudero</a:t>
+                      </a:r>
+                    </a:p>
+                    <a:p>
+                      <a:r>
+                        <a:rPr lang="en-US" dirty="0" err="1"/>
+                        <a:t>Trikalinos</a:t>
+                      </a:r>
+                      <a:endParaRPr lang="en-US" dirty="0"/>
+                    </a:p>
+                  </a:txBody>
+                  <a:tcPr/>
+                </a:tc>
+                <a:extLst>
+                  <a:ext uri="{0D108BD9-81ED-4DB2-BD59-A6C34878D82A}">
+                    <a16:rowId xmlns:a16="http://schemas.microsoft.com/office/drawing/2014/main" val="1448491104"/>
+                  </a:ext>
+                </a:extLst>
+              </a:tr>
+              <a:tr h="370840">
+                <a:tc>
+                  <a:txBody>
+                    <a:bodyPr/>
+                    <a:lstStyle/>
+                    <a:p>
+                      <a:r>
+                        <a:rPr lang="en-US" dirty="0"/>
+                        <a:t>[10 min]</a:t>
+                      </a:r>
+                    </a:p>
+                  </a:txBody>
+                  <a:tcPr/>
+                </a:tc>
+                <a:tc>
+                  <a:txBody>
+                    <a:bodyPr/>
+                    <a:lstStyle/>
+                    <a:p>
+                      <a:pPr marL="0" marR="0" lvl="0" indent="0" algn="l" defTabSz="914400" rtl="0" eaLnBrk="1" fontAlgn="auto" latinLnBrk="0" hangingPunct="1">
+                        <a:lnSpc>
+                          <a:spcPct val="100000"/>
+                        </a:lnSpc>
+                        <a:spcBef>
+                          <a:spcPts val="0"/>
+                        </a:spcBef>
+                        <a:spcAft>
+                          <a:spcPts val="0"/>
+                        </a:spcAft>
+                        <a:buClrTx/>
+                        <a:buSzTx/>
+                        <a:buFontTx/>
+                        <a:buNone/>
+                        <a:tabLst/>
+                        <a:defRPr/>
+                      </a:pPr>
+                      <a:r>
+                        <a:rPr lang="en-US" sz="1800" kern="1200" dirty="0">
+                          <a:solidFill>
+                            <a:schemeClr val="dk1"/>
+                          </a:solidFill>
+                          <a:effectLst/>
+                          <a:latin typeface="+mn-lt"/>
+                          <a:ea typeface="+mn-ea"/>
+                          <a:cs typeface="+mn-cs"/>
+                        </a:rPr>
+                        <a:t>(5) Advanced Topic Teaser on self-excitatory processes: point processes that are not NHPPPs and when you may need them</a:t>
+                      </a:r>
+                    </a:p>
+                  </a:txBody>
+                  <a:tcPr/>
+                </a:tc>
+                <a:tc>
+                  <a:txBody>
+                    <a:bodyPr/>
+                    <a:lstStyle/>
+                    <a:p>
+                      <a:r>
+                        <a:rPr lang="en-US" dirty="0" err="1"/>
+                        <a:t>Trikalinos</a:t>
+                      </a:r>
+                      <a:endParaRPr lang="en-US" dirty="0"/>
+                    </a:p>
+                  </a:txBody>
+                  <a:tcPr/>
+                </a:tc>
+                <a:extLst>
+                  <a:ext uri="{0D108BD9-81ED-4DB2-BD59-A6C34878D82A}">
+                    <a16:rowId xmlns:a16="http://schemas.microsoft.com/office/drawing/2014/main" val="3766472740"/>
+                  </a:ext>
+                </a:extLst>
+              </a:tr>
+              <a:tr h="370840">
+                <a:tc>
+                  <a:txBody>
+                    <a:bodyPr/>
+                    <a:lstStyle/>
+                    <a:p>
+                      <a:r>
+                        <a:rPr lang="en-US" dirty="0"/>
+                        <a:t>[15 min]</a:t>
+                      </a:r>
+                    </a:p>
+                  </a:txBody>
+                  <a:tcPr/>
+                </a:tc>
+                <a:tc>
+                  <a:txBody>
+                    <a:bodyPr/>
+                    <a:lstStyle/>
+                    <a:p>
+                      <a:r>
+                        <a:rPr lang="en-US" dirty="0"/>
+                        <a:t>General Q &amp; A</a:t>
+                      </a:r>
+                    </a:p>
+                  </a:txBody>
+                  <a:tcPr/>
+                </a:tc>
+                <a:tc>
+                  <a:txBody>
+                    <a:bodyPr/>
+                    <a:lstStyle/>
+                    <a:p>
+                      <a:r>
+                        <a:rPr lang="en-US" dirty="0"/>
+                        <a:t>All</a:t>
+                      </a:r>
+                    </a:p>
+                  </a:txBody>
+                  <a:tcPr/>
+                </a:tc>
+                <a:extLst>
+                  <a:ext uri="{0D108BD9-81ED-4DB2-BD59-A6C34878D82A}">
+                    <a16:rowId xmlns:a16="http://schemas.microsoft.com/office/drawing/2014/main" val="3034331301"/>
+                  </a:ext>
+                </a:extLst>
+              </a:tr>
+            </a:tbl>
+          </a:graphicData>
+        </a:graphic>
+      </p:graphicFrame>
+      <p:sp>
+        <p:nvSpPr>
+          <p:cNvPr id="5" name="Right Arrow 4">
+            <a:extLst>
+              <a:ext uri="{FF2B5EF4-FFF2-40B4-BE49-F238E27FC236}">
+                <a16:creationId xmlns:a16="http://schemas.microsoft.com/office/drawing/2014/main" id="{ADF1176E-1AF6-B643-CB0C-12EB99035CC4}"/>
+              </a:ext>
+            </a:extLst>
+          </p:cNvPr>
+          <p:cNvSpPr/>
+          <p:nvPr/>
         </p:nvSpPr>
-        <p:spPr/>
+        <p:spPr>
+          <a:xfrm>
+            <a:off x="189186" y="2036895"/>
+            <a:ext cx="914400" cy="420414"/>
+          </a:xfrm>
+          <a:prstGeom prst="rightArrow">
+            <a:avLst/>
+          </a:prstGeom>
+          <a:solidFill>
+            <a:srgbClr val="FF0000"/>
+          </a:solidFill>
+          <a:ln>
+            <a:noFill/>
+          </a:ln>
+          <a:effectLst/>
+        </p:spPr>
+        <p:style>
+          <a:lnRef idx="2">
+            <a:schemeClr val="accent1">
+              <a:shade val="15000"/>
+            </a:schemeClr>
+          </a:lnRef>
+          <a:fillRef idx="1">
+            <a:schemeClr val="accent1"/>
+          </a:fillRef>
+          <a:effectRef idx="0">
+            <a:schemeClr val="accent1"/>
+          </a:effectRef>
+          <a:fontRef idx="minor">
+            <a:schemeClr val="lt1"/>
+          </a:fontRef>
+        </p:style>
         <p:txBody>
-          <a:bodyPr/>
+          <a:bodyPr rtlCol="0" anchor="ctr"/>
           <a:lstStyle/>
           <a:p>
-            <a:r>
-              <a:rPr lang="en-US" dirty="0"/>
-              <a:t>Section 2: Theory</a:t>
-            </a:r>
+            <a:pPr algn="ctr"/>
+            <a:endParaRPr lang="en-US"/>
           </a:p>
         </p:txBody>
       </p:sp>
       <p:sp>
         <p:nvSpPr>
-          <p:cNvPr id="3" name="Subtitle 2">
+          <p:cNvPr id="2" name="TextBox 1">
             <a:extLst>
               <a:ext uri="{FF2B5EF4-FFF2-40B4-BE49-F238E27FC236}">
-                <a16:creationId xmlns:a16="http://schemas.microsoft.com/office/drawing/2014/main" id="{0008BE15-D20D-3E7C-8C86-64BB11EB4851}"/>
+                <a16:creationId xmlns:a16="http://schemas.microsoft.com/office/drawing/2014/main" id="{696FB621-0F70-DF5F-7F7A-719FEC9269B6}"/>
               </a:ext>
             </a:extLst>
           </p:cNvPr>
-          <p:cNvSpPr>
-            <a:spLocks noGrp="1"/>
-          </p:cNvSpPr>
-          <p:nvPr>
-            <p:ph type="subTitle" idx="1"/>
-          </p:nvPr>
+          <p:cNvSpPr txBox="1"/>
+          <p:nvPr/>
         </p:nvSpPr>
-        <p:spPr/>
+        <p:spPr>
+          <a:xfrm>
+            <a:off x="1208690" y="310250"/>
+            <a:ext cx="5017656" cy="461665"/>
+          </a:xfrm>
+          <a:prstGeom prst="rect">
+            <a:avLst/>
+          </a:prstGeom>
+          <a:noFill/>
+        </p:spPr>
         <p:txBody>
-          <a:bodyPr/>
+          <a:bodyPr wrap="none" rtlCol="0">
+            <a:spAutoFit/>
+          </a:bodyPr>
           <a:lstStyle/>
           <a:p>
-            <a:endParaRPr lang="en-US"/>
+            <a:r>
+              <a:rPr lang="en-US" sz="2400" dirty="0"/>
+              <a:t>Sunday 27</a:t>
+            </a:r>
+            <a:r>
+              <a:rPr lang="en-US" sz="2400" baseline="30000" dirty="0"/>
+              <a:t>th</a:t>
+            </a:r>
+            <a:r>
+              <a:rPr lang="en-US" sz="2400" dirty="0"/>
+              <a:t> of October 8:30 to 12:00</a:t>
+            </a:r>
           </a:p>
         </p:txBody>
       </p:sp>
     </p:spTree>
     <p:extLst>
       <p:ext uri="{BB962C8B-B14F-4D97-AF65-F5344CB8AC3E}">
-        <p14:creationId xmlns:p14="http://schemas.microsoft.com/office/powerpoint/2010/main" val="3585762051"/>
+        <p14:creationId xmlns:p14="http://schemas.microsoft.com/office/powerpoint/2010/main" val="1654626187"/>
       </p:ext>
     </p:extLst>
   </p:cSld>
@@ -3896,6 +4611,661 @@
 </file>
 
 <file path=ppt/slides/slide10.xml><?xml version="1.0" encoding="utf-8"?>
+<p:sld xmlns:a="http://schemas.openxmlformats.org/drawingml/2006/main" xmlns:r="http://schemas.openxmlformats.org/officeDocument/2006/relationships" xmlns:p="http://schemas.openxmlformats.org/presentationml/2006/main">
+  <p:cSld>
+    <p:spTree>
+      <p:nvGrpSpPr>
+        <p:cNvPr id="1" name="">
+          <a:extLst>
+            <a:ext uri="{FF2B5EF4-FFF2-40B4-BE49-F238E27FC236}">
+              <a16:creationId xmlns:a16="http://schemas.microsoft.com/office/drawing/2014/main" id="{2F655CD5-72A6-3C01-53B9-2BAC666C5D5D}"/>
+            </a:ext>
+          </a:extLst>
+        </p:cNvPr>
+        <p:cNvGrpSpPr/>
+        <p:nvPr/>
+      </p:nvGrpSpPr>
+      <p:grpSpPr>
+        <a:xfrm>
+          <a:off x="0" y="0"/>
+          <a:ext cx="0" cy="0"/>
+          <a:chOff x="0" y="0"/>
+          <a:chExt cx="0" cy="0"/>
+        </a:xfrm>
+      </p:grpSpPr>
+      <p:pic>
+        <p:nvPicPr>
+          <p:cNvPr id="18" name="Content Placeholder 17">
+            <a:extLst>
+              <a:ext uri="{FF2B5EF4-FFF2-40B4-BE49-F238E27FC236}">
+                <a16:creationId xmlns:a16="http://schemas.microsoft.com/office/drawing/2014/main" id="{1C82D198-BEAF-457A-119E-0C35C0AC70A9}"/>
+              </a:ext>
+            </a:extLst>
+          </p:cNvPr>
+          <p:cNvPicPr>
+            <a:picLocks noGrp="1" noChangeAspect="1"/>
+          </p:cNvPicPr>
+          <p:nvPr>
+            <p:ph sz="half" idx="2"/>
+          </p:nvPr>
+        </p:nvPicPr>
+        <p:blipFill>
+          <a:blip r:embed="rId2"/>
+          <a:stretch>
+            <a:fillRect/>
+          </a:stretch>
+        </p:blipFill>
+        <p:spPr>
+          <a:xfrm>
+            <a:off x="6477000" y="2629694"/>
+            <a:ext cx="4572000" cy="2743200"/>
+          </a:xfrm>
+        </p:spPr>
+      </p:pic>
+      <p:sp>
+        <p:nvSpPr>
+          <p:cNvPr id="2" name="Title 1">
+            <a:extLst>
+              <a:ext uri="{FF2B5EF4-FFF2-40B4-BE49-F238E27FC236}">
+                <a16:creationId xmlns:a16="http://schemas.microsoft.com/office/drawing/2014/main" id="{7CF69BAE-2C22-A42D-25E3-E84EBD36B369}"/>
+              </a:ext>
+            </a:extLst>
+          </p:cNvPr>
+          <p:cNvSpPr>
+            <a:spLocks noGrp="1"/>
+          </p:cNvSpPr>
+          <p:nvPr>
+            <p:ph type="title"/>
+          </p:nvPr>
+        </p:nvSpPr>
+        <p:spPr/>
+        <p:txBody>
+          <a:bodyPr/>
+          <a:lstStyle/>
+          <a:p>
+            <a:r>
+              <a:rPr lang="en-US"/>
+              <a:t>The point process</a:t>
+            </a:r>
+          </a:p>
+        </p:txBody>
+      </p:sp>
+      <p:sp>
+        <p:nvSpPr>
+          <p:cNvPr id="4" name="Content Placeholder 3">
+            <a:extLst>
+              <a:ext uri="{FF2B5EF4-FFF2-40B4-BE49-F238E27FC236}">
+                <a16:creationId xmlns:a16="http://schemas.microsoft.com/office/drawing/2014/main" id="{62BF73F6-E8C4-4D5D-FB98-90D86170ACD5}"/>
+              </a:ext>
+            </a:extLst>
+          </p:cNvPr>
+          <p:cNvSpPr>
+            <a:spLocks noGrp="1"/>
+          </p:cNvSpPr>
+          <p:nvPr>
+            <p:ph sz="half" idx="1"/>
+          </p:nvPr>
+        </p:nvSpPr>
+        <p:spPr/>
+        <p:txBody>
+          <a:bodyPr vert="horz" lIns="91440" tIns="45720" rIns="91440" bIns="45720" rtlCol="0" anchor="t">
+            <a:normAutofit/>
+          </a:bodyPr>
+          <a:lstStyle/>
+          <a:p>
+            <a:r>
+              <a:rPr lang="en-US" dirty="0"/>
+              <a:t>The interarrival times are the lengths of the interarrival time intervals </a:t>
+            </a:r>
+          </a:p>
+          <a:p>
+            <a:r>
+              <a:rPr lang="en-US" dirty="0"/>
+              <a:t>The arrival times and interarrival times give the same information</a:t>
+            </a:r>
+            <a:br>
+              <a:rPr lang="en-US" dirty="0"/>
+            </a:br>
+            <a:br>
+              <a:rPr lang="en-US" dirty="0"/>
+            </a:br>
+            <a:r>
+              <a:rPr lang="en-US" dirty="0"/>
+              <a:t>(… thus, the interarrival times are random)</a:t>
+            </a:r>
+          </a:p>
+        </p:txBody>
+      </p:sp>
+      <p:grpSp>
+        <p:nvGrpSpPr>
+          <p:cNvPr id="37" name="Group 36">
+            <a:extLst>
+              <a:ext uri="{FF2B5EF4-FFF2-40B4-BE49-F238E27FC236}">
+                <a16:creationId xmlns:a16="http://schemas.microsoft.com/office/drawing/2014/main" id="{4E20D6F7-B6A9-2B1A-9BCB-BF8B54DD73E5}"/>
+              </a:ext>
+            </a:extLst>
+          </p:cNvPr>
+          <p:cNvGrpSpPr/>
+          <p:nvPr/>
+        </p:nvGrpSpPr>
+        <p:grpSpPr>
+          <a:xfrm>
+            <a:off x="7580376" y="3524149"/>
+            <a:ext cx="2989740" cy="164592"/>
+            <a:chOff x="7580376" y="3277175"/>
+            <a:chExt cx="2989740" cy="164592"/>
+          </a:xfrm>
+        </p:grpSpPr>
+        <p:cxnSp>
+          <p:nvCxnSpPr>
+            <p:cNvPr id="6" name="Straight Connector 5">
+              <a:extLst>
+                <a:ext uri="{FF2B5EF4-FFF2-40B4-BE49-F238E27FC236}">
+                  <a16:creationId xmlns:a16="http://schemas.microsoft.com/office/drawing/2014/main" id="{87EB88CC-7E30-F1C6-0F56-F8DD3F6227BB}"/>
+                </a:ext>
+              </a:extLst>
+            </p:cNvPr>
+            <p:cNvCxnSpPr>
+              <a:cxnSpLocks/>
+            </p:cNvCxnSpPr>
+            <p:nvPr/>
+          </p:nvCxnSpPr>
+          <p:spPr>
+            <a:xfrm>
+              <a:off x="7580376" y="3277175"/>
+              <a:ext cx="0" cy="164592"/>
+            </a:xfrm>
+            <a:prstGeom prst="line">
+              <a:avLst/>
+            </a:prstGeom>
+            <a:ln w="6350">
+              <a:solidFill>
+                <a:schemeClr val="tx1"/>
+              </a:solidFill>
+            </a:ln>
+          </p:spPr>
+          <p:style>
+            <a:lnRef idx="2">
+              <a:schemeClr val="accent1"/>
+            </a:lnRef>
+            <a:fillRef idx="0">
+              <a:schemeClr val="accent1"/>
+            </a:fillRef>
+            <a:effectRef idx="1">
+              <a:schemeClr val="accent1"/>
+            </a:effectRef>
+            <a:fontRef idx="minor">
+              <a:schemeClr val="tx1"/>
+            </a:fontRef>
+          </p:style>
+        </p:cxnSp>
+        <p:cxnSp>
+          <p:nvCxnSpPr>
+            <p:cNvPr id="10" name="Straight Connector 9">
+              <a:extLst>
+                <a:ext uri="{FF2B5EF4-FFF2-40B4-BE49-F238E27FC236}">
+                  <a16:creationId xmlns:a16="http://schemas.microsoft.com/office/drawing/2014/main" id="{C7E7815B-3CE5-02B0-908A-434052937475}"/>
+                </a:ext>
+              </a:extLst>
+            </p:cNvPr>
+            <p:cNvCxnSpPr>
+              <a:cxnSpLocks/>
+            </p:cNvCxnSpPr>
+            <p:nvPr/>
+          </p:nvCxnSpPr>
+          <p:spPr>
+            <a:xfrm>
+              <a:off x="7823270" y="3277175"/>
+              <a:ext cx="0" cy="164592"/>
+            </a:xfrm>
+            <a:prstGeom prst="line">
+              <a:avLst/>
+            </a:prstGeom>
+            <a:ln w="6350">
+              <a:solidFill>
+                <a:schemeClr val="tx1"/>
+              </a:solidFill>
+            </a:ln>
+          </p:spPr>
+          <p:style>
+            <a:lnRef idx="2">
+              <a:schemeClr val="accent1"/>
+            </a:lnRef>
+            <a:fillRef idx="0">
+              <a:schemeClr val="accent1"/>
+            </a:fillRef>
+            <a:effectRef idx="1">
+              <a:schemeClr val="accent1"/>
+            </a:effectRef>
+            <a:fontRef idx="minor">
+              <a:schemeClr val="tx1"/>
+            </a:fontRef>
+          </p:style>
+        </p:cxnSp>
+        <p:cxnSp>
+          <p:nvCxnSpPr>
+            <p:cNvPr id="12" name="Straight Connector 11">
+              <a:extLst>
+                <a:ext uri="{FF2B5EF4-FFF2-40B4-BE49-F238E27FC236}">
+                  <a16:creationId xmlns:a16="http://schemas.microsoft.com/office/drawing/2014/main" id="{C88E8632-06B9-E9D1-4CBC-6C873ACEDDE0}"/>
+                </a:ext>
+              </a:extLst>
+            </p:cNvPr>
+            <p:cNvCxnSpPr>
+              <a:cxnSpLocks/>
+            </p:cNvCxnSpPr>
+            <p:nvPr/>
+          </p:nvCxnSpPr>
+          <p:spPr>
+            <a:xfrm>
+              <a:off x="10570116" y="3277175"/>
+              <a:ext cx="0" cy="164592"/>
+            </a:xfrm>
+            <a:prstGeom prst="line">
+              <a:avLst/>
+            </a:prstGeom>
+            <a:ln w="6350">
+              <a:solidFill>
+                <a:schemeClr val="tx1"/>
+              </a:solidFill>
+            </a:ln>
+          </p:spPr>
+          <p:style>
+            <a:lnRef idx="2">
+              <a:schemeClr val="accent1"/>
+            </a:lnRef>
+            <a:fillRef idx="0">
+              <a:schemeClr val="accent1"/>
+            </a:fillRef>
+            <a:effectRef idx="1">
+              <a:schemeClr val="accent1"/>
+            </a:effectRef>
+            <a:fontRef idx="minor">
+              <a:schemeClr val="tx1"/>
+            </a:fontRef>
+          </p:style>
+        </p:cxnSp>
+        <p:cxnSp>
+          <p:nvCxnSpPr>
+            <p:cNvPr id="13" name="Straight Connector 12">
+              <a:extLst>
+                <a:ext uri="{FF2B5EF4-FFF2-40B4-BE49-F238E27FC236}">
+                  <a16:creationId xmlns:a16="http://schemas.microsoft.com/office/drawing/2014/main" id="{EF5F2903-A94C-4B7A-9434-4B0D47897B29}"/>
+                </a:ext>
+              </a:extLst>
+            </p:cNvPr>
+            <p:cNvCxnSpPr>
+              <a:cxnSpLocks/>
+            </p:cNvCxnSpPr>
+            <p:nvPr/>
+          </p:nvCxnSpPr>
+          <p:spPr>
+            <a:xfrm>
+              <a:off x="9958000" y="3277175"/>
+              <a:ext cx="0" cy="164592"/>
+            </a:xfrm>
+            <a:prstGeom prst="line">
+              <a:avLst/>
+            </a:prstGeom>
+            <a:ln w="6350">
+              <a:solidFill>
+                <a:schemeClr val="tx1"/>
+              </a:solidFill>
+            </a:ln>
+          </p:spPr>
+          <p:style>
+            <a:lnRef idx="2">
+              <a:schemeClr val="accent1"/>
+            </a:lnRef>
+            <a:fillRef idx="0">
+              <a:schemeClr val="accent1"/>
+            </a:fillRef>
+            <a:effectRef idx="1">
+              <a:schemeClr val="accent1"/>
+            </a:effectRef>
+            <a:fontRef idx="minor">
+              <a:schemeClr val="tx1"/>
+            </a:fontRef>
+          </p:style>
+        </p:cxnSp>
+        <p:cxnSp>
+          <p:nvCxnSpPr>
+            <p:cNvPr id="14" name="Straight Connector 13">
+              <a:extLst>
+                <a:ext uri="{FF2B5EF4-FFF2-40B4-BE49-F238E27FC236}">
+                  <a16:creationId xmlns:a16="http://schemas.microsoft.com/office/drawing/2014/main" id="{44F3FB67-9124-6D7E-E28C-FBBCF319D24C}"/>
+                </a:ext>
+              </a:extLst>
+            </p:cNvPr>
+            <p:cNvCxnSpPr>
+              <a:cxnSpLocks/>
+            </p:cNvCxnSpPr>
+            <p:nvPr/>
+          </p:nvCxnSpPr>
+          <p:spPr>
+            <a:xfrm>
+              <a:off x="10418018" y="3277175"/>
+              <a:ext cx="0" cy="164592"/>
+            </a:xfrm>
+            <a:prstGeom prst="line">
+              <a:avLst/>
+            </a:prstGeom>
+            <a:ln w="6350">
+              <a:solidFill>
+                <a:schemeClr val="tx1"/>
+              </a:solidFill>
+            </a:ln>
+          </p:spPr>
+          <p:style>
+            <a:lnRef idx="2">
+              <a:schemeClr val="accent1"/>
+            </a:lnRef>
+            <a:fillRef idx="0">
+              <a:schemeClr val="accent1"/>
+            </a:fillRef>
+            <a:effectRef idx="1">
+              <a:schemeClr val="accent1"/>
+            </a:effectRef>
+            <a:fontRef idx="minor">
+              <a:schemeClr val="tx1"/>
+            </a:fontRef>
+          </p:style>
+        </p:cxnSp>
+        <p:cxnSp>
+          <p:nvCxnSpPr>
+            <p:cNvPr id="20" name="Straight Arrow Connector 19">
+              <a:extLst>
+                <a:ext uri="{FF2B5EF4-FFF2-40B4-BE49-F238E27FC236}">
+                  <a16:creationId xmlns:a16="http://schemas.microsoft.com/office/drawing/2014/main" id="{CC8A29FE-69D6-E1B6-620D-B5DF943BAA99}"/>
+                </a:ext>
+              </a:extLst>
+            </p:cNvPr>
+            <p:cNvCxnSpPr>
+              <a:cxnSpLocks/>
+            </p:cNvCxnSpPr>
+            <p:nvPr/>
+          </p:nvCxnSpPr>
+          <p:spPr>
+            <a:xfrm>
+              <a:off x="7580376" y="3359471"/>
+              <a:ext cx="242894" cy="0"/>
+            </a:xfrm>
+            <a:prstGeom prst="straightConnector1">
+              <a:avLst/>
+            </a:prstGeom>
+            <a:ln w="6350">
+              <a:solidFill>
+                <a:schemeClr val="tx1"/>
+              </a:solidFill>
+              <a:headEnd type="stealth" w="sm" len="sm"/>
+              <a:tailEnd type="stealth" w="sm" len="sm"/>
+            </a:ln>
+          </p:spPr>
+          <p:style>
+            <a:lnRef idx="2">
+              <a:schemeClr val="accent1"/>
+            </a:lnRef>
+            <a:fillRef idx="0">
+              <a:schemeClr val="accent1"/>
+            </a:fillRef>
+            <a:effectRef idx="1">
+              <a:schemeClr val="accent1"/>
+            </a:effectRef>
+            <a:fontRef idx="minor">
+              <a:schemeClr val="tx1"/>
+            </a:fontRef>
+          </p:style>
+        </p:cxnSp>
+        <p:cxnSp>
+          <p:nvCxnSpPr>
+            <p:cNvPr id="21" name="Straight Arrow Connector 20">
+              <a:extLst>
+                <a:ext uri="{FF2B5EF4-FFF2-40B4-BE49-F238E27FC236}">
+                  <a16:creationId xmlns:a16="http://schemas.microsoft.com/office/drawing/2014/main" id="{383A609A-2C7F-4106-4FB0-3844924AFF32}"/>
+                </a:ext>
+              </a:extLst>
+            </p:cNvPr>
+            <p:cNvCxnSpPr>
+              <a:cxnSpLocks/>
+            </p:cNvCxnSpPr>
+            <p:nvPr/>
+          </p:nvCxnSpPr>
+          <p:spPr>
+            <a:xfrm>
+              <a:off x="7829229" y="3359471"/>
+              <a:ext cx="2122421" cy="0"/>
+            </a:xfrm>
+            <a:prstGeom prst="straightConnector1">
+              <a:avLst/>
+            </a:prstGeom>
+            <a:ln w="6350">
+              <a:solidFill>
+                <a:schemeClr val="tx1"/>
+              </a:solidFill>
+              <a:headEnd type="stealth" w="sm" len="sm"/>
+              <a:tailEnd type="stealth" w="sm" len="sm"/>
+            </a:ln>
+          </p:spPr>
+          <p:style>
+            <a:lnRef idx="2">
+              <a:schemeClr val="accent1"/>
+            </a:lnRef>
+            <a:fillRef idx="0">
+              <a:schemeClr val="accent1"/>
+            </a:fillRef>
+            <a:effectRef idx="1">
+              <a:schemeClr val="accent1"/>
+            </a:effectRef>
+            <a:fontRef idx="minor">
+              <a:schemeClr val="tx1"/>
+            </a:fontRef>
+          </p:style>
+        </p:cxnSp>
+        <p:cxnSp>
+          <p:nvCxnSpPr>
+            <p:cNvPr id="23" name="Straight Arrow Connector 22">
+              <a:extLst>
+                <a:ext uri="{FF2B5EF4-FFF2-40B4-BE49-F238E27FC236}">
+                  <a16:creationId xmlns:a16="http://schemas.microsoft.com/office/drawing/2014/main" id="{E14D4E41-6CBC-899C-D4A6-F8F180D23B97}"/>
+                </a:ext>
+              </a:extLst>
+            </p:cNvPr>
+            <p:cNvCxnSpPr>
+              <a:cxnSpLocks/>
+            </p:cNvCxnSpPr>
+            <p:nvPr/>
+          </p:nvCxnSpPr>
+          <p:spPr>
+            <a:xfrm>
+              <a:off x="9964897" y="3359471"/>
+              <a:ext cx="447710" cy="0"/>
+            </a:xfrm>
+            <a:prstGeom prst="straightConnector1">
+              <a:avLst/>
+            </a:prstGeom>
+            <a:ln w="6350">
+              <a:solidFill>
+                <a:schemeClr val="tx1"/>
+              </a:solidFill>
+              <a:headEnd type="stealth" w="sm" len="sm"/>
+              <a:tailEnd type="stealth" w="sm" len="sm"/>
+            </a:ln>
+          </p:spPr>
+          <p:style>
+            <a:lnRef idx="2">
+              <a:schemeClr val="accent1"/>
+            </a:lnRef>
+            <a:fillRef idx="0">
+              <a:schemeClr val="accent1"/>
+            </a:fillRef>
+            <a:effectRef idx="1">
+              <a:schemeClr val="accent1"/>
+            </a:effectRef>
+            <a:fontRef idx="minor">
+              <a:schemeClr val="tx1"/>
+            </a:fontRef>
+          </p:style>
+        </p:cxnSp>
+        <p:cxnSp>
+          <p:nvCxnSpPr>
+            <p:cNvPr id="27" name="Straight Arrow Connector 26">
+              <a:extLst>
+                <a:ext uri="{FF2B5EF4-FFF2-40B4-BE49-F238E27FC236}">
+                  <a16:creationId xmlns:a16="http://schemas.microsoft.com/office/drawing/2014/main" id="{FED9D45D-5D12-28E2-99D0-D1965087180F}"/>
+                </a:ext>
+              </a:extLst>
+            </p:cNvPr>
+            <p:cNvCxnSpPr>
+              <a:cxnSpLocks/>
+            </p:cNvCxnSpPr>
+            <p:nvPr/>
+          </p:nvCxnSpPr>
+          <p:spPr>
+            <a:xfrm>
+              <a:off x="10429875" y="3359471"/>
+              <a:ext cx="133891" cy="0"/>
+            </a:xfrm>
+            <a:prstGeom prst="straightConnector1">
+              <a:avLst/>
+            </a:prstGeom>
+            <a:ln w="6350">
+              <a:solidFill>
+                <a:schemeClr val="tx1"/>
+              </a:solidFill>
+              <a:headEnd type="stealth" w="sm" len="sm"/>
+              <a:tailEnd type="stealth" w="sm" len="sm"/>
+            </a:ln>
+          </p:spPr>
+          <p:style>
+            <a:lnRef idx="2">
+              <a:schemeClr val="accent1"/>
+            </a:lnRef>
+            <a:fillRef idx="0">
+              <a:schemeClr val="accent1"/>
+            </a:fillRef>
+            <a:effectRef idx="1">
+              <a:schemeClr val="accent1"/>
+            </a:effectRef>
+            <a:fontRef idx="minor">
+              <a:schemeClr val="tx1"/>
+            </a:fontRef>
+          </p:style>
+        </p:cxnSp>
+      </p:grpSp>
+      <p:grpSp>
+        <p:nvGrpSpPr>
+          <p:cNvPr id="42" name="Group 41">
+            <a:extLst>
+              <a:ext uri="{FF2B5EF4-FFF2-40B4-BE49-F238E27FC236}">
+                <a16:creationId xmlns:a16="http://schemas.microsoft.com/office/drawing/2014/main" id="{13B6EF9F-5738-BE46-308C-C9403F7731A6}"/>
+              </a:ext>
+            </a:extLst>
+          </p:cNvPr>
+          <p:cNvGrpSpPr/>
+          <p:nvPr/>
+        </p:nvGrpSpPr>
+        <p:grpSpPr>
+          <a:xfrm>
+            <a:off x="9133720" y="2366781"/>
+            <a:ext cx="3058280" cy="1226079"/>
+            <a:chOff x="9133720" y="2329073"/>
+            <a:chExt cx="3058280" cy="1226079"/>
+          </a:xfrm>
+        </p:grpSpPr>
+        <p:sp>
+          <p:nvSpPr>
+            <p:cNvPr id="38" name="TextBox 37">
+              <a:extLst>
+                <a:ext uri="{FF2B5EF4-FFF2-40B4-BE49-F238E27FC236}">
+                  <a16:creationId xmlns:a16="http://schemas.microsoft.com/office/drawing/2014/main" id="{E355CD03-2595-4AAE-C231-69282142ACFE}"/>
+                </a:ext>
+              </a:extLst>
+            </p:cNvPr>
+            <p:cNvSpPr txBox="1"/>
+            <p:nvPr/>
+          </p:nvSpPr>
+          <p:spPr>
+            <a:xfrm>
+              <a:off x="10052440" y="2329073"/>
+              <a:ext cx="2139560" cy="369332"/>
+            </a:xfrm>
+            <a:prstGeom prst="rect">
+              <a:avLst/>
+            </a:prstGeom>
+            <a:noFill/>
+          </p:spPr>
+          <p:txBody>
+            <a:bodyPr wrap="none" rtlCol="0">
+              <a:spAutoFit/>
+            </a:bodyPr>
+            <a:lstStyle/>
+            <a:p>
+              <a:r>
+                <a:rPr lang="en-US" i="1"/>
+                <a:t>interarrival intervals</a:t>
+              </a:r>
+            </a:p>
+          </p:txBody>
+        </p:sp>
+        <p:cxnSp>
+          <p:nvCxnSpPr>
+            <p:cNvPr id="40" name="Straight Arrow Connector 39">
+              <a:extLst>
+                <a:ext uri="{FF2B5EF4-FFF2-40B4-BE49-F238E27FC236}">
+                  <a16:creationId xmlns:a16="http://schemas.microsoft.com/office/drawing/2014/main" id="{31181F9D-4492-6C2D-8786-95DA8FDFEA0D}"/>
+                </a:ext>
+              </a:extLst>
+            </p:cNvPr>
+            <p:cNvCxnSpPr>
+              <a:cxnSpLocks/>
+            </p:cNvCxnSpPr>
+            <p:nvPr/>
+          </p:nvCxnSpPr>
+          <p:spPr>
+            <a:xfrm flipH="1">
+              <a:off x="9133720" y="2695074"/>
+              <a:ext cx="959056" cy="860078"/>
+            </a:xfrm>
+            <a:prstGeom prst="straightConnector1">
+              <a:avLst/>
+            </a:prstGeom>
+            <a:ln w="6350">
+              <a:solidFill>
+                <a:schemeClr val="tx1"/>
+              </a:solidFill>
+              <a:tailEnd type="triangle"/>
+            </a:ln>
+          </p:spPr>
+          <p:style>
+            <a:lnRef idx="2">
+              <a:schemeClr val="accent1"/>
+            </a:lnRef>
+            <a:fillRef idx="0">
+              <a:schemeClr val="accent1"/>
+            </a:fillRef>
+            <a:effectRef idx="1">
+              <a:schemeClr val="accent1"/>
+            </a:effectRef>
+            <a:fontRef idx="minor">
+              <a:schemeClr val="tx1"/>
+            </a:fontRef>
+          </p:style>
+        </p:cxnSp>
+      </p:grpSp>
+    </p:spTree>
+    <p:extLst>
+      <p:ext uri="{BB962C8B-B14F-4D97-AF65-F5344CB8AC3E}">
+        <p14:creationId xmlns:p14="http://schemas.microsoft.com/office/powerpoint/2010/main" val="4117257768"/>
+      </p:ext>
+    </p:extLst>
+  </p:cSld>
+  <p:clrMapOvr>
+    <a:masterClrMapping/>
+  </p:clrMapOvr>
+</p:sld>
+</file>
+
+<file path=ppt/slides/slide11.xml><?xml version="1.0" encoding="utf-8"?>
 <p:sld xmlns:a="http://schemas.openxmlformats.org/drawingml/2006/main" xmlns:r="http://schemas.openxmlformats.org/officeDocument/2006/relationships" xmlns:p="http://schemas.openxmlformats.org/presentationml/2006/main">
   <p:cSld>
     <p:spTree>
@@ -5122,7 +6492,7 @@
 </p:sld>
 </file>
 
-<file path=ppt/slides/slide11.xml><?xml version="1.0" encoding="utf-8"?>
+<file path=ppt/slides/slide12.xml><?xml version="1.0" encoding="utf-8"?>
 <p:sld xmlns:a="http://schemas.openxmlformats.org/drawingml/2006/main" xmlns:r="http://schemas.openxmlformats.org/officeDocument/2006/relationships" xmlns:p="http://schemas.openxmlformats.org/presentationml/2006/main">
   <p:cSld>
     <p:spTree>
@@ -5584,7 +6954,7 @@
 </p:sld>
 </file>
 
-<file path=ppt/slides/slide12.xml><?xml version="1.0" encoding="utf-8"?>
+<file path=ppt/slides/slide13.xml><?xml version="1.0" encoding="utf-8"?>
 <p:sld xmlns:a="http://schemas.openxmlformats.org/drawingml/2006/main" xmlns:r="http://schemas.openxmlformats.org/officeDocument/2006/relationships" xmlns:p="http://schemas.openxmlformats.org/presentationml/2006/main">
   <p:cSld>
     <p:spTree>
@@ -5786,7 +7156,7 @@
 </p:sld>
 </file>
 
-<file path=ppt/slides/slide13.xml><?xml version="1.0" encoding="utf-8"?>
+<file path=ppt/slides/slide14.xml><?xml version="1.0" encoding="utf-8"?>
 <p:sld xmlns:a="http://schemas.openxmlformats.org/drawingml/2006/main" xmlns:r="http://schemas.openxmlformats.org/officeDocument/2006/relationships" xmlns:p="http://schemas.openxmlformats.org/presentationml/2006/main">
   <p:cSld>
     <p:spTree>
@@ -5878,7 +7248,7 @@
 </p:sld>
 </file>
 
-<file path=ppt/slides/slide14.xml><?xml version="1.0" encoding="utf-8"?>
+<file path=ppt/slides/slide15.xml><?xml version="1.0" encoding="utf-8"?>
 <p:sld xmlns:a="http://schemas.openxmlformats.org/drawingml/2006/main" xmlns:r="http://schemas.openxmlformats.org/officeDocument/2006/relationships" xmlns:p="http://schemas.openxmlformats.org/presentationml/2006/main">
   <p:cSld>
     <p:spTree>
@@ -6887,7 +8257,7 @@
 </p:sld>
 </file>
 
-<file path=ppt/slides/slide15.xml><?xml version="1.0" encoding="utf-8"?>
+<file path=ppt/slides/slide16.xml><?xml version="1.0" encoding="utf-8"?>
 <p:sld xmlns:a="http://schemas.openxmlformats.org/drawingml/2006/main" xmlns:r="http://schemas.openxmlformats.org/officeDocument/2006/relationships" xmlns:p="http://schemas.openxmlformats.org/presentationml/2006/main">
   <p:cSld>
     <p:spTree>
@@ -7572,7 +8942,7 @@
 </p:sld>
 </file>
 
-<file path=ppt/slides/slide16.xml><?xml version="1.0" encoding="utf-8"?>
+<file path=ppt/slides/slide17.xml><?xml version="1.0" encoding="utf-8"?>
 <p:sld xmlns:a="http://schemas.openxmlformats.org/drawingml/2006/main" xmlns:r="http://schemas.openxmlformats.org/officeDocument/2006/relationships" xmlns:p="http://schemas.openxmlformats.org/presentationml/2006/main">
   <p:cSld>
     <p:spTree>
@@ -8267,7 +9637,7 @@
 </p:sld>
 </file>
 
-<file path=ppt/slides/slide17.xml><?xml version="1.0" encoding="utf-8"?>
+<file path=ppt/slides/slide18.xml><?xml version="1.0" encoding="utf-8"?>
 <p:sld xmlns:a="http://schemas.openxmlformats.org/drawingml/2006/main" xmlns:r="http://schemas.openxmlformats.org/officeDocument/2006/relationships" xmlns:p="http://schemas.openxmlformats.org/presentationml/2006/main">
   <p:cSld>
     <p:spTree>
@@ -8965,7 +10335,7 @@
 </p:sld>
 </file>
 
-<file path=ppt/slides/slide18.xml><?xml version="1.0" encoding="utf-8"?>
+<file path=ppt/slides/slide19.xml><?xml version="1.0" encoding="utf-8"?>
 <p:sld xmlns:a="http://schemas.openxmlformats.org/drawingml/2006/main" xmlns:r="http://schemas.openxmlformats.org/officeDocument/2006/relationships" xmlns:p="http://schemas.openxmlformats.org/presentationml/2006/main">
   <p:cSld>
     <p:spTree>
@@ -9668,7 +11038,90 @@
 </p:sld>
 </file>
 
-<file path=ppt/slides/slide19.xml><?xml version="1.0" encoding="utf-8"?>
+<file path=ppt/slides/slide2.xml><?xml version="1.0" encoding="utf-8"?>
+<p:sld xmlns:a="http://schemas.openxmlformats.org/drawingml/2006/main" xmlns:r="http://schemas.openxmlformats.org/officeDocument/2006/relationships" xmlns:p="http://schemas.openxmlformats.org/presentationml/2006/main">
+  <p:cSld>
+    <p:spTree>
+      <p:nvGrpSpPr>
+        <p:cNvPr id="1" name=""/>
+        <p:cNvGrpSpPr/>
+        <p:nvPr/>
+      </p:nvGrpSpPr>
+      <p:grpSpPr>
+        <a:xfrm>
+          <a:off x="0" y="0"/>
+          <a:ext cx="0" cy="0"/>
+          <a:chOff x="0" y="0"/>
+          <a:chExt cx="0" cy="0"/>
+        </a:xfrm>
+      </p:grpSpPr>
+      <p:sp>
+        <p:nvSpPr>
+          <p:cNvPr id="2" name="Title 1">
+            <a:extLst>
+              <a:ext uri="{FF2B5EF4-FFF2-40B4-BE49-F238E27FC236}">
+                <a16:creationId xmlns:a16="http://schemas.microsoft.com/office/drawing/2014/main" id="{AE911888-4659-FF99-A69A-6AF8166101D8}"/>
+              </a:ext>
+            </a:extLst>
+          </p:cNvPr>
+          <p:cNvSpPr>
+            <a:spLocks noGrp="1"/>
+          </p:cNvSpPr>
+          <p:nvPr>
+            <p:ph type="ctrTitle"/>
+          </p:nvPr>
+        </p:nvSpPr>
+        <p:spPr/>
+        <p:txBody>
+          <a:bodyPr/>
+          <a:lstStyle/>
+          <a:p>
+            <a:r>
+              <a:rPr lang="en-US" dirty="0"/>
+              <a:t>Section 2: Theory</a:t>
+            </a:r>
+          </a:p>
+        </p:txBody>
+      </p:sp>
+      <p:sp>
+        <p:nvSpPr>
+          <p:cNvPr id="3" name="Subtitle 2">
+            <a:extLst>
+              <a:ext uri="{FF2B5EF4-FFF2-40B4-BE49-F238E27FC236}">
+                <a16:creationId xmlns:a16="http://schemas.microsoft.com/office/drawing/2014/main" id="{0008BE15-D20D-3E7C-8C86-64BB11EB4851}"/>
+              </a:ext>
+            </a:extLst>
+          </p:cNvPr>
+          <p:cNvSpPr>
+            <a:spLocks noGrp="1"/>
+          </p:cNvSpPr>
+          <p:nvPr>
+            <p:ph type="subTitle" idx="1"/>
+          </p:nvPr>
+        </p:nvSpPr>
+        <p:spPr/>
+        <p:txBody>
+          <a:bodyPr/>
+          <a:lstStyle/>
+          <a:p>
+            <a:endParaRPr lang="en-US"/>
+          </a:p>
+        </p:txBody>
+      </p:sp>
+    </p:spTree>
+    <p:extLst>
+      <p:ext uri="{BB962C8B-B14F-4D97-AF65-F5344CB8AC3E}">
+        <p14:creationId xmlns:p14="http://schemas.microsoft.com/office/powerpoint/2010/main" val="3585762051"/>
+      </p:ext>
+    </p:extLst>
+  </p:cSld>
+  <p:clrMapOvr>
+    <a:masterClrMapping/>
+  </p:clrMapOvr>
+</p:sld>
+</file>
+
+<file path=ppt/slides/slide20.xml><?xml version="1.0" encoding="utf-8"?>
 <p:sld xmlns:a="http://schemas.openxmlformats.org/drawingml/2006/main" xmlns:r="http://schemas.openxmlformats.org/officeDocument/2006/relationships" xmlns:p="http://schemas.openxmlformats.org/presentationml/2006/main">
   <p:cSld>
     <p:spTree>
@@ -9849,90 +11302,7 @@
 </p:sld>
 </file>
 
-<file path=ppt/slides/slide2.xml><?xml version="1.0" encoding="utf-8"?>
-<p:sld xmlns:a="http://schemas.openxmlformats.org/drawingml/2006/main" xmlns:r="http://schemas.openxmlformats.org/officeDocument/2006/relationships" xmlns:p="http://schemas.openxmlformats.org/presentationml/2006/main">
-  <p:cSld>
-    <p:spTree>
-      <p:nvGrpSpPr>
-        <p:cNvPr id="1" name=""/>
-        <p:cNvGrpSpPr/>
-        <p:nvPr/>
-      </p:nvGrpSpPr>
-      <p:grpSpPr>
-        <a:xfrm>
-          <a:off x="0" y="0"/>
-          <a:ext cx="0" cy="0"/>
-          <a:chOff x="0" y="0"/>
-          <a:chExt cx="0" cy="0"/>
-        </a:xfrm>
-      </p:grpSpPr>
-      <p:sp>
-        <p:nvSpPr>
-          <p:cNvPr id="2" name="Title 1">
-            <a:extLst>
-              <a:ext uri="{FF2B5EF4-FFF2-40B4-BE49-F238E27FC236}">
-                <a16:creationId xmlns:a16="http://schemas.microsoft.com/office/drawing/2014/main" id="{504B3628-7107-EFB3-3A28-DE8228B6892C}"/>
-              </a:ext>
-            </a:extLst>
-          </p:cNvPr>
-          <p:cNvSpPr>
-            <a:spLocks noGrp="1"/>
-          </p:cNvSpPr>
-          <p:nvPr>
-            <p:ph type="title"/>
-          </p:nvPr>
-        </p:nvSpPr>
-        <p:spPr/>
-        <p:txBody>
-          <a:bodyPr/>
-          <a:lstStyle/>
-          <a:p>
-            <a:r>
-              <a:rPr lang="en-US"/>
-              <a:t>The building block</a:t>
-            </a:r>
-          </a:p>
-        </p:txBody>
-      </p:sp>
-      <p:sp>
-        <p:nvSpPr>
-          <p:cNvPr id="3" name="Text Placeholder 2">
-            <a:extLst>
-              <a:ext uri="{FF2B5EF4-FFF2-40B4-BE49-F238E27FC236}">
-                <a16:creationId xmlns:a16="http://schemas.microsoft.com/office/drawing/2014/main" id="{E6B3ED44-39A1-4EB4-BF7E-62DC2090B919}"/>
-              </a:ext>
-            </a:extLst>
-          </p:cNvPr>
-          <p:cNvSpPr>
-            <a:spLocks noGrp="1"/>
-          </p:cNvSpPr>
-          <p:nvPr>
-            <p:ph type="body" idx="1"/>
-          </p:nvPr>
-        </p:nvSpPr>
-        <p:spPr/>
-        <p:txBody>
-          <a:bodyPr/>
-          <a:lstStyle/>
-          <a:p>
-            <a:endParaRPr lang="en-US"/>
-          </a:p>
-        </p:txBody>
-      </p:sp>
-    </p:spTree>
-    <p:extLst>
-      <p:ext uri="{BB962C8B-B14F-4D97-AF65-F5344CB8AC3E}">
-        <p14:creationId xmlns:p14="http://schemas.microsoft.com/office/powerpoint/2010/main" val="2259516499"/>
-      </p:ext>
-    </p:extLst>
-  </p:cSld>
-  <p:clrMapOvr>
-    <a:masterClrMapping/>
-  </p:clrMapOvr>
-</p:sld>
-</file>
-
-<file path=ppt/slides/slide20.xml><?xml version="1.0" encoding="utf-8"?>
+<file path=ppt/slides/slide21.xml><?xml version="1.0" encoding="utf-8"?>
 <p:sld xmlns:a="http://schemas.openxmlformats.org/drawingml/2006/main" xmlns:r="http://schemas.openxmlformats.org/officeDocument/2006/relationships" xmlns:p="http://schemas.openxmlformats.org/presentationml/2006/main">
   <p:cSld>
     <p:spTree>
@@ -10119,7 +11489,7 @@
 </p:sld>
 </file>
 
-<file path=ppt/slides/slide21.xml><?xml version="1.0" encoding="utf-8"?>
+<file path=ppt/slides/slide22.xml><?xml version="1.0" encoding="utf-8"?>
 <p:sld xmlns:a="http://schemas.openxmlformats.org/drawingml/2006/main" xmlns:r="http://schemas.openxmlformats.org/officeDocument/2006/relationships" xmlns:p="http://schemas.openxmlformats.org/presentationml/2006/main">
   <p:cSld>
     <p:spTree>
@@ -10306,7 +11676,7 @@
 </p:sld>
 </file>
 
-<file path=ppt/slides/slide22.xml><?xml version="1.0" encoding="utf-8"?>
+<file path=ppt/slides/slide23.xml><?xml version="1.0" encoding="utf-8"?>
 <p:sld xmlns:a="http://schemas.openxmlformats.org/drawingml/2006/main" xmlns:r="http://schemas.openxmlformats.org/officeDocument/2006/relationships" xmlns:p="http://schemas.openxmlformats.org/presentationml/2006/main">
   <p:cSld>
     <p:spTree>
@@ -10493,7 +11863,7 @@
 </p:sld>
 </file>
 
-<file path=ppt/slides/slide23.xml><?xml version="1.0" encoding="utf-8"?>
+<file path=ppt/slides/slide24.xml><?xml version="1.0" encoding="utf-8"?>
 <p:sld xmlns:a="http://schemas.openxmlformats.org/drawingml/2006/main" xmlns:r="http://schemas.openxmlformats.org/officeDocument/2006/relationships" xmlns:p="http://schemas.openxmlformats.org/presentationml/2006/main">
   <p:cSld>
     <p:spTree>
@@ -10601,8 +11971,8 @@
           </p:sp>
         </mc:Fallback>
       </mc:AlternateContent>
-      <mc:AlternateContent xmlns:mc="http://schemas.openxmlformats.org/markup-compatibility/2006">
-        <mc:Choice xmlns:a14="http://schemas.microsoft.com/office/drawing/2010/main" Requires="a14">
+      <mc:AlternateContent xmlns:mc="http://schemas.openxmlformats.org/markup-compatibility/2006" xmlns:a14="http://schemas.microsoft.com/office/drawing/2010/main">
+        <mc:Choice Requires="a14">
           <p:sp>
             <p:nvSpPr>
               <p:cNvPr id="8" name="Content Placeholder 7">
@@ -10699,7 +12069,7 @@
             </p:txBody>
           </p:sp>
         </mc:Choice>
-        <mc:Fallback>
+        <mc:Fallback xmlns="">
           <p:sp>
             <p:nvSpPr>
               <p:cNvPr id="8" name="Content Placeholder 7">
@@ -10803,8 +12173,8 @@
           </a:p>
         </p:txBody>
       </p:sp>
-      <mc:AlternateContent xmlns:mc="http://schemas.openxmlformats.org/markup-compatibility/2006">
-        <mc:Choice xmlns:a14="http://schemas.microsoft.com/office/drawing/2010/main" Requires="a14">
+      <mc:AlternateContent xmlns:mc="http://schemas.openxmlformats.org/markup-compatibility/2006" xmlns:a14="http://schemas.microsoft.com/office/drawing/2010/main">
+        <mc:Choice Requires="a14">
           <p:sp>
             <p:nvSpPr>
               <p:cNvPr id="2" name="TextBox 1">
@@ -10884,7 +12254,7 @@
             </p:txBody>
           </p:sp>
         </mc:Choice>
-        <mc:Fallback>
+        <mc:Fallback xmlns="">
           <p:sp>
             <p:nvSpPr>
               <p:cNvPr id="2" name="TextBox 1">
@@ -10942,7 +12312,7 @@
 </p:sld>
 </file>
 
-<file path=ppt/slides/slide24.xml><?xml version="1.0" encoding="utf-8"?>
+<file path=ppt/slides/slide25.xml><?xml version="1.0" encoding="utf-8"?>
 <p:sld xmlns:a="http://schemas.openxmlformats.org/drawingml/2006/main" xmlns:r="http://schemas.openxmlformats.org/officeDocument/2006/relationships" xmlns:p="http://schemas.openxmlformats.org/presentationml/2006/main">
   <p:cSld>
     <p:spTree>
@@ -10987,8 +12357,8 @@
           </a:p>
         </p:txBody>
       </p:sp>
-      <mc:AlternateContent xmlns:mc="http://schemas.openxmlformats.org/markup-compatibility/2006">
-        <mc:Choice xmlns:a14="http://schemas.microsoft.com/office/drawing/2010/main" Requires="a14">
+      <mc:AlternateContent xmlns:mc="http://schemas.openxmlformats.org/markup-compatibility/2006" xmlns:a14="http://schemas.microsoft.com/office/drawing/2010/main">
+        <mc:Choice Requires="a14">
           <p:sp>
             <p:nvSpPr>
               <p:cNvPr id="3" name="Content Placeholder 2">
@@ -11037,7 +12407,7 @@
                     <m:d>
                       <m:dPr>
                         <m:ctrlPr>
-                          <a:rPr lang="en-US" b="0" i="0" smtClean="0">
+                          <a:rPr lang="en-US" b="0" i="1" smtClean="0">
                             <a:latin typeface="Cambria Math" panose="02040503050406030204" pitchFamily="18" charset="0"/>
                           </a:rPr>
                         </m:ctrlPr>
@@ -11097,7 +12467,7 @@
             </p:txBody>
           </p:sp>
         </mc:Choice>
-        <mc:Fallback>
+        <mc:Fallback xmlns="">
           <p:sp>
             <p:nvSpPr>
               <p:cNvPr id="3" name="Content Placeholder 2">
@@ -11150,7 +12520,7 @@
 </p:sld>
 </file>
 
-<file path=ppt/slides/slide25.xml><?xml version="1.0" encoding="utf-8"?>
+<file path=ppt/slides/slide26.xml><?xml version="1.0" encoding="utf-8"?>
 <p:sld xmlns:a="http://schemas.openxmlformats.org/drawingml/2006/main" xmlns:r="http://schemas.openxmlformats.org/officeDocument/2006/relationships" xmlns:p="http://schemas.openxmlformats.org/presentationml/2006/main">
   <p:cSld>
     <p:spTree>
@@ -11344,8 +12714,8 @@
           </a:p>
         </p:txBody>
       </p:sp>
-      <mc:AlternateContent xmlns:mc="http://schemas.openxmlformats.org/markup-compatibility/2006">
-        <mc:Choice xmlns:a14="http://schemas.microsoft.com/office/drawing/2010/main" Requires="a14">
+      <mc:AlternateContent xmlns:mc="http://schemas.openxmlformats.org/markup-compatibility/2006" xmlns:a14="http://schemas.microsoft.com/office/drawing/2010/main">
+        <mc:Choice Requires="a14">
           <p:sp>
             <p:nvSpPr>
               <p:cNvPr id="3" name="TextBox 2">
@@ -11374,6 +12744,7 @@
               </a:bodyPr>
               <a:lstStyle/>
               <a:p>
+                <a:pPr/>
                 <a14:m>
                   <m:oMathPara xmlns:m="http://schemas.openxmlformats.org/officeDocument/2006/math">
                     <m:oMathParaPr>
@@ -11433,13 +12804,7 @@
                                 <a:rPr lang="en-US" b="0" i="1" smtClean="0">
                                   <a:latin typeface="Cambria Math" panose="02040503050406030204" pitchFamily="18" charset="0"/>
                                 </a:rPr>
-                                <m:t>1,   </m:t>
-                              </m:r>
-                              <m:r>
-                                <a:rPr lang="en-US" b="0" i="1" smtClean="0">
-                                  <a:latin typeface="Cambria Math" panose="02040503050406030204" pitchFamily="18" charset="0"/>
-                                </a:rPr>
-                                <m:t>   </m:t>
+                                <m:t>1,      </m:t>
                               </m:r>
                               <m:r>
                                 <a:rPr lang="en-US" b="0" i="1" smtClean="0">
@@ -11488,7 +12853,7 @@
             </p:txBody>
           </p:sp>
         </mc:Choice>
-        <mc:Fallback>
+        <mc:Fallback xmlns="">
           <p:sp>
             <p:nvSpPr>
               <p:cNvPr id="3" name="TextBox 2">
@@ -11533,8 +12898,8 @@
           </p:sp>
         </mc:Fallback>
       </mc:AlternateContent>
-      <mc:AlternateContent xmlns:mc="http://schemas.openxmlformats.org/markup-compatibility/2006">
-        <mc:Choice xmlns:a14="http://schemas.microsoft.com/office/drawing/2010/main" Requires="a14">
+      <mc:AlternateContent xmlns:mc="http://schemas.openxmlformats.org/markup-compatibility/2006" xmlns:a14="http://schemas.microsoft.com/office/drawing/2010/main">
+        <mc:Choice Requires="a14">
           <p:sp>
             <p:nvSpPr>
               <p:cNvPr id="8" name="TextBox 7">
@@ -11563,6 +12928,7 @@
               </a:bodyPr>
               <a:lstStyle/>
               <a:p>
+                <a:pPr/>
                 <a14:m>
                   <m:oMathPara xmlns:m="http://schemas.openxmlformats.org/officeDocument/2006/math">
                     <m:oMathParaPr>
@@ -11622,13 +12988,7 @@
                                 <a:rPr lang="en-US" b="0" i="1" smtClean="0">
                                   <a:latin typeface="Cambria Math" panose="02040503050406030204" pitchFamily="18" charset="0"/>
                                 </a:rPr>
-                                <m:t>1,   </m:t>
-                              </m:r>
-                              <m:r>
-                                <a:rPr lang="en-US" b="0" i="1" smtClean="0">
-                                  <a:latin typeface="Cambria Math" panose="02040503050406030204" pitchFamily="18" charset="0"/>
-                                </a:rPr>
-                                <m:t>   </m:t>
+                                <m:t>1,      </m:t>
                               </m:r>
                               <m:r>
                                 <a:rPr lang="en-US" b="0" i="1" smtClean="0">
@@ -11677,7 +13037,7 @@
             </p:txBody>
           </p:sp>
         </mc:Choice>
-        <mc:Fallback>
+        <mc:Fallback xmlns="">
           <p:sp>
             <p:nvSpPr>
               <p:cNvPr id="8" name="TextBox 7">
@@ -11735,7 +13095,7 @@
 </p:sld>
 </file>
 
-<file path=ppt/slides/slide26.xml><?xml version="1.0" encoding="utf-8"?>
+<file path=ppt/slides/slide27.xml><?xml version="1.0" encoding="utf-8"?>
 <p:sld xmlns:a="http://schemas.openxmlformats.org/drawingml/2006/main" xmlns:r="http://schemas.openxmlformats.org/officeDocument/2006/relationships" xmlns:p="http://schemas.openxmlformats.org/presentationml/2006/main">
   <p:cSld>
     <p:spTree>
@@ -11902,8 +13262,8 @@
           </a:xfrm>
         </p:spPr>
       </p:pic>
-      <mc:AlternateContent xmlns:mc="http://schemas.openxmlformats.org/markup-compatibility/2006">
-        <mc:Choice xmlns:a14="http://schemas.microsoft.com/office/drawing/2010/main" Requires="a14">
+      <mc:AlternateContent xmlns:mc="http://schemas.openxmlformats.org/markup-compatibility/2006" xmlns:a14="http://schemas.microsoft.com/office/drawing/2010/main">
+        <mc:Choice Requires="a14">
           <p:sp>
             <p:nvSpPr>
               <p:cNvPr id="15" name="TextBox 14">
@@ -11932,6 +13292,7 @@
               </a:bodyPr>
               <a:lstStyle/>
               <a:p>
+                <a:pPr/>
                 <a14:m>
                   <m:oMathPara xmlns:m="http://schemas.openxmlformats.org/officeDocument/2006/math">
                     <m:oMathParaPr>
@@ -12083,7 +13444,7 @@
             </p:txBody>
           </p:sp>
         </mc:Choice>
-        <mc:Fallback>
+        <mc:Fallback xmlns="">
           <p:sp>
             <p:nvSpPr>
               <p:cNvPr id="15" name="TextBox 14">
@@ -12128,8 +13489,8 @@
           </p:sp>
         </mc:Fallback>
       </mc:AlternateContent>
-      <mc:AlternateContent xmlns:mc="http://schemas.openxmlformats.org/markup-compatibility/2006">
-        <mc:Choice xmlns:a14="http://schemas.microsoft.com/office/drawing/2010/main" Requires="a14">
+      <mc:AlternateContent xmlns:mc="http://schemas.openxmlformats.org/markup-compatibility/2006" xmlns:a14="http://schemas.microsoft.com/office/drawing/2010/main">
+        <mc:Choice Requires="a14">
           <p:sp>
             <p:nvSpPr>
               <p:cNvPr id="16" name="TextBox 15">
@@ -12158,6 +13519,7 @@
               </a:bodyPr>
               <a:lstStyle/>
               <a:p>
+                <a:pPr/>
                 <a14:m>
                   <m:oMathPara xmlns:m="http://schemas.openxmlformats.org/officeDocument/2006/math">
                     <m:oMathParaPr>
@@ -12309,7 +13671,7 @@
             </p:txBody>
           </p:sp>
         </mc:Choice>
-        <mc:Fallback>
+        <mc:Fallback xmlns="">
           <p:sp>
             <p:nvSpPr>
               <p:cNvPr id="16" name="TextBox 15">
@@ -12367,7 +13729,7 @@
 </p:sld>
 </file>
 
-<file path=ppt/slides/slide27.xml><?xml version="1.0" encoding="utf-8"?>
+<file path=ppt/slides/slide28.xml><?xml version="1.0" encoding="utf-8"?>
 <p:sld xmlns:a="http://schemas.openxmlformats.org/drawingml/2006/main" xmlns:r="http://schemas.openxmlformats.org/officeDocument/2006/relationships" xmlns:p="http://schemas.openxmlformats.org/presentationml/2006/main">
   <p:cSld>
     <p:spTree>
@@ -12414,8 +13776,8 @@
           </a:p>
         </p:txBody>
       </p:sp>
-      <mc:AlternateContent xmlns:mc="http://schemas.openxmlformats.org/markup-compatibility/2006">
-        <mc:Choice xmlns:a14="http://schemas.microsoft.com/office/drawing/2010/main" Requires="a14">
+      <mc:AlternateContent xmlns:mc="http://schemas.openxmlformats.org/markup-compatibility/2006" xmlns:a14="http://schemas.microsoft.com/office/drawing/2010/main">
+        <mc:Choice Requires="a14">
           <p:sp>
             <p:nvSpPr>
               <p:cNvPr id="9" name="Content Placeholder 8">
@@ -12743,7 +14105,7 @@
             </p:txBody>
           </p:sp>
         </mc:Choice>
-        <mc:Fallback>
+        <mc:Fallback xmlns="">
           <p:sp>
             <p:nvSpPr>
               <p:cNvPr id="9" name="Content Placeholder 8">
@@ -12894,7 +14256,7 @@
 </p:sld>
 </file>
 
-<file path=ppt/slides/slide28.xml><?xml version="1.0" encoding="utf-8"?>
+<file path=ppt/slides/slide29.xml><?xml version="1.0" encoding="utf-8"?>
 <p:sld xmlns:a="http://schemas.openxmlformats.org/drawingml/2006/main" xmlns:r="http://schemas.openxmlformats.org/officeDocument/2006/relationships" xmlns:p="http://schemas.openxmlformats.org/presentationml/2006/main">
   <p:cSld>
     <p:spTree>
@@ -12974,8 +14336,8 @@
           </a:p>
         </p:txBody>
       </p:sp>
-      <mc:AlternateContent xmlns:mc="http://schemas.openxmlformats.org/markup-compatibility/2006">
-        <mc:Choice xmlns:a14="http://schemas.microsoft.com/office/drawing/2010/main" Requires="a14">
+      <mc:AlternateContent xmlns:mc="http://schemas.openxmlformats.org/markup-compatibility/2006" xmlns:a14="http://schemas.microsoft.com/office/drawing/2010/main">
+        <mc:Choice Requires="a14">
           <p:sp>
             <p:nvSpPr>
               <p:cNvPr id="10" name="Text Placeholder 9">
@@ -13034,7 +14396,7 @@
             </p:txBody>
           </p:sp>
         </mc:Choice>
-        <mc:Fallback>
+        <mc:Fallback xmlns="">
           <p:sp>
             <p:nvSpPr>
               <p:cNvPr id="10" name="Text Placeholder 9">
@@ -13103,8 +14465,8 @@
           </a:xfrm>
         </p:spPr>
       </p:pic>
-      <mc:AlternateContent xmlns:mc="http://schemas.openxmlformats.org/markup-compatibility/2006">
-        <mc:Choice xmlns:a14="http://schemas.microsoft.com/office/drawing/2010/main" Requires="a14">
+      <mc:AlternateContent xmlns:mc="http://schemas.openxmlformats.org/markup-compatibility/2006" xmlns:a14="http://schemas.microsoft.com/office/drawing/2010/main">
+        <mc:Choice Requires="a14">
           <p:sp>
             <p:nvSpPr>
               <p:cNvPr id="12" name="Text Placeholder 11">
@@ -13169,7 +14531,7 @@
             </p:txBody>
           </p:sp>
         </mc:Choice>
-        <mc:Fallback>
+        <mc:Fallback xmlns="">
           <p:sp>
             <p:nvSpPr>
               <p:cNvPr id="12" name="Text Placeholder 11">
@@ -13209,8 +14571,8 @@
           </p:sp>
         </mc:Fallback>
       </mc:AlternateContent>
-      <mc:AlternateContent xmlns:mc="http://schemas.openxmlformats.org/markup-compatibility/2006">
-        <mc:Choice xmlns:a14="http://schemas.microsoft.com/office/drawing/2010/main" Requires="a14">
+      <mc:AlternateContent xmlns:mc="http://schemas.openxmlformats.org/markup-compatibility/2006" xmlns:a14="http://schemas.microsoft.com/office/drawing/2010/main">
+        <mc:Choice Requires="a14">
           <p:sp>
             <p:nvSpPr>
               <p:cNvPr id="18" name="TextBox 17">
@@ -13239,6 +14601,7 @@
               </a:bodyPr>
               <a:lstStyle/>
               <a:p>
+                <a:pPr/>
                 <a14:m>
                   <m:oMathPara xmlns:m="http://schemas.openxmlformats.org/officeDocument/2006/math">
                     <m:oMathParaPr>
@@ -13402,7 +14765,7 @@
             </p:txBody>
           </p:sp>
         </mc:Choice>
-        <mc:Fallback>
+        <mc:Fallback xmlns="">
           <p:sp>
             <p:nvSpPr>
               <p:cNvPr id="18" name="TextBox 17">
@@ -13460,7 +14823,90 @@
 </p:sld>
 </file>
 
-<file path=ppt/slides/slide29.xml><?xml version="1.0" encoding="utf-8"?>
+<file path=ppt/slides/slide3.xml><?xml version="1.0" encoding="utf-8"?>
+<p:sld xmlns:a="http://schemas.openxmlformats.org/drawingml/2006/main" xmlns:r="http://schemas.openxmlformats.org/officeDocument/2006/relationships" xmlns:p="http://schemas.openxmlformats.org/presentationml/2006/main">
+  <p:cSld>
+    <p:spTree>
+      <p:nvGrpSpPr>
+        <p:cNvPr id="1" name=""/>
+        <p:cNvGrpSpPr/>
+        <p:nvPr/>
+      </p:nvGrpSpPr>
+      <p:grpSpPr>
+        <a:xfrm>
+          <a:off x="0" y="0"/>
+          <a:ext cx="0" cy="0"/>
+          <a:chOff x="0" y="0"/>
+          <a:chExt cx="0" cy="0"/>
+        </a:xfrm>
+      </p:grpSpPr>
+      <p:sp>
+        <p:nvSpPr>
+          <p:cNvPr id="2" name="Title 1">
+            <a:extLst>
+              <a:ext uri="{FF2B5EF4-FFF2-40B4-BE49-F238E27FC236}">
+                <a16:creationId xmlns:a16="http://schemas.microsoft.com/office/drawing/2014/main" id="{504B3628-7107-EFB3-3A28-DE8228B6892C}"/>
+              </a:ext>
+            </a:extLst>
+          </p:cNvPr>
+          <p:cNvSpPr>
+            <a:spLocks noGrp="1"/>
+          </p:cNvSpPr>
+          <p:nvPr>
+            <p:ph type="title"/>
+          </p:nvPr>
+        </p:nvSpPr>
+        <p:spPr/>
+        <p:txBody>
+          <a:bodyPr/>
+          <a:lstStyle/>
+          <a:p>
+            <a:r>
+              <a:rPr lang="en-US"/>
+              <a:t>The building block</a:t>
+            </a:r>
+          </a:p>
+        </p:txBody>
+      </p:sp>
+      <p:sp>
+        <p:nvSpPr>
+          <p:cNvPr id="3" name="Text Placeholder 2">
+            <a:extLst>
+              <a:ext uri="{FF2B5EF4-FFF2-40B4-BE49-F238E27FC236}">
+                <a16:creationId xmlns:a16="http://schemas.microsoft.com/office/drawing/2014/main" id="{E6B3ED44-39A1-4EB4-BF7E-62DC2090B919}"/>
+              </a:ext>
+            </a:extLst>
+          </p:cNvPr>
+          <p:cNvSpPr>
+            <a:spLocks noGrp="1"/>
+          </p:cNvSpPr>
+          <p:nvPr>
+            <p:ph type="body" idx="1"/>
+          </p:nvPr>
+        </p:nvSpPr>
+        <p:spPr/>
+        <p:txBody>
+          <a:bodyPr/>
+          <a:lstStyle/>
+          <a:p>
+            <a:endParaRPr lang="en-US"/>
+          </a:p>
+        </p:txBody>
+      </p:sp>
+    </p:spTree>
+    <p:extLst>
+      <p:ext uri="{BB962C8B-B14F-4D97-AF65-F5344CB8AC3E}">
+        <p14:creationId xmlns:p14="http://schemas.microsoft.com/office/powerpoint/2010/main" val="2259516499"/>
+      </p:ext>
+    </p:extLst>
+  </p:cSld>
+  <p:clrMapOvr>
+    <a:masterClrMapping/>
+  </p:clrMapOvr>
+</p:sld>
+</file>
+
+<file path=ppt/slides/slide30.xml><?xml version="1.0" encoding="utf-8"?>
 <p:sld xmlns:a="http://schemas.openxmlformats.org/drawingml/2006/main" xmlns:r="http://schemas.openxmlformats.org/officeDocument/2006/relationships" xmlns:p="http://schemas.openxmlformats.org/presentationml/2006/main">
   <p:cSld>
     <p:spTree>
@@ -13540,8 +14986,8 @@
           </a:p>
         </p:txBody>
       </p:sp>
-      <mc:AlternateContent xmlns:mc="http://schemas.openxmlformats.org/markup-compatibility/2006">
-        <mc:Choice xmlns:a14="http://schemas.microsoft.com/office/drawing/2010/main" Requires="a14">
+      <mc:AlternateContent xmlns:mc="http://schemas.openxmlformats.org/markup-compatibility/2006" xmlns:a14="http://schemas.microsoft.com/office/drawing/2010/main">
+        <mc:Choice Requires="a14">
           <p:sp>
             <p:nvSpPr>
               <p:cNvPr id="10" name="Text Placeholder 9">
@@ -13600,7 +15046,7 @@
             </p:txBody>
           </p:sp>
         </mc:Choice>
-        <mc:Fallback>
+        <mc:Fallback xmlns="">
           <p:sp>
             <p:nvSpPr>
               <p:cNvPr id="10" name="Text Placeholder 9">
@@ -13640,8 +15086,8 @@
           </p:sp>
         </mc:Fallback>
       </mc:AlternateContent>
-      <mc:AlternateContent xmlns:mc="http://schemas.openxmlformats.org/markup-compatibility/2006">
-        <mc:Choice xmlns:a14="http://schemas.microsoft.com/office/drawing/2010/main" Requires="a14">
+      <mc:AlternateContent xmlns:mc="http://schemas.openxmlformats.org/markup-compatibility/2006" xmlns:a14="http://schemas.microsoft.com/office/drawing/2010/main">
+        <mc:Choice Requires="a14">
           <p:sp>
             <p:nvSpPr>
               <p:cNvPr id="12" name="Text Placeholder 11">
@@ -13706,7 +15152,7 @@
             </p:txBody>
           </p:sp>
         </mc:Choice>
-        <mc:Fallback>
+        <mc:Fallback xmlns="">
           <p:sp>
             <p:nvSpPr>
               <p:cNvPr id="12" name="Text Placeholder 11">
@@ -13795,8 +15241,8 @@
             <a:chExt cx="2306610" cy="1293899"/>
           </a:xfrm>
         </p:grpSpPr>
-        <mc:AlternateContent xmlns:mc="http://schemas.openxmlformats.org/markup-compatibility/2006">
-          <mc:Choice xmlns:a14="http://schemas.microsoft.com/office/drawing/2010/main" Requires="a14">
+        <mc:AlternateContent xmlns:mc="http://schemas.openxmlformats.org/markup-compatibility/2006" xmlns:a14="http://schemas.microsoft.com/office/drawing/2010/main">
+          <mc:Choice Requires="a14">
             <p:sp>
               <p:nvSpPr>
                 <p:cNvPr id="8" name="TextBox 7">
@@ -13825,6 +15271,7 @@
                 </a:bodyPr>
                 <a:lstStyle/>
                 <a:p>
+                  <a:pPr/>
                   <a14:m>
                     <m:oMathPara xmlns:m="http://schemas.openxmlformats.org/officeDocument/2006/math">
                       <m:oMathParaPr>
@@ -13893,7 +15340,7 @@
               </p:txBody>
             </p:sp>
           </mc:Choice>
-          <mc:Fallback>
+          <mc:Fallback xmlns="">
             <p:sp>
               <p:nvSpPr>
                 <p:cNvPr id="8" name="TextBox 7">
@@ -14002,8 +15449,8 @@
             <a:chExt cx="2384820" cy="1212714"/>
           </a:xfrm>
         </p:grpSpPr>
-        <mc:AlternateContent xmlns:mc="http://schemas.openxmlformats.org/markup-compatibility/2006">
-          <mc:Choice xmlns:a14="http://schemas.microsoft.com/office/drawing/2010/main" Requires="a14">
+        <mc:AlternateContent xmlns:mc="http://schemas.openxmlformats.org/markup-compatibility/2006" xmlns:a14="http://schemas.microsoft.com/office/drawing/2010/main">
+          <mc:Choice Requires="a14">
             <p:sp>
               <p:nvSpPr>
                 <p:cNvPr id="18" name="TextBox 17">
@@ -14032,6 +15479,7 @@
                 </a:bodyPr>
                 <a:lstStyle/>
                 <a:p>
+                  <a:pPr/>
                   <a14:m>
                     <m:oMathPara xmlns:m="http://schemas.openxmlformats.org/officeDocument/2006/math">
                       <m:oMathParaPr>
@@ -14124,7 +15572,7 @@
               </p:txBody>
             </p:sp>
           </mc:Choice>
-          <mc:Fallback>
+          <mc:Fallback xmlns="">
             <p:sp>
               <p:nvSpPr>
                 <p:cNvPr id="18" name="TextBox 17">
@@ -14269,7 +15717,3604 @@
 </p:sld>
 </file>
 
-<file path=ppt/slides/slide3.xml><?xml version="1.0" encoding="utf-8"?>
+<file path=ppt/slides/slide31.xml><?xml version="1.0" encoding="utf-8"?>
+<p:sld xmlns:a="http://schemas.openxmlformats.org/drawingml/2006/main" xmlns:r="http://schemas.openxmlformats.org/officeDocument/2006/relationships" xmlns:p="http://schemas.openxmlformats.org/presentationml/2006/main">
+  <p:cSld>
+    <p:spTree>
+      <p:nvGrpSpPr>
+        <p:cNvPr id="1" name="">
+          <a:extLst>
+            <a:ext uri="{FF2B5EF4-FFF2-40B4-BE49-F238E27FC236}">
+              <a16:creationId xmlns:a16="http://schemas.microsoft.com/office/drawing/2014/main" id="{60A9516A-B2D6-6E16-0DFA-2BFC6A1A90E8}"/>
+            </a:ext>
+          </a:extLst>
+        </p:cNvPr>
+        <p:cNvGrpSpPr/>
+        <p:nvPr/>
+      </p:nvGrpSpPr>
+      <p:grpSpPr>
+        <a:xfrm>
+          <a:off x="0" y="0"/>
+          <a:ext cx="0" cy="0"/>
+          <a:chOff x="0" y="0"/>
+          <a:chExt cx="0" cy="0"/>
+        </a:xfrm>
+      </p:grpSpPr>
+      <p:pic>
+        <p:nvPicPr>
+          <p:cNvPr id="20" name="Content Placeholder 19">
+            <a:extLst>
+              <a:ext uri="{FF2B5EF4-FFF2-40B4-BE49-F238E27FC236}">
+                <a16:creationId xmlns:a16="http://schemas.microsoft.com/office/drawing/2014/main" id="{D19FECAF-8A64-B27A-37D8-1A1416CD2162}"/>
+              </a:ext>
+            </a:extLst>
+          </p:cNvPr>
+          <p:cNvPicPr>
+            <a:picLocks noGrp="1" noChangeAspect="1"/>
+          </p:cNvPicPr>
+          <p:nvPr>
+            <p:ph sz="quarter" idx="4"/>
+          </p:nvPr>
+        </p:nvPicPr>
+        <p:blipFill>
+          <a:blip r:embed="rId2"/>
+          <a:stretch>
+            <a:fillRect/>
+          </a:stretch>
+        </p:blipFill>
+        <p:spPr>
+          <a:xfrm>
+            <a:off x="6477794" y="2975769"/>
+            <a:ext cx="4572000" cy="2743200"/>
+          </a:xfrm>
+        </p:spPr>
+      </p:pic>
+      <p:sp>
+        <p:nvSpPr>
+          <p:cNvPr id="7" name="Title 6">
+            <a:extLst>
+              <a:ext uri="{FF2B5EF4-FFF2-40B4-BE49-F238E27FC236}">
+                <a16:creationId xmlns:a16="http://schemas.microsoft.com/office/drawing/2014/main" id="{7682FE6D-F8AF-AC4C-4207-8DDF55F17515}"/>
+              </a:ext>
+            </a:extLst>
+          </p:cNvPr>
+          <p:cNvSpPr>
+            <a:spLocks noGrp="1"/>
+          </p:cNvSpPr>
+          <p:nvPr>
+            <p:ph type="title"/>
+          </p:nvPr>
+        </p:nvSpPr>
+        <p:spPr/>
+        <p:txBody>
+          <a:bodyPr/>
+          <a:lstStyle/>
+          <a:p>
+            <a:r>
+              <a:rPr lang="en-US" dirty="0"/>
+              <a:t>Intensity and cumulative intensity functions</a:t>
+            </a:r>
+          </a:p>
+        </p:txBody>
+      </p:sp>
+      <p:pic>
+        <p:nvPicPr>
+          <p:cNvPr id="6" name="Content Placeholder 5">
+            <a:extLst>
+              <a:ext uri="{FF2B5EF4-FFF2-40B4-BE49-F238E27FC236}">
+                <a16:creationId xmlns:a16="http://schemas.microsoft.com/office/drawing/2014/main" id="{5055CC57-EC30-DAEA-8713-9CA2EE315E76}"/>
+              </a:ext>
+            </a:extLst>
+          </p:cNvPr>
+          <p:cNvPicPr>
+            <a:picLocks noGrp="1" noChangeAspect="1"/>
+          </p:cNvPicPr>
+          <p:nvPr>
+            <p:ph sz="half" idx="2"/>
+          </p:nvPr>
+        </p:nvPicPr>
+        <p:blipFill>
+          <a:blip r:embed="rId3"/>
+          <a:stretch>
+            <a:fillRect/>
+          </a:stretch>
+        </p:blipFill>
+        <p:spPr>
+          <a:xfrm>
+            <a:off x="1132681" y="2975769"/>
+            <a:ext cx="4572000" cy="2743200"/>
+          </a:xfrm>
+        </p:spPr>
+      </p:pic>
+      <p:grpSp>
+        <p:nvGrpSpPr>
+          <p:cNvPr id="26" name="Group 25">
+            <a:extLst>
+              <a:ext uri="{FF2B5EF4-FFF2-40B4-BE49-F238E27FC236}">
+                <a16:creationId xmlns:a16="http://schemas.microsoft.com/office/drawing/2014/main" id="{285ED3A7-383D-415A-F834-FE13636B7437}"/>
+              </a:ext>
+            </a:extLst>
+          </p:cNvPr>
+          <p:cNvGrpSpPr/>
+          <p:nvPr/>
+        </p:nvGrpSpPr>
+        <p:grpSpPr>
+          <a:xfrm>
+            <a:off x="3174124" y="3636447"/>
+            <a:ext cx="2823451" cy="1293899"/>
+            <a:chOff x="3174124" y="3636447"/>
+            <a:chExt cx="2823451" cy="1293899"/>
+          </a:xfrm>
+        </p:grpSpPr>
+        <mc:AlternateContent xmlns:mc="http://schemas.openxmlformats.org/markup-compatibility/2006" xmlns:a14="http://schemas.microsoft.com/office/drawing/2010/main">
+          <mc:Choice Requires="a14">
+            <p:sp>
+              <p:nvSpPr>
+                <p:cNvPr id="8" name="TextBox 7">
+                  <a:extLst>
+                    <a:ext uri="{FF2B5EF4-FFF2-40B4-BE49-F238E27FC236}">
+                      <a16:creationId xmlns:a16="http://schemas.microsoft.com/office/drawing/2014/main" id="{56D11B06-1CC3-9555-4221-76CCEAA5B85C}"/>
+                    </a:ext>
+                  </a:extLst>
+                </p:cNvPr>
+                <p:cNvSpPr txBox="1"/>
+                <p:nvPr/>
+              </p:nvSpPr>
+              <p:spPr>
+                <a:xfrm>
+                  <a:off x="3174124" y="3636447"/>
+                  <a:ext cx="2823451" cy="369332"/>
+                </a:xfrm>
+                <a:prstGeom prst="rect">
+                  <a:avLst/>
+                </a:prstGeom>
+                <a:noFill/>
+              </p:spPr>
+              <p:txBody>
+                <a:bodyPr wrap="square" rtlCol="0">
+                  <a:spAutoFit/>
+                </a:bodyPr>
+                <a:lstStyle/>
+                <a:p>
+                  <a:pPr/>
+                  <a14:m>
+                    <m:oMathPara xmlns:m="http://schemas.openxmlformats.org/officeDocument/2006/math">
+                      <m:oMathParaPr>
+                        <m:jc m:val="centerGroup"/>
+                      </m:oMathParaPr>
+                      <m:oMath xmlns:m="http://schemas.openxmlformats.org/officeDocument/2006/math">
+                        <m:r>
+                          <a:rPr lang="en-US" i="1" smtClean="0">
+                            <a:latin typeface="Cambria Math" panose="02040503050406030204" pitchFamily="18" charset="0"/>
+                            <a:ea typeface="Cambria Math" panose="02040503050406030204" pitchFamily="18" charset="0"/>
+                          </a:rPr>
+                          <m:t>𝔼</m:t>
+                        </m:r>
+                        <m:d>
+                          <m:dPr>
+                            <m:begChr m:val="["/>
+                            <m:endChr m:val="]"/>
+                            <m:ctrlPr>
+                              <a:rPr lang="en-US" b="0" i="1" smtClean="0">
+                                <a:latin typeface="Cambria Math" panose="02040503050406030204" pitchFamily="18" charset="0"/>
+                                <a:ea typeface="Cambria Math" panose="02040503050406030204" pitchFamily="18" charset="0"/>
+                              </a:rPr>
+                            </m:ctrlPr>
+                          </m:dPr>
+                          <m:e>
+                            <m:r>
+                              <a:rPr lang="en-US" b="0" i="1" smtClean="0">
+                                <a:latin typeface="Cambria Math" panose="02040503050406030204" pitchFamily="18" charset="0"/>
+                                <a:ea typeface="Cambria Math" panose="02040503050406030204" pitchFamily="18" charset="0"/>
+                              </a:rPr>
+                              <m:t>𝑁</m:t>
+                            </m:r>
+                            <m:d>
+                              <m:dPr>
+                                <m:ctrlPr>
+                                  <a:rPr lang="en-US" b="0" i="1" smtClean="0">
+                                    <a:latin typeface="Cambria Math" panose="02040503050406030204" pitchFamily="18" charset="0"/>
+                                    <a:ea typeface="Cambria Math" panose="02040503050406030204" pitchFamily="18" charset="0"/>
+                                  </a:rPr>
+                                </m:ctrlPr>
+                              </m:dPr>
+                              <m:e>
+                                <m:sSub>
+                                  <m:sSubPr>
+                                    <m:ctrlPr>
+                                      <a:rPr lang="en-US" b="0" i="1" smtClean="0">
+                                        <a:latin typeface="Cambria Math" panose="02040503050406030204" pitchFamily="18" charset="0"/>
+                                        <a:ea typeface="Cambria Math" panose="02040503050406030204" pitchFamily="18" charset="0"/>
+                                      </a:rPr>
+                                    </m:ctrlPr>
+                                  </m:sSubPr>
+                                  <m:e>
+                                    <m:r>
+                                      <a:rPr lang="en-US" b="0" i="1" smtClean="0">
+                                        <a:latin typeface="Cambria Math" panose="02040503050406030204" pitchFamily="18" charset="0"/>
+                                        <a:ea typeface="Cambria Math" panose="02040503050406030204" pitchFamily="18" charset="0"/>
+                                      </a:rPr>
+                                      <m:t>𝑡</m:t>
+                                    </m:r>
+                                  </m:e>
+                                  <m:sub>
+                                    <m:r>
+                                      <a:rPr lang="en-US" b="0" i="1" smtClean="0">
+                                        <a:latin typeface="Cambria Math" panose="02040503050406030204" pitchFamily="18" charset="0"/>
+                                        <a:ea typeface="Cambria Math" panose="02040503050406030204" pitchFamily="18" charset="0"/>
+                                      </a:rPr>
+                                      <m:t>1</m:t>
+                                    </m:r>
+                                  </m:sub>
+                                </m:sSub>
+                                <m:r>
+                                  <a:rPr lang="en-US" b="0" i="1" smtClean="0">
+                                    <a:latin typeface="Cambria Math" panose="02040503050406030204" pitchFamily="18" charset="0"/>
+                                    <a:ea typeface="Cambria Math" panose="02040503050406030204" pitchFamily="18" charset="0"/>
+                                  </a:rPr>
+                                  <m:t>, </m:t>
+                                </m:r>
+                                <m:sSub>
+                                  <m:sSubPr>
+                                    <m:ctrlPr>
+                                      <a:rPr lang="en-US" b="0" i="1" smtClean="0">
+                                        <a:latin typeface="Cambria Math" panose="02040503050406030204" pitchFamily="18" charset="0"/>
+                                        <a:ea typeface="Cambria Math" panose="02040503050406030204" pitchFamily="18" charset="0"/>
+                                      </a:rPr>
+                                    </m:ctrlPr>
+                                  </m:sSubPr>
+                                  <m:e>
+                                    <m:r>
+                                      <a:rPr lang="en-US" b="0" i="1" smtClean="0">
+                                        <a:latin typeface="Cambria Math" panose="02040503050406030204" pitchFamily="18" charset="0"/>
+                                        <a:ea typeface="Cambria Math" panose="02040503050406030204" pitchFamily="18" charset="0"/>
+                                      </a:rPr>
+                                      <m:t>𝑡</m:t>
+                                    </m:r>
+                                  </m:e>
+                                  <m:sub>
+                                    <m:r>
+                                      <a:rPr lang="en-US" b="0" i="1" smtClean="0">
+                                        <a:latin typeface="Cambria Math" panose="02040503050406030204" pitchFamily="18" charset="0"/>
+                                        <a:ea typeface="Cambria Math" panose="02040503050406030204" pitchFamily="18" charset="0"/>
+                                      </a:rPr>
+                                      <m:t>2</m:t>
+                                    </m:r>
+                                  </m:sub>
+                                </m:sSub>
+                              </m:e>
+                            </m:d>
+                          </m:e>
+                        </m:d>
+                        <m:r>
+                          <a:rPr lang="en-US" b="0" i="1" smtClean="0">
+                            <a:latin typeface="Cambria Math" panose="02040503050406030204" pitchFamily="18" charset="0"/>
+                            <a:ea typeface="Cambria Math" panose="02040503050406030204" pitchFamily="18" charset="0"/>
+                          </a:rPr>
+                          <m:t>=</m:t>
+                        </m:r>
+                        <m:r>
+                          <a:rPr lang="en-US" b="0" i="1" smtClean="0">
+                            <a:latin typeface="Cambria Math" panose="02040503050406030204" pitchFamily="18" charset="0"/>
+                            <a:ea typeface="Cambria Math" panose="02040503050406030204" pitchFamily="18" charset="0"/>
+                          </a:rPr>
+                          <m:t>𝜆</m:t>
+                        </m:r>
+                        <m:r>
+                          <a:rPr lang="en-US" b="0" i="1" smtClean="0">
+                            <a:latin typeface="Cambria Math" panose="02040503050406030204" pitchFamily="18" charset="0"/>
+                            <a:ea typeface="Cambria Math" panose="02040503050406030204" pitchFamily="18" charset="0"/>
+                          </a:rPr>
+                          <m:t>(</m:t>
+                        </m:r>
+                        <m:sSub>
+                          <m:sSubPr>
+                            <m:ctrlPr>
+                              <a:rPr lang="en-US" b="0" i="1" smtClean="0">
+                                <a:latin typeface="Cambria Math" panose="02040503050406030204" pitchFamily="18" charset="0"/>
+                                <a:ea typeface="Cambria Math" panose="02040503050406030204" pitchFamily="18" charset="0"/>
+                              </a:rPr>
+                            </m:ctrlPr>
+                          </m:sSubPr>
+                          <m:e>
+                            <m:r>
+                              <a:rPr lang="en-US" b="0" i="1" smtClean="0">
+                                <a:latin typeface="Cambria Math" panose="02040503050406030204" pitchFamily="18" charset="0"/>
+                                <a:ea typeface="Cambria Math" panose="02040503050406030204" pitchFamily="18" charset="0"/>
+                              </a:rPr>
+                              <m:t>𝑡</m:t>
+                            </m:r>
+                          </m:e>
+                          <m:sub>
+                            <m:r>
+                              <a:rPr lang="en-US" b="0" i="1" smtClean="0">
+                                <a:latin typeface="Cambria Math" panose="02040503050406030204" pitchFamily="18" charset="0"/>
+                                <a:ea typeface="Cambria Math" panose="02040503050406030204" pitchFamily="18" charset="0"/>
+                              </a:rPr>
+                              <m:t>2</m:t>
+                            </m:r>
+                          </m:sub>
+                        </m:sSub>
+                        <m:r>
+                          <a:rPr lang="en-US" b="0" i="1" smtClean="0">
+                            <a:latin typeface="Cambria Math" panose="02040503050406030204" pitchFamily="18" charset="0"/>
+                            <a:ea typeface="Cambria Math" panose="02040503050406030204" pitchFamily="18" charset="0"/>
+                          </a:rPr>
+                          <m:t>−</m:t>
+                        </m:r>
+                        <m:sSub>
+                          <m:sSubPr>
+                            <m:ctrlPr>
+                              <a:rPr lang="en-US" b="0" i="1" smtClean="0">
+                                <a:latin typeface="Cambria Math" panose="02040503050406030204" pitchFamily="18" charset="0"/>
+                                <a:ea typeface="Cambria Math" panose="02040503050406030204" pitchFamily="18" charset="0"/>
+                              </a:rPr>
+                            </m:ctrlPr>
+                          </m:sSubPr>
+                          <m:e>
+                            <m:r>
+                              <a:rPr lang="en-US" b="0" i="1" smtClean="0">
+                                <a:latin typeface="Cambria Math" panose="02040503050406030204" pitchFamily="18" charset="0"/>
+                                <a:ea typeface="Cambria Math" panose="02040503050406030204" pitchFamily="18" charset="0"/>
+                              </a:rPr>
+                              <m:t>𝑡</m:t>
+                            </m:r>
+                          </m:e>
+                          <m:sub>
+                            <m:r>
+                              <a:rPr lang="en-US" b="0" i="1" smtClean="0">
+                                <a:latin typeface="Cambria Math" panose="02040503050406030204" pitchFamily="18" charset="0"/>
+                                <a:ea typeface="Cambria Math" panose="02040503050406030204" pitchFamily="18" charset="0"/>
+                              </a:rPr>
+                              <m:t>1</m:t>
+                            </m:r>
+                          </m:sub>
+                        </m:sSub>
+                        <m:r>
+                          <a:rPr lang="en-US" b="0" i="1" smtClean="0">
+                            <a:latin typeface="Cambria Math" panose="02040503050406030204" pitchFamily="18" charset="0"/>
+                            <a:ea typeface="Cambria Math" panose="02040503050406030204" pitchFamily="18" charset="0"/>
+                          </a:rPr>
+                          <m:t>)</m:t>
+                        </m:r>
+                      </m:oMath>
+                    </m:oMathPara>
+                  </a14:m>
+                  <a:endParaRPr lang="en-US" dirty="0"/>
+                </a:p>
+              </p:txBody>
+            </p:sp>
+          </mc:Choice>
+          <mc:Fallback xmlns="">
+            <p:sp>
+              <p:nvSpPr>
+                <p:cNvPr id="8" name="TextBox 7">
+                  <a:extLst>
+                    <a:ext uri="{FF2B5EF4-FFF2-40B4-BE49-F238E27FC236}">
+                      <a16:creationId xmlns:a16="http://schemas.microsoft.com/office/drawing/2014/main" id="{56D11B06-1CC3-9555-4221-76CCEAA5B85C}"/>
+                    </a:ext>
+                  </a:extLst>
+                </p:cNvPr>
+                <p:cNvSpPr txBox="1">
+                  <a:spLocks noRot="1" noChangeAspect="1" noMove="1" noResize="1" noEditPoints="1" noAdjustHandles="1" noChangeArrowheads="1" noChangeShapeType="1" noTextEdit="1"/>
+                </p:cNvSpPr>
+                <p:nvPr/>
+              </p:nvSpPr>
+              <p:spPr>
+                <a:xfrm>
+                  <a:off x="3174124" y="3636447"/>
+                  <a:ext cx="2823451" cy="369332"/>
+                </a:xfrm>
+                <a:prstGeom prst="rect">
+                  <a:avLst/>
+                </a:prstGeom>
+                <a:blipFill>
+                  <a:blip r:embed="rId4"/>
+                  <a:stretch>
+                    <a:fillRect b="-13333"/>
+                  </a:stretch>
+                </a:blipFill>
+              </p:spPr>
+              <p:txBody>
+                <a:bodyPr/>
+                <a:lstStyle/>
+                <a:p>
+                  <a:r>
+                    <a:rPr lang="en-US">
+                      <a:noFill/>
+                    </a:rPr>
+                    <a:t> </a:t>
+                  </a:r>
+                </a:p>
+              </p:txBody>
+            </p:sp>
+          </mc:Fallback>
+        </mc:AlternateContent>
+        <p:cxnSp>
+          <p:nvCxnSpPr>
+            <p:cNvPr id="11" name="Straight Connector 10">
+              <a:extLst>
+                <a:ext uri="{FF2B5EF4-FFF2-40B4-BE49-F238E27FC236}">
+                  <a16:creationId xmlns:a16="http://schemas.microsoft.com/office/drawing/2014/main" id="{8E0E5A41-689D-1E47-B167-51E4962D738D}"/>
+                </a:ext>
+              </a:extLst>
+            </p:cNvPr>
+            <p:cNvCxnSpPr>
+              <a:cxnSpLocks/>
+            </p:cNvCxnSpPr>
+            <p:nvPr/>
+          </p:nvCxnSpPr>
+          <p:spPr>
+            <a:xfrm>
+              <a:off x="3756454" y="4005779"/>
+              <a:ext cx="160638" cy="924567"/>
+            </a:xfrm>
+            <a:prstGeom prst="line">
+              <a:avLst/>
+            </a:prstGeom>
+            <a:ln w="6350">
+              <a:solidFill>
+                <a:schemeClr val="tx1"/>
+              </a:solidFill>
+            </a:ln>
+          </p:spPr>
+          <p:style>
+            <a:lnRef idx="2">
+              <a:schemeClr val="accent1"/>
+            </a:lnRef>
+            <a:fillRef idx="0">
+              <a:schemeClr val="accent1"/>
+            </a:fillRef>
+            <a:effectRef idx="1">
+              <a:schemeClr val="accent1"/>
+            </a:effectRef>
+            <a:fontRef idx="minor">
+              <a:schemeClr val="tx1"/>
+            </a:fontRef>
+          </p:style>
+        </p:cxnSp>
+      </p:grpSp>
+      <p:grpSp>
+        <p:nvGrpSpPr>
+          <p:cNvPr id="25" name="Group 24">
+            <a:extLst>
+              <a:ext uri="{FF2B5EF4-FFF2-40B4-BE49-F238E27FC236}">
+                <a16:creationId xmlns:a16="http://schemas.microsoft.com/office/drawing/2014/main" id="{DC11C04B-4FE2-3F66-7212-FC519AE303DF}"/>
+              </a:ext>
+            </a:extLst>
+          </p:cNvPr>
+          <p:cNvGrpSpPr/>
+          <p:nvPr/>
+        </p:nvGrpSpPr>
+        <p:grpSpPr>
+          <a:xfrm>
+            <a:off x="7288359" y="3280062"/>
+            <a:ext cx="2967607" cy="1212714"/>
+            <a:chOff x="7288359" y="3280062"/>
+            <a:chExt cx="2967607" cy="1212714"/>
+          </a:xfrm>
+        </p:grpSpPr>
+        <mc:AlternateContent xmlns:mc="http://schemas.openxmlformats.org/markup-compatibility/2006" xmlns:a14="http://schemas.microsoft.com/office/drawing/2010/main">
+          <mc:Choice Requires="a14">
+            <p:sp>
+              <p:nvSpPr>
+                <p:cNvPr id="18" name="TextBox 17">
+                  <a:extLst>
+                    <a:ext uri="{FF2B5EF4-FFF2-40B4-BE49-F238E27FC236}">
+                      <a16:creationId xmlns:a16="http://schemas.microsoft.com/office/drawing/2014/main" id="{7955B67E-B879-2F8B-CE3A-1974C5FE3A9A}"/>
+                    </a:ext>
+                  </a:extLst>
+                </p:cNvPr>
+                <p:cNvSpPr txBox="1"/>
+                <p:nvPr/>
+              </p:nvSpPr>
+              <p:spPr>
+                <a:xfrm>
+                  <a:off x="7288359" y="3280062"/>
+                  <a:ext cx="2967607" cy="369332"/>
+                </a:xfrm>
+                <a:prstGeom prst="rect">
+                  <a:avLst/>
+                </a:prstGeom>
+                <a:noFill/>
+              </p:spPr>
+              <p:txBody>
+                <a:bodyPr wrap="none" rtlCol="0">
+                  <a:spAutoFit/>
+                </a:bodyPr>
+                <a:lstStyle/>
+                <a:p>
+                  <a:pPr/>
+                  <a14:m>
+                    <m:oMathPara xmlns:m="http://schemas.openxmlformats.org/officeDocument/2006/math">
+                      <m:oMathParaPr>
+                        <m:jc m:val="centerGroup"/>
+                      </m:oMathParaPr>
+                      <m:oMath xmlns:m="http://schemas.openxmlformats.org/officeDocument/2006/math">
+                        <m:r>
+                          <m:rPr>
+                            <m:sty m:val="p"/>
+                          </m:rPr>
+                          <a:rPr lang="en-US" b="0" i="0" smtClean="0">
+                            <a:solidFill>
+                              <a:schemeClr val="tx1"/>
+                            </a:solidFill>
+                            <a:latin typeface="Cambria Math" panose="02040503050406030204" pitchFamily="18" charset="0"/>
+                          </a:rPr>
+                          <m:t>Λ</m:t>
+                        </m:r>
+                        <m:d>
+                          <m:dPr>
+                            <m:ctrlPr>
+                              <a:rPr lang="en-US" b="0" i="1" smtClean="0">
+                                <a:solidFill>
+                                  <a:schemeClr val="tx1"/>
+                                </a:solidFill>
+                                <a:latin typeface="Cambria Math" panose="02040503050406030204" pitchFamily="18" charset="0"/>
+                              </a:rPr>
+                            </m:ctrlPr>
+                          </m:dPr>
+                          <m:e>
+                            <m:sSub>
+                              <m:sSubPr>
+                                <m:ctrlPr>
+                                  <a:rPr lang="en-US" b="0" i="1" smtClean="0">
+                                    <a:solidFill>
+                                      <a:schemeClr val="tx1"/>
+                                    </a:solidFill>
+                                    <a:latin typeface="Cambria Math" panose="02040503050406030204" pitchFamily="18" charset="0"/>
+                                  </a:rPr>
+                                </m:ctrlPr>
+                              </m:sSubPr>
+                              <m:e>
+                                <m:r>
+                                  <a:rPr lang="en-US" b="0" i="1" smtClean="0">
+                                    <a:solidFill>
+                                      <a:schemeClr val="tx1"/>
+                                    </a:solidFill>
+                                    <a:latin typeface="Cambria Math" panose="02040503050406030204" pitchFamily="18" charset="0"/>
+                                  </a:rPr>
+                                  <m:t>𝑡</m:t>
+                                </m:r>
+                              </m:e>
+                              <m:sub>
+                                <m:r>
+                                  <a:rPr lang="en-US" b="0" i="1" smtClean="0">
+                                    <a:solidFill>
+                                      <a:schemeClr val="tx1"/>
+                                    </a:solidFill>
+                                    <a:latin typeface="Cambria Math" panose="02040503050406030204" pitchFamily="18" charset="0"/>
+                                  </a:rPr>
+                                  <m:t>1</m:t>
+                                </m:r>
+                              </m:sub>
+                            </m:sSub>
+                          </m:e>
+                        </m:d>
+                        <m:r>
+                          <a:rPr lang="en-US" b="0" i="1" smtClean="0">
+                            <a:solidFill>
+                              <a:schemeClr val="tx1"/>
+                            </a:solidFill>
+                            <a:latin typeface="Cambria Math" panose="02040503050406030204" pitchFamily="18" charset="0"/>
+                          </a:rPr>
+                          <m:t>−</m:t>
+                        </m:r>
+                        <m:r>
+                          <m:rPr>
+                            <m:sty m:val="p"/>
+                          </m:rPr>
+                          <a:rPr lang="en-US" b="0" i="0" smtClean="0">
+                            <a:solidFill>
+                              <a:schemeClr val="tx1"/>
+                            </a:solidFill>
+                            <a:latin typeface="Cambria Math" panose="02040503050406030204" pitchFamily="18" charset="0"/>
+                          </a:rPr>
+                          <m:t>Λ</m:t>
+                        </m:r>
+                        <m:r>
+                          <a:rPr lang="en-US" b="0" i="0" smtClean="0">
+                            <a:solidFill>
+                              <a:schemeClr val="tx1"/>
+                            </a:solidFill>
+                            <a:latin typeface="Cambria Math" panose="02040503050406030204" pitchFamily="18" charset="0"/>
+                          </a:rPr>
+                          <m:t>(</m:t>
+                        </m:r>
+                        <m:sSub>
+                          <m:sSubPr>
+                            <m:ctrlPr>
+                              <a:rPr lang="en-US" b="0" i="1" smtClean="0">
+                                <a:solidFill>
+                                  <a:schemeClr val="tx1"/>
+                                </a:solidFill>
+                                <a:latin typeface="Cambria Math" panose="02040503050406030204" pitchFamily="18" charset="0"/>
+                              </a:rPr>
+                            </m:ctrlPr>
+                          </m:sSubPr>
+                          <m:e>
+                            <m:r>
+                              <a:rPr lang="en-US" b="0" i="1" smtClean="0">
+                                <a:solidFill>
+                                  <a:schemeClr val="tx1"/>
+                                </a:solidFill>
+                                <a:latin typeface="Cambria Math" panose="02040503050406030204" pitchFamily="18" charset="0"/>
+                              </a:rPr>
+                              <m:t>𝑡</m:t>
+                            </m:r>
+                          </m:e>
+                          <m:sub>
+                            <m:r>
+                              <a:rPr lang="en-US" b="0" i="1" smtClean="0">
+                                <a:solidFill>
+                                  <a:schemeClr val="tx1"/>
+                                </a:solidFill>
+                                <a:latin typeface="Cambria Math" panose="02040503050406030204" pitchFamily="18" charset="0"/>
+                              </a:rPr>
+                              <m:t>2</m:t>
+                            </m:r>
+                          </m:sub>
+                        </m:sSub>
+                        <m:r>
+                          <a:rPr lang="en-US" b="0" i="0" smtClean="0">
+                            <a:solidFill>
+                              <a:schemeClr val="tx1"/>
+                            </a:solidFill>
+                            <a:latin typeface="Cambria Math" panose="02040503050406030204" pitchFamily="18" charset="0"/>
+                          </a:rPr>
+                          <m:t>)</m:t>
+                        </m:r>
+                        <m:r>
+                          <a:rPr lang="en-US" b="0" i="1" smtClean="0">
+                            <a:solidFill>
+                              <a:schemeClr val="tx1"/>
+                            </a:solidFill>
+                            <a:latin typeface="Cambria Math" panose="02040503050406030204" pitchFamily="18" charset="0"/>
+                          </a:rPr>
+                          <m:t>=</m:t>
+                        </m:r>
+                        <m:r>
+                          <a:rPr lang="en-US" i="1">
+                            <a:latin typeface="Cambria Math" panose="02040503050406030204" pitchFamily="18" charset="0"/>
+                            <a:ea typeface="Cambria Math" panose="02040503050406030204" pitchFamily="18" charset="0"/>
+                          </a:rPr>
+                          <m:t>𝔼</m:t>
+                        </m:r>
+                        <m:d>
+                          <m:dPr>
+                            <m:begChr m:val="["/>
+                            <m:endChr m:val="]"/>
+                            <m:ctrlPr>
+                              <a:rPr lang="en-US" i="1">
+                                <a:latin typeface="Cambria Math" panose="02040503050406030204" pitchFamily="18" charset="0"/>
+                                <a:ea typeface="Cambria Math" panose="02040503050406030204" pitchFamily="18" charset="0"/>
+                              </a:rPr>
+                            </m:ctrlPr>
+                          </m:dPr>
+                          <m:e>
+                            <m:r>
+                              <a:rPr lang="en-US" i="1">
+                                <a:latin typeface="Cambria Math" panose="02040503050406030204" pitchFamily="18" charset="0"/>
+                                <a:ea typeface="Cambria Math" panose="02040503050406030204" pitchFamily="18" charset="0"/>
+                              </a:rPr>
+                              <m:t>𝑁</m:t>
+                            </m:r>
+                            <m:d>
+                              <m:dPr>
+                                <m:ctrlPr>
+                                  <a:rPr lang="en-US" i="1">
+                                    <a:latin typeface="Cambria Math" panose="02040503050406030204" pitchFamily="18" charset="0"/>
+                                    <a:ea typeface="Cambria Math" panose="02040503050406030204" pitchFamily="18" charset="0"/>
+                                  </a:rPr>
+                                </m:ctrlPr>
+                              </m:dPr>
+                              <m:e>
+                                <m:sSub>
+                                  <m:sSubPr>
+                                    <m:ctrlPr>
+                                      <a:rPr lang="en-US" b="0" i="1" smtClean="0">
+                                        <a:latin typeface="Cambria Math" panose="02040503050406030204" pitchFamily="18" charset="0"/>
+                                        <a:ea typeface="Cambria Math" panose="02040503050406030204" pitchFamily="18" charset="0"/>
+                                      </a:rPr>
+                                    </m:ctrlPr>
+                                  </m:sSubPr>
+                                  <m:e>
+                                    <m:r>
+                                      <a:rPr lang="en-US" b="0" i="1" smtClean="0">
+                                        <a:latin typeface="Cambria Math" panose="02040503050406030204" pitchFamily="18" charset="0"/>
+                                        <a:ea typeface="Cambria Math" panose="02040503050406030204" pitchFamily="18" charset="0"/>
+                                      </a:rPr>
+                                      <m:t>𝑡</m:t>
+                                    </m:r>
+                                  </m:e>
+                                  <m:sub>
+                                    <m:r>
+                                      <a:rPr lang="en-US" b="0" i="1" smtClean="0">
+                                        <a:latin typeface="Cambria Math" panose="02040503050406030204" pitchFamily="18" charset="0"/>
+                                        <a:ea typeface="Cambria Math" panose="02040503050406030204" pitchFamily="18" charset="0"/>
+                                      </a:rPr>
+                                      <m:t>1</m:t>
+                                    </m:r>
+                                  </m:sub>
+                                </m:sSub>
+                                <m:r>
+                                  <a:rPr lang="en-US" i="1">
+                                    <a:latin typeface="Cambria Math" panose="02040503050406030204" pitchFamily="18" charset="0"/>
+                                    <a:ea typeface="Cambria Math" panose="02040503050406030204" pitchFamily="18" charset="0"/>
+                                  </a:rPr>
+                                  <m:t> </m:t>
+                                </m:r>
+                                <m:sSub>
+                                  <m:sSubPr>
+                                    <m:ctrlPr>
+                                      <a:rPr lang="en-US" b="0" i="1" smtClean="0">
+                                        <a:latin typeface="Cambria Math" panose="02040503050406030204" pitchFamily="18" charset="0"/>
+                                        <a:ea typeface="Cambria Math" panose="02040503050406030204" pitchFamily="18" charset="0"/>
+                                      </a:rPr>
+                                    </m:ctrlPr>
+                                  </m:sSubPr>
+                                  <m:e>
+                                    <m:r>
+                                      <a:rPr lang="en-US" b="0" i="1" smtClean="0">
+                                        <a:latin typeface="Cambria Math" panose="02040503050406030204" pitchFamily="18" charset="0"/>
+                                        <a:ea typeface="Cambria Math" panose="02040503050406030204" pitchFamily="18" charset="0"/>
+                                      </a:rPr>
+                                      <m:t>𝑡</m:t>
+                                    </m:r>
+                                  </m:e>
+                                  <m:sub>
+                                    <m:r>
+                                      <a:rPr lang="en-US" b="0" i="1" smtClean="0">
+                                        <a:latin typeface="Cambria Math" panose="02040503050406030204" pitchFamily="18" charset="0"/>
+                                        <a:ea typeface="Cambria Math" panose="02040503050406030204" pitchFamily="18" charset="0"/>
+                                      </a:rPr>
+                                      <m:t>2</m:t>
+                                    </m:r>
+                                  </m:sub>
+                                </m:sSub>
+                              </m:e>
+                            </m:d>
+                          </m:e>
+                        </m:d>
+                      </m:oMath>
+                    </m:oMathPara>
+                  </a14:m>
+                  <a:endParaRPr lang="en-US" dirty="0">
+                    <a:solidFill>
+                      <a:schemeClr val="tx1"/>
+                    </a:solidFill>
+                  </a:endParaRPr>
+                </a:p>
+              </p:txBody>
+            </p:sp>
+          </mc:Choice>
+          <mc:Fallback xmlns="">
+            <p:sp>
+              <p:nvSpPr>
+                <p:cNvPr id="18" name="TextBox 17">
+                  <a:extLst>
+                    <a:ext uri="{FF2B5EF4-FFF2-40B4-BE49-F238E27FC236}">
+                      <a16:creationId xmlns:a16="http://schemas.microsoft.com/office/drawing/2014/main" id="{7955B67E-B879-2F8B-CE3A-1974C5FE3A9A}"/>
+                    </a:ext>
+                  </a:extLst>
+                </p:cNvPr>
+                <p:cNvSpPr txBox="1">
+                  <a:spLocks noRot="1" noChangeAspect="1" noMove="1" noResize="1" noEditPoints="1" noAdjustHandles="1" noChangeArrowheads="1" noChangeShapeType="1" noTextEdit="1"/>
+                </p:cNvSpPr>
+                <p:nvPr/>
+              </p:nvSpPr>
+              <p:spPr>
+                <a:xfrm>
+                  <a:off x="7288359" y="3280062"/>
+                  <a:ext cx="2967607" cy="369332"/>
+                </a:xfrm>
+                <a:prstGeom prst="rect">
+                  <a:avLst/>
+                </a:prstGeom>
+                <a:blipFill>
+                  <a:blip r:embed="rId5"/>
+                  <a:stretch>
+                    <a:fillRect b="-16667"/>
+                  </a:stretch>
+                </a:blipFill>
+              </p:spPr>
+              <p:txBody>
+                <a:bodyPr/>
+                <a:lstStyle/>
+                <a:p>
+                  <a:r>
+                    <a:rPr lang="en-US">
+                      <a:noFill/>
+                    </a:rPr>
+                    <a:t> </a:t>
+                  </a:r>
+                </a:p>
+              </p:txBody>
+            </p:sp>
+          </mc:Fallback>
+        </mc:AlternateContent>
+        <p:cxnSp>
+          <p:nvCxnSpPr>
+            <p:cNvPr id="22" name="Straight Arrow Connector 21">
+              <a:extLst>
+                <a:ext uri="{FF2B5EF4-FFF2-40B4-BE49-F238E27FC236}">
+                  <a16:creationId xmlns:a16="http://schemas.microsoft.com/office/drawing/2014/main" id="{49BD16BE-F00F-8A10-E324-4B602AE91895}"/>
+                </a:ext>
+              </a:extLst>
+            </p:cNvPr>
+            <p:cNvCxnSpPr/>
+            <p:nvPr/>
+          </p:nvCxnSpPr>
+          <p:spPr>
+            <a:xfrm>
+              <a:off x="8677295" y="4127157"/>
+              <a:ext cx="0" cy="365619"/>
+            </a:xfrm>
+            <a:prstGeom prst="straightConnector1">
+              <a:avLst/>
+            </a:prstGeom>
+            <a:ln w="6350">
+              <a:solidFill>
+                <a:schemeClr val="tx1"/>
+              </a:solidFill>
+              <a:headEnd type="triangle"/>
+              <a:tailEnd type="triangle"/>
+            </a:ln>
+          </p:spPr>
+          <p:style>
+            <a:lnRef idx="2">
+              <a:schemeClr val="accent1"/>
+            </a:lnRef>
+            <a:fillRef idx="0">
+              <a:schemeClr val="accent1"/>
+            </a:fillRef>
+            <a:effectRef idx="1">
+              <a:schemeClr val="accent1"/>
+            </a:effectRef>
+            <a:fontRef idx="minor">
+              <a:schemeClr val="tx1"/>
+            </a:fontRef>
+          </p:style>
+        </p:cxnSp>
+        <p:cxnSp>
+          <p:nvCxnSpPr>
+            <p:cNvPr id="23" name="Straight Connector 22">
+              <a:extLst>
+                <a:ext uri="{FF2B5EF4-FFF2-40B4-BE49-F238E27FC236}">
+                  <a16:creationId xmlns:a16="http://schemas.microsoft.com/office/drawing/2014/main" id="{EA8BE3DB-39BB-F09F-BAA7-72C035222E3F}"/>
+                </a:ext>
+              </a:extLst>
+            </p:cNvPr>
+            <p:cNvCxnSpPr>
+              <a:cxnSpLocks/>
+            </p:cNvCxnSpPr>
+            <p:nvPr/>
+          </p:nvCxnSpPr>
+          <p:spPr>
+            <a:xfrm>
+              <a:off x="7694116" y="3625595"/>
+              <a:ext cx="933751" cy="684371"/>
+            </a:xfrm>
+            <a:prstGeom prst="line">
+              <a:avLst/>
+            </a:prstGeom>
+            <a:ln w="6350">
+              <a:solidFill>
+                <a:schemeClr val="tx1"/>
+              </a:solidFill>
+            </a:ln>
+          </p:spPr>
+          <p:style>
+            <a:lnRef idx="2">
+              <a:schemeClr val="accent1"/>
+            </a:lnRef>
+            <a:fillRef idx="0">
+              <a:schemeClr val="accent1"/>
+            </a:fillRef>
+            <a:effectRef idx="1">
+              <a:schemeClr val="accent1"/>
+            </a:effectRef>
+            <a:fontRef idx="minor">
+              <a:schemeClr val="tx1"/>
+            </a:fontRef>
+          </p:style>
+        </p:cxnSp>
+      </p:grpSp>
+      <mc:AlternateContent xmlns:mc="http://schemas.openxmlformats.org/markup-compatibility/2006" xmlns:a14="http://schemas.microsoft.com/office/drawing/2010/main">
+        <mc:Choice Requires="a14">
+          <p:sp>
+            <p:nvSpPr>
+              <p:cNvPr id="2" name="TextBox 1">
+                <a:extLst>
+                  <a:ext uri="{FF2B5EF4-FFF2-40B4-BE49-F238E27FC236}">
+                    <a16:creationId xmlns:a16="http://schemas.microsoft.com/office/drawing/2014/main" id="{72FECF11-230C-7A1D-191C-B2CF809A051E}"/>
+                  </a:ext>
+                </a:extLst>
+              </p:cNvPr>
+              <p:cNvSpPr txBox="1"/>
+              <p:nvPr/>
+            </p:nvSpPr>
+            <p:spPr>
+              <a:xfrm>
+                <a:off x="2990566" y="1574171"/>
+                <a:ext cx="6210867" cy="1077218"/>
+              </a:xfrm>
+              <a:prstGeom prst="rect">
+                <a:avLst/>
+              </a:prstGeom>
+              <a:noFill/>
+            </p:spPr>
+            <p:txBody>
+              <a:bodyPr wrap="none" rtlCol="0">
+                <a:spAutoFit/>
+              </a:bodyPr>
+              <a:lstStyle/>
+              <a:p>
+                <a14:m>
+                  <m:oMath xmlns:m="http://schemas.openxmlformats.org/officeDocument/2006/math">
+                    <m:r>
+                      <a:rPr lang="en-US" sz="3200" b="0" i="1" smtClean="0">
+                        <a:latin typeface="Cambria Math" panose="02040503050406030204" pitchFamily="18" charset="0"/>
+                      </a:rPr>
+                      <m:t>𝑁</m:t>
+                    </m:r>
+                    <m:d>
+                      <m:dPr>
+                        <m:ctrlPr>
+                          <a:rPr lang="en-US" sz="3200" b="0" i="1" smtClean="0">
+                            <a:latin typeface="Cambria Math" panose="02040503050406030204" pitchFamily="18" charset="0"/>
+                          </a:rPr>
+                        </m:ctrlPr>
+                      </m:dPr>
+                      <m:e>
+                        <m:sSub>
+                          <m:sSubPr>
+                            <m:ctrlPr>
+                              <a:rPr lang="en-US" sz="3200" b="0" i="1" smtClean="0">
+                                <a:latin typeface="Cambria Math" panose="02040503050406030204" pitchFamily="18" charset="0"/>
+                              </a:rPr>
+                            </m:ctrlPr>
+                          </m:sSubPr>
+                          <m:e>
+                            <m:r>
+                              <a:rPr lang="en-US" sz="3200" b="0" i="1" smtClean="0">
+                                <a:latin typeface="Cambria Math" panose="02040503050406030204" pitchFamily="18" charset="0"/>
+                              </a:rPr>
+                              <m:t>𝑡</m:t>
+                            </m:r>
+                          </m:e>
+                          <m:sub>
+                            <m:r>
+                              <a:rPr lang="en-US" sz="3200" b="0" i="1" smtClean="0">
+                                <a:latin typeface="Cambria Math" panose="02040503050406030204" pitchFamily="18" charset="0"/>
+                              </a:rPr>
+                              <m:t>1</m:t>
+                            </m:r>
+                          </m:sub>
+                        </m:sSub>
+                        <m:r>
+                          <a:rPr lang="en-US" sz="3200" b="0" i="1" smtClean="0">
+                            <a:latin typeface="Cambria Math" panose="02040503050406030204" pitchFamily="18" charset="0"/>
+                          </a:rPr>
+                          <m:t>, </m:t>
+                        </m:r>
+                        <m:sSub>
+                          <m:sSubPr>
+                            <m:ctrlPr>
+                              <a:rPr lang="en-US" sz="3200" b="0" i="1" smtClean="0">
+                                <a:latin typeface="Cambria Math" panose="02040503050406030204" pitchFamily="18" charset="0"/>
+                              </a:rPr>
+                            </m:ctrlPr>
+                          </m:sSubPr>
+                          <m:e>
+                            <m:r>
+                              <a:rPr lang="en-US" sz="3200" b="0" i="1" smtClean="0">
+                                <a:latin typeface="Cambria Math" panose="02040503050406030204" pitchFamily="18" charset="0"/>
+                              </a:rPr>
+                              <m:t>𝑡</m:t>
+                            </m:r>
+                          </m:e>
+                          <m:sub>
+                            <m:r>
+                              <a:rPr lang="en-US" sz="3200" b="0" i="1" smtClean="0">
+                                <a:latin typeface="Cambria Math" panose="02040503050406030204" pitchFamily="18" charset="0"/>
+                              </a:rPr>
+                              <m:t>2</m:t>
+                            </m:r>
+                          </m:sub>
+                        </m:sSub>
+                      </m:e>
+                    </m:d>
+                    <m:r>
+                      <a:rPr lang="en-US" sz="3200" b="0" i="1" smtClean="0">
+                        <a:latin typeface="Cambria Math" panose="02040503050406030204" pitchFamily="18" charset="0"/>
+                      </a:rPr>
+                      <m:t>~</m:t>
+                    </m:r>
+                    <m:r>
+                      <m:rPr>
+                        <m:sty m:val="p"/>
+                      </m:rPr>
+                      <a:rPr lang="en-US" sz="3200" b="0" i="0" smtClean="0">
+                        <a:latin typeface="Cambria Math" panose="02040503050406030204" pitchFamily="18" charset="0"/>
+                      </a:rPr>
+                      <m:t>Poisson</m:t>
+                    </m:r>
+                    <m:r>
+                      <a:rPr lang="en-US" sz="3200" b="0" i="1" smtClean="0">
+                        <a:latin typeface="Cambria Math" panose="02040503050406030204" pitchFamily="18" charset="0"/>
+                      </a:rPr>
+                      <m:t>(</m:t>
+                    </m:r>
+                    <m:r>
+                      <m:rPr>
+                        <m:sty m:val="p"/>
+                      </m:rPr>
+                      <a:rPr lang="en-US" sz="3200" b="0" i="0" smtClean="0">
+                        <a:latin typeface="Cambria Math" panose="02040503050406030204" pitchFamily="18" charset="0"/>
+                      </a:rPr>
+                      <m:t>Λ</m:t>
+                    </m:r>
+                    <m:d>
+                      <m:dPr>
+                        <m:ctrlPr>
+                          <a:rPr lang="en-US" sz="3200" b="0" i="1" smtClean="0">
+                            <a:latin typeface="Cambria Math" panose="02040503050406030204" pitchFamily="18" charset="0"/>
+                          </a:rPr>
+                        </m:ctrlPr>
+                      </m:dPr>
+                      <m:e>
+                        <m:sSub>
+                          <m:sSubPr>
+                            <m:ctrlPr>
+                              <a:rPr lang="en-US" sz="3200" b="0" i="1" smtClean="0">
+                                <a:latin typeface="Cambria Math" panose="02040503050406030204" pitchFamily="18" charset="0"/>
+                              </a:rPr>
+                            </m:ctrlPr>
+                          </m:sSubPr>
+                          <m:e>
+                            <m:r>
+                              <a:rPr lang="en-US" sz="3200" b="0" i="1" smtClean="0">
+                                <a:latin typeface="Cambria Math" panose="02040503050406030204" pitchFamily="18" charset="0"/>
+                              </a:rPr>
+                              <m:t>𝑡</m:t>
+                            </m:r>
+                          </m:e>
+                          <m:sub>
+                            <m:r>
+                              <a:rPr lang="en-US" sz="3200" b="0" i="1" smtClean="0">
+                                <a:latin typeface="Cambria Math" panose="02040503050406030204" pitchFamily="18" charset="0"/>
+                              </a:rPr>
+                              <m:t>2</m:t>
+                            </m:r>
+                          </m:sub>
+                        </m:sSub>
+                      </m:e>
+                    </m:d>
+                    <m:r>
+                      <a:rPr lang="en-US" sz="3200" b="0" i="1" smtClean="0">
+                        <a:latin typeface="Cambria Math" panose="02040503050406030204" pitchFamily="18" charset="0"/>
+                      </a:rPr>
+                      <m:t>−</m:t>
+                    </m:r>
+                    <m:r>
+                      <m:rPr>
+                        <m:sty m:val="p"/>
+                      </m:rPr>
+                      <a:rPr lang="en-US" sz="3200" b="0" i="0" smtClean="0">
+                        <a:latin typeface="Cambria Math" panose="02040503050406030204" pitchFamily="18" charset="0"/>
+                      </a:rPr>
+                      <m:t>Λ</m:t>
+                    </m:r>
+                    <m:r>
+                      <a:rPr lang="en-US" sz="3200" b="0" i="1" smtClean="0">
+                        <a:latin typeface="Cambria Math" panose="02040503050406030204" pitchFamily="18" charset="0"/>
+                      </a:rPr>
+                      <m:t>(</m:t>
+                    </m:r>
+                    <m:sSub>
+                      <m:sSubPr>
+                        <m:ctrlPr>
+                          <a:rPr lang="en-US" sz="3200" b="0" i="1" smtClean="0">
+                            <a:latin typeface="Cambria Math" panose="02040503050406030204" pitchFamily="18" charset="0"/>
+                          </a:rPr>
+                        </m:ctrlPr>
+                      </m:sSubPr>
+                      <m:e>
+                        <m:r>
+                          <a:rPr lang="en-US" sz="3200" b="0" i="1" smtClean="0">
+                            <a:latin typeface="Cambria Math" panose="02040503050406030204" pitchFamily="18" charset="0"/>
+                          </a:rPr>
+                          <m:t>𝑡</m:t>
+                        </m:r>
+                      </m:e>
+                      <m:sub>
+                        <m:r>
+                          <a:rPr lang="en-US" sz="3200" b="0" i="1" smtClean="0">
+                            <a:latin typeface="Cambria Math" panose="02040503050406030204" pitchFamily="18" charset="0"/>
+                          </a:rPr>
+                          <m:t>1</m:t>
+                        </m:r>
+                      </m:sub>
+                    </m:sSub>
+                    <m:r>
+                      <a:rPr lang="en-US" sz="3200" b="0" i="1" smtClean="0">
+                        <a:latin typeface="Cambria Math" panose="02040503050406030204" pitchFamily="18" charset="0"/>
+                      </a:rPr>
+                      <m:t>))</m:t>
+                    </m:r>
+                  </m:oMath>
+                </a14:m>
+                <a:r>
+                  <a:rPr lang="en-US" sz="3200" dirty="0"/>
+                  <a:t>, </a:t>
+                </a:r>
+              </a:p>
+              <a:p>
+                <a:r>
+                  <a:rPr lang="en-US" sz="3200" dirty="0"/>
+                  <a:t>irrespective of the form of </a:t>
+                </a:r>
+                <a14:m>
+                  <m:oMath xmlns:m="http://schemas.openxmlformats.org/officeDocument/2006/math">
+                    <m:r>
+                      <a:rPr lang="en-US" sz="3200" b="0" i="1" smtClean="0">
+                        <a:latin typeface="Cambria Math" panose="02040503050406030204" pitchFamily="18" charset="0"/>
+                      </a:rPr>
+                      <m:t>𝜆</m:t>
+                    </m:r>
+                    <m:r>
+                      <a:rPr lang="en-US" sz="3200" b="0" i="1" smtClean="0">
+                        <a:latin typeface="Cambria Math" panose="02040503050406030204" pitchFamily="18" charset="0"/>
+                      </a:rPr>
+                      <m:t>(</m:t>
+                    </m:r>
+                    <m:r>
+                      <a:rPr lang="en-US" sz="3200" b="0" i="1" smtClean="0">
+                        <a:latin typeface="Cambria Math" panose="02040503050406030204" pitchFamily="18" charset="0"/>
+                      </a:rPr>
+                      <m:t>𝑡</m:t>
+                    </m:r>
+                    <m:r>
+                      <a:rPr lang="en-US" sz="3200" b="0" i="1" smtClean="0">
+                        <a:latin typeface="Cambria Math" panose="02040503050406030204" pitchFamily="18" charset="0"/>
+                      </a:rPr>
+                      <m:t>)</m:t>
+                    </m:r>
+                  </m:oMath>
+                </a14:m>
+                <a:endParaRPr lang="en-US" sz="3200" dirty="0"/>
+              </a:p>
+            </p:txBody>
+          </p:sp>
+        </mc:Choice>
+        <mc:Fallback xmlns="">
+          <p:sp>
+            <p:nvSpPr>
+              <p:cNvPr id="2" name="TextBox 1">
+                <a:extLst>
+                  <a:ext uri="{FF2B5EF4-FFF2-40B4-BE49-F238E27FC236}">
+                    <a16:creationId xmlns:a16="http://schemas.microsoft.com/office/drawing/2014/main" id="{72FECF11-230C-7A1D-191C-B2CF809A051E}"/>
+                  </a:ext>
+                </a:extLst>
+              </p:cNvPr>
+              <p:cNvSpPr txBox="1">
+                <a:spLocks noRot="1" noChangeAspect="1" noMove="1" noResize="1" noEditPoints="1" noAdjustHandles="1" noChangeArrowheads="1" noChangeShapeType="1" noTextEdit="1"/>
+              </p:cNvSpPr>
+              <p:nvPr/>
+            </p:nvSpPr>
+            <p:spPr>
+              <a:xfrm>
+                <a:off x="2990566" y="1574171"/>
+                <a:ext cx="6210867" cy="1077218"/>
+              </a:xfrm>
+              <a:prstGeom prst="rect">
+                <a:avLst/>
+              </a:prstGeom>
+              <a:blipFill>
+                <a:blip r:embed="rId6"/>
+                <a:stretch>
+                  <a:fillRect l="-2449" t="-6977" r="-1429" b="-17442"/>
+                </a:stretch>
+              </a:blipFill>
+            </p:spPr>
+            <p:txBody>
+              <a:bodyPr/>
+              <a:lstStyle/>
+              <a:p>
+                <a:r>
+                  <a:rPr lang="en-US">
+                    <a:noFill/>
+                  </a:rPr>
+                  <a:t> </a:t>
+                </a:r>
+              </a:p>
+            </p:txBody>
+          </p:sp>
+        </mc:Fallback>
+      </mc:AlternateContent>
+    </p:spTree>
+    <p:extLst>
+      <p:ext uri="{BB962C8B-B14F-4D97-AF65-F5344CB8AC3E}">
+        <p14:creationId xmlns:p14="http://schemas.microsoft.com/office/powerpoint/2010/main" val="2768137283"/>
+      </p:ext>
+    </p:extLst>
+  </p:cSld>
+  <p:clrMapOvr>
+    <a:masterClrMapping/>
+  </p:clrMapOvr>
+</p:sld>
+</file>
+
+<file path=ppt/slides/slide32.xml><?xml version="1.0" encoding="utf-8"?>
+<p:sld xmlns:a="http://schemas.openxmlformats.org/drawingml/2006/main" xmlns:r="http://schemas.openxmlformats.org/officeDocument/2006/relationships" xmlns:p="http://schemas.openxmlformats.org/presentationml/2006/main">
+  <p:cSld>
+    <p:spTree>
+      <p:nvGrpSpPr>
+        <p:cNvPr id="1" name="">
+          <a:extLst>
+            <a:ext uri="{FF2B5EF4-FFF2-40B4-BE49-F238E27FC236}">
+              <a16:creationId xmlns:a16="http://schemas.microsoft.com/office/drawing/2014/main" id="{ED53FF7C-4AEA-F494-1D56-70E41B9C7901}"/>
+            </a:ext>
+          </a:extLst>
+        </p:cNvPr>
+        <p:cNvGrpSpPr/>
+        <p:nvPr/>
+      </p:nvGrpSpPr>
+      <p:grpSpPr>
+        <a:xfrm>
+          <a:off x="0" y="0"/>
+          <a:ext cx="0" cy="0"/>
+          <a:chOff x="0" y="0"/>
+          <a:chExt cx="0" cy="0"/>
+        </a:xfrm>
+      </p:grpSpPr>
+      <p:pic>
+        <p:nvPicPr>
+          <p:cNvPr id="13" name="Content Placeholder 12">
+            <a:extLst>
+              <a:ext uri="{FF2B5EF4-FFF2-40B4-BE49-F238E27FC236}">
+                <a16:creationId xmlns:a16="http://schemas.microsoft.com/office/drawing/2014/main" id="{955322BB-9839-EFC4-954B-75FB78F225C6}"/>
+              </a:ext>
+            </a:extLst>
+          </p:cNvPr>
+          <p:cNvPicPr>
+            <a:picLocks noGrp="1" noChangeAspect="1"/>
+          </p:cNvPicPr>
+          <p:nvPr>
+            <p:ph sz="quarter" idx="4"/>
+          </p:nvPr>
+        </p:nvPicPr>
+        <p:blipFill>
+          <a:blip r:embed="rId2"/>
+          <a:stretch>
+            <a:fillRect/>
+          </a:stretch>
+        </p:blipFill>
+        <p:spPr>
+          <a:xfrm>
+            <a:off x="6477794" y="2975769"/>
+            <a:ext cx="4572000" cy="2743200"/>
+          </a:xfrm>
+        </p:spPr>
+      </p:pic>
+      <p:sp>
+        <p:nvSpPr>
+          <p:cNvPr id="7" name="Title 6">
+            <a:extLst>
+              <a:ext uri="{FF2B5EF4-FFF2-40B4-BE49-F238E27FC236}">
+                <a16:creationId xmlns:a16="http://schemas.microsoft.com/office/drawing/2014/main" id="{4A6AC51B-9273-63B0-D5C4-1DA46C689B6B}"/>
+              </a:ext>
+            </a:extLst>
+          </p:cNvPr>
+          <p:cNvSpPr>
+            <a:spLocks noGrp="1"/>
+          </p:cNvSpPr>
+          <p:nvPr>
+            <p:ph type="title"/>
+          </p:nvPr>
+        </p:nvSpPr>
+        <p:spPr/>
+        <p:txBody>
+          <a:bodyPr/>
+          <a:lstStyle/>
+          <a:p>
+            <a:r>
+              <a:rPr lang="en-US" dirty="0"/>
+              <a:t>Cumulative intensity function and its inverse</a:t>
+            </a:r>
+          </a:p>
+        </p:txBody>
+      </p:sp>
+      <mc:AlternateContent xmlns:mc="http://schemas.openxmlformats.org/markup-compatibility/2006" xmlns:a14="http://schemas.microsoft.com/office/drawing/2010/main">
+        <mc:Choice Requires="a14">
+          <p:sp>
+            <p:nvSpPr>
+              <p:cNvPr id="10" name="Text Placeholder 9">
+                <a:extLst>
+                  <a:ext uri="{FF2B5EF4-FFF2-40B4-BE49-F238E27FC236}">
+                    <a16:creationId xmlns:a16="http://schemas.microsoft.com/office/drawing/2014/main" id="{058835FE-A2C1-8D31-BD16-31CAB79D10DE}"/>
+                  </a:ext>
+                </a:extLst>
+              </p:cNvPr>
+              <p:cNvSpPr>
+                <a:spLocks noGrp="1"/>
+              </p:cNvSpPr>
+              <p:nvPr>
+                <p:ph type="body" idx="1"/>
+              </p:nvPr>
+            </p:nvSpPr>
+            <p:spPr/>
+            <p:txBody>
+              <a:bodyPr/>
+              <a:lstStyle/>
+              <a:p>
+                <a:r>
+                  <a:rPr lang="en-US" dirty="0"/>
+                  <a:t>Cumulative intensity function </a:t>
+                </a:r>
+                <a14:m>
+                  <m:oMath xmlns:m="http://schemas.openxmlformats.org/officeDocument/2006/math">
+                    <m:r>
+                      <m:rPr>
+                        <m:sty m:val="p"/>
+                      </m:rPr>
+                      <a:rPr lang="en-US" b="0">
+                        <a:latin typeface="Cambria Math" panose="02040503050406030204" pitchFamily="18" charset="0"/>
+                      </a:rPr>
+                      <m:t>Λ</m:t>
+                    </m:r>
+                    <m:r>
+                      <a:rPr lang="en-US" b="0">
+                        <a:latin typeface="Cambria Math" panose="02040503050406030204" pitchFamily="18" charset="0"/>
+                      </a:rPr>
+                      <m:t>(</m:t>
+                    </m:r>
+                    <m:r>
+                      <m:rPr>
+                        <m:sty m:val="p"/>
+                      </m:rPr>
+                      <a:rPr lang="en-US" b="0">
+                        <a:latin typeface="Cambria Math" panose="02040503050406030204" pitchFamily="18" charset="0"/>
+                      </a:rPr>
+                      <m:t>t</m:t>
+                    </m:r>
+                    <m:r>
+                      <a:rPr lang="en-US" b="0">
+                        <a:latin typeface="Cambria Math" panose="02040503050406030204" pitchFamily="18" charset="0"/>
+                      </a:rPr>
+                      <m:t>)</m:t>
+                    </m:r>
+                  </m:oMath>
+                </a14:m>
+                <a:endParaRPr lang="en-US" b="0" dirty="0"/>
+              </a:p>
+            </p:txBody>
+          </p:sp>
+        </mc:Choice>
+        <mc:Fallback xmlns="">
+          <p:sp>
+            <p:nvSpPr>
+              <p:cNvPr id="10" name="Text Placeholder 9">
+                <a:extLst>
+                  <a:ext uri="{FF2B5EF4-FFF2-40B4-BE49-F238E27FC236}">
+                    <a16:creationId xmlns:a16="http://schemas.microsoft.com/office/drawing/2014/main" id="{058835FE-A2C1-8D31-BD16-31CAB79D10DE}"/>
+                  </a:ext>
+                </a:extLst>
+              </p:cNvPr>
+              <p:cNvSpPr>
+                <a:spLocks noGrp="1" noRot="1" noChangeAspect="1" noMove="1" noResize="1" noEditPoints="1" noAdjustHandles="1" noChangeArrowheads="1" noChangeShapeType="1" noTextEdit="1"/>
+              </p:cNvSpPr>
+              <p:nvPr>
+                <p:ph type="body" idx="1"/>
+              </p:nvPr>
+            </p:nvSpPr>
+            <p:spPr>
+              <a:blipFill>
+                <a:blip r:embed="rId3"/>
+                <a:stretch>
+                  <a:fillRect l="-1966" b="-16667"/>
+                </a:stretch>
+              </a:blipFill>
+            </p:spPr>
+            <p:txBody>
+              <a:bodyPr/>
+              <a:lstStyle/>
+              <a:p>
+                <a:r>
+                  <a:rPr lang="en-US">
+                    <a:noFill/>
+                  </a:rPr>
+                  <a:t> </a:t>
+                </a:r>
+              </a:p>
+            </p:txBody>
+          </p:sp>
+        </mc:Fallback>
+      </mc:AlternateContent>
+      <mc:AlternateContent xmlns:mc="http://schemas.openxmlformats.org/markup-compatibility/2006" xmlns:a14="http://schemas.microsoft.com/office/drawing/2010/main">
+        <mc:Choice Requires="a14">
+          <p:sp>
+            <p:nvSpPr>
+              <p:cNvPr id="12" name="Text Placeholder 11">
+                <a:extLst>
+                  <a:ext uri="{FF2B5EF4-FFF2-40B4-BE49-F238E27FC236}">
+                    <a16:creationId xmlns:a16="http://schemas.microsoft.com/office/drawing/2014/main" id="{BA04777E-18C7-ADCA-58D7-45513E208F7F}"/>
+                  </a:ext>
+                </a:extLst>
+              </p:cNvPr>
+              <p:cNvSpPr>
+                <a:spLocks noGrp="1"/>
+              </p:cNvSpPr>
+              <p:nvPr>
+                <p:ph type="body" sz="quarter" idx="3"/>
+              </p:nvPr>
+            </p:nvSpPr>
+            <p:spPr/>
+            <p:txBody>
+              <a:bodyPr/>
+              <a:lstStyle/>
+              <a:p>
+                <a:r>
+                  <a:rPr lang="en-US" dirty="0"/>
+                  <a:t>Inverse cumulative intensity function </a:t>
+                </a:r>
+                <a14:m>
+                  <m:oMath xmlns:m="http://schemas.openxmlformats.org/officeDocument/2006/math">
+                    <m:sSup>
+                      <m:sSupPr>
+                        <m:ctrlPr>
+                          <a:rPr lang="en-US" b="0" i="1" smtClean="0">
+                            <a:latin typeface="Cambria Math" panose="02040503050406030204" pitchFamily="18" charset="0"/>
+                          </a:rPr>
+                        </m:ctrlPr>
+                      </m:sSupPr>
+                      <m:e>
+                        <m:r>
+                          <m:rPr>
+                            <m:sty m:val="p"/>
+                          </m:rPr>
+                          <a:rPr lang="en-US" b="0" i="0" smtClean="0">
+                            <a:latin typeface="Cambria Math" panose="02040503050406030204" pitchFamily="18" charset="0"/>
+                          </a:rPr>
+                          <m:t>Λ</m:t>
+                        </m:r>
+                      </m:e>
+                      <m:sup>
+                        <m:r>
+                          <a:rPr lang="en-US" b="0" i="0" smtClean="0">
+                            <a:latin typeface="Cambria Math" panose="02040503050406030204" pitchFamily="18" charset="0"/>
+                          </a:rPr>
+                          <m:t>−1</m:t>
+                        </m:r>
+                      </m:sup>
+                    </m:sSup>
+                    <m:r>
+                      <a:rPr lang="en-US" b="0" i="0" smtClean="0">
+                        <a:latin typeface="Cambria Math" panose="02040503050406030204" pitchFamily="18" charset="0"/>
+                      </a:rPr>
+                      <m:t>(</m:t>
+                    </m:r>
+                    <m:r>
+                      <m:rPr>
+                        <m:sty m:val="p"/>
+                      </m:rPr>
+                      <a:rPr lang="en-US" b="0" i="0" smtClean="0">
+                        <a:latin typeface="Cambria Math" panose="02040503050406030204" pitchFamily="18" charset="0"/>
+                      </a:rPr>
+                      <m:t>z</m:t>
+                    </m:r>
+                    <m:r>
+                      <a:rPr lang="en-US" b="0" i="0" smtClean="0">
+                        <a:latin typeface="Cambria Math" panose="02040503050406030204" pitchFamily="18" charset="0"/>
+                      </a:rPr>
+                      <m:t>)</m:t>
+                    </m:r>
+                  </m:oMath>
+                </a14:m>
+                <a:endParaRPr lang="en-US" b="0" dirty="0"/>
+              </a:p>
+            </p:txBody>
+          </p:sp>
+        </mc:Choice>
+        <mc:Fallback xmlns="">
+          <p:sp>
+            <p:nvSpPr>
+              <p:cNvPr id="12" name="Text Placeholder 11">
+                <a:extLst>
+                  <a:ext uri="{FF2B5EF4-FFF2-40B4-BE49-F238E27FC236}">
+                    <a16:creationId xmlns:a16="http://schemas.microsoft.com/office/drawing/2014/main" id="{BA04777E-18C7-ADCA-58D7-45513E208F7F}"/>
+                  </a:ext>
+                </a:extLst>
+              </p:cNvPr>
+              <p:cNvSpPr>
+                <a:spLocks noGrp="1" noRot="1" noChangeAspect="1" noMove="1" noResize="1" noEditPoints="1" noAdjustHandles="1" noChangeArrowheads="1" noChangeShapeType="1" noTextEdit="1"/>
+              </p:cNvSpPr>
+              <p:nvPr>
+                <p:ph type="body" sz="quarter" idx="3"/>
+              </p:nvPr>
+            </p:nvSpPr>
+            <p:spPr>
+              <a:blipFill>
+                <a:blip r:embed="rId4"/>
+                <a:stretch>
+                  <a:fillRect l="-1956" t="-1515" b="-16667"/>
+                </a:stretch>
+              </a:blipFill>
+            </p:spPr>
+            <p:txBody>
+              <a:bodyPr/>
+              <a:lstStyle/>
+              <a:p>
+                <a:r>
+                  <a:rPr lang="en-US">
+                    <a:noFill/>
+                  </a:rPr>
+                  <a:t> </a:t>
+                </a:r>
+              </a:p>
+            </p:txBody>
+          </p:sp>
+        </mc:Fallback>
+      </mc:AlternateContent>
+      <p:pic>
+        <p:nvPicPr>
+          <p:cNvPr id="8" name="Content Placeholder 4">
+            <a:extLst>
+              <a:ext uri="{FF2B5EF4-FFF2-40B4-BE49-F238E27FC236}">
+                <a16:creationId xmlns:a16="http://schemas.microsoft.com/office/drawing/2014/main" id="{CDCFC46B-3D98-7E16-AFF3-B7ED15294FA5}"/>
+              </a:ext>
+            </a:extLst>
+          </p:cNvPr>
+          <p:cNvPicPr>
+            <a:picLocks noGrp="1" noChangeAspect="1"/>
+          </p:cNvPicPr>
+          <p:nvPr>
+            <p:ph sz="half" idx="2"/>
+          </p:nvPr>
+        </p:nvPicPr>
+        <p:blipFill>
+          <a:blip r:embed="rId5"/>
+          <a:stretch>
+            <a:fillRect/>
+          </a:stretch>
+        </p:blipFill>
+        <p:spPr>
+          <a:xfrm>
+            <a:off x="1132681" y="2975769"/>
+            <a:ext cx="4572000" cy="2743200"/>
+          </a:xfrm>
+        </p:spPr>
+      </p:pic>
+      <mc:AlternateContent xmlns:mc="http://schemas.openxmlformats.org/markup-compatibility/2006" xmlns:a14="http://schemas.microsoft.com/office/drawing/2010/main">
+        <mc:Choice Requires="a14">
+          <p:sp>
+            <p:nvSpPr>
+              <p:cNvPr id="16" name="TextBox 15">
+                <a:extLst>
+                  <a:ext uri="{FF2B5EF4-FFF2-40B4-BE49-F238E27FC236}">
+                    <a16:creationId xmlns:a16="http://schemas.microsoft.com/office/drawing/2014/main" id="{A8A4678A-4193-5CC4-841E-9C4F011E62BC}"/>
+                  </a:ext>
+                </a:extLst>
+              </p:cNvPr>
+              <p:cNvSpPr txBox="1"/>
+              <p:nvPr/>
+            </p:nvSpPr>
+            <p:spPr>
+              <a:xfrm>
+                <a:off x="7144082" y="2969591"/>
+                <a:ext cx="2937407" cy="710194"/>
+              </a:xfrm>
+              <a:prstGeom prst="rect">
+                <a:avLst/>
+              </a:prstGeom>
+              <a:noFill/>
+            </p:spPr>
+            <p:txBody>
+              <a:bodyPr wrap="none" rtlCol="0">
+                <a:spAutoFit/>
+              </a:bodyPr>
+              <a:lstStyle/>
+              <a:p>
+                <a:pPr/>
+                <a14:m>
+                  <m:oMathPara xmlns:m="http://schemas.openxmlformats.org/officeDocument/2006/math">
+                    <m:oMathParaPr>
+                      <m:jc m:val="centerGroup"/>
+                    </m:oMathParaPr>
+                    <m:oMath xmlns:m="http://schemas.openxmlformats.org/officeDocument/2006/math">
+                      <m:sSup>
+                        <m:sSupPr>
+                          <m:ctrlPr>
+                            <a:rPr lang="en-US" b="0" i="1" smtClean="0">
+                              <a:latin typeface="Cambria Math" panose="02040503050406030204" pitchFamily="18" charset="0"/>
+                            </a:rPr>
+                          </m:ctrlPr>
+                        </m:sSupPr>
+                        <m:e>
+                          <m:r>
+                            <m:rPr>
+                              <m:sty m:val="p"/>
+                            </m:rPr>
+                            <a:rPr lang="en-US" b="0" i="0" smtClean="0">
+                              <a:latin typeface="Cambria Math" panose="02040503050406030204" pitchFamily="18" charset="0"/>
+                            </a:rPr>
+                            <m:t>Λ</m:t>
+                          </m:r>
+                        </m:e>
+                        <m:sup>
+                          <m:r>
+                            <a:rPr lang="en-US" b="0" i="1" smtClean="0">
+                              <a:latin typeface="Cambria Math" panose="02040503050406030204" pitchFamily="18" charset="0"/>
+                            </a:rPr>
+                            <m:t>−1</m:t>
+                          </m:r>
+                        </m:sup>
+                      </m:sSup>
+                      <m:r>
+                        <a:rPr lang="en-US" b="0" i="1" smtClean="0">
+                          <a:latin typeface="Cambria Math" panose="02040503050406030204" pitchFamily="18" charset="0"/>
+                        </a:rPr>
+                        <m:t>(</m:t>
+                      </m:r>
+                      <m:r>
+                        <a:rPr lang="en-US" b="0" i="1" smtClean="0">
+                          <a:latin typeface="Cambria Math" panose="02040503050406030204" pitchFamily="18" charset="0"/>
+                        </a:rPr>
+                        <m:t>𝑧</m:t>
+                      </m:r>
+                      <m:r>
+                        <a:rPr lang="en-US" b="0" i="1" smtClean="0">
+                          <a:latin typeface="Cambria Math" panose="02040503050406030204" pitchFamily="18" charset="0"/>
+                        </a:rPr>
+                        <m:t>)=</m:t>
+                      </m:r>
+                      <m:d>
+                        <m:dPr>
+                          <m:begChr m:val="{"/>
+                          <m:endChr m:val=""/>
+                          <m:ctrlPr>
+                            <a:rPr lang="en-US" b="0" i="1" smtClean="0">
+                              <a:latin typeface="Cambria Math" panose="02040503050406030204" pitchFamily="18" charset="0"/>
+                            </a:rPr>
+                          </m:ctrlPr>
+                        </m:dPr>
+                        <m:e>
+                          <m:eqArr>
+                            <m:eqArrPr>
+                              <m:ctrlPr>
+                                <a:rPr lang="en-US" b="0" i="1" smtClean="0">
+                                  <a:latin typeface="Cambria Math" panose="02040503050406030204" pitchFamily="18" charset="0"/>
+                                </a:rPr>
+                              </m:ctrlPr>
+                            </m:eqArrPr>
+                            <m:e>
+                              <m:r>
+                                <m:rPr>
+                                  <m:sty m:val="p"/>
+                                </m:rPr>
+                                <a:rPr lang="en-US" b="0" i="0" smtClean="0">
+                                  <a:latin typeface="Cambria Math" panose="02040503050406030204" pitchFamily="18" charset="0"/>
+                                </a:rPr>
+                                <m:t>u</m:t>
+                              </m:r>
+                              <m:r>
+                                <m:rPr>
+                                  <m:sty m:val="p"/>
+                                </m:rPr>
+                                <a:rPr lang="en-US">
+                                  <a:latin typeface="Cambria Math" panose="02040503050406030204" pitchFamily="18" charset="0"/>
+                                </a:rPr>
+                                <m:t>ndefined</m:t>
+                              </m:r>
+                              <m:r>
+                                <a:rPr lang="en-US" i="1">
+                                  <a:latin typeface="Cambria Math" panose="02040503050406030204" pitchFamily="18" charset="0"/>
+                                </a:rPr>
+                                <m:t>, </m:t>
+                              </m:r>
+                              <m:r>
+                                <m:rPr>
+                                  <m:sty m:val="p"/>
+                                </m:rPr>
+                                <a:rPr lang="en-US">
+                                  <a:latin typeface="Cambria Math" panose="02040503050406030204" pitchFamily="18" charset="0"/>
+                                </a:rPr>
+                                <m:t>z</m:t>
+                              </m:r>
+                              <m:r>
+                                <a:rPr lang="en-US">
+                                  <a:latin typeface="Cambria Math" panose="02040503050406030204" pitchFamily="18" charset="0"/>
+                                </a:rPr>
+                                <m:t>&lt;1</m:t>
+                              </m:r>
+                            </m:e>
+                            <m:e>
+                              <m:r>
+                                <a:rPr lang="en-US" b="0" i="1" smtClean="0">
+                                  <a:latin typeface="Cambria Math" panose="02040503050406030204" pitchFamily="18" charset="0"/>
+                                </a:rPr>
+                                <m:t>&amp;</m:t>
+                              </m:r>
+                              <m:r>
+                                <a:rPr lang="en-US" i="1">
+                                  <a:latin typeface="Cambria Math" panose="02040503050406030204" pitchFamily="18" charset="0"/>
+                                </a:rPr>
+                                <m:t>𝑧</m:t>
+                              </m:r>
+                              <m:r>
+                                <a:rPr lang="en-US" i="1">
+                                  <a:latin typeface="Cambria Math" panose="02040503050406030204" pitchFamily="18" charset="0"/>
+                                </a:rPr>
+                                <m:t>,          </m:t>
+                              </m:r>
+                              <m:r>
+                                <a:rPr lang="en-US" i="1">
+                                  <a:latin typeface="Cambria Math" panose="02040503050406030204" pitchFamily="18" charset="0"/>
+                                </a:rPr>
+                                <m:t>𝑧</m:t>
+                              </m:r>
+                              <m:r>
+                                <a:rPr lang="en-US" i="1">
+                                  <a:latin typeface="Cambria Math" panose="02040503050406030204" pitchFamily="18" charset="0"/>
+                                </a:rPr>
+                                <m:t>≥1</m:t>
+                              </m:r>
+                            </m:e>
+                          </m:eqArr>
+                        </m:e>
+                      </m:d>
+                    </m:oMath>
+                  </m:oMathPara>
+                </a14:m>
+                <a:endParaRPr lang="en-US" dirty="0"/>
+              </a:p>
+            </p:txBody>
+          </p:sp>
+        </mc:Choice>
+        <mc:Fallback xmlns="">
+          <p:sp>
+            <p:nvSpPr>
+              <p:cNvPr id="16" name="TextBox 15">
+                <a:extLst>
+                  <a:ext uri="{FF2B5EF4-FFF2-40B4-BE49-F238E27FC236}">
+                    <a16:creationId xmlns:a16="http://schemas.microsoft.com/office/drawing/2014/main" id="{A8A4678A-4193-5CC4-841E-9C4F011E62BC}"/>
+                  </a:ext>
+                </a:extLst>
+              </p:cNvPr>
+              <p:cNvSpPr txBox="1">
+                <a:spLocks noRot="1" noChangeAspect="1" noMove="1" noResize="1" noEditPoints="1" noAdjustHandles="1" noChangeArrowheads="1" noChangeShapeType="1" noTextEdit="1"/>
+              </p:cNvSpPr>
+              <p:nvPr/>
+            </p:nvSpPr>
+            <p:spPr>
+              <a:xfrm>
+                <a:off x="7144082" y="2969591"/>
+                <a:ext cx="2937407" cy="710194"/>
+              </a:xfrm>
+              <a:prstGeom prst="rect">
+                <a:avLst/>
+              </a:prstGeom>
+              <a:blipFill>
+                <a:blip r:embed="rId6"/>
+                <a:stretch>
+                  <a:fillRect l="-2586" t="-189474" b="-277193"/>
+                </a:stretch>
+              </a:blipFill>
+            </p:spPr>
+            <p:txBody>
+              <a:bodyPr/>
+              <a:lstStyle/>
+              <a:p>
+                <a:r>
+                  <a:rPr lang="en-US">
+                    <a:noFill/>
+                  </a:rPr>
+                  <a:t> </a:t>
+                </a:r>
+              </a:p>
+            </p:txBody>
+          </p:sp>
+        </mc:Fallback>
+      </mc:AlternateContent>
+      <mc:AlternateContent xmlns:mc="http://schemas.openxmlformats.org/markup-compatibility/2006" xmlns:a14="http://schemas.microsoft.com/office/drawing/2010/main">
+        <mc:Choice Requires="a14">
+          <p:sp>
+            <p:nvSpPr>
+              <p:cNvPr id="17" name="TextBox 16">
+                <a:extLst>
+                  <a:ext uri="{FF2B5EF4-FFF2-40B4-BE49-F238E27FC236}">
+                    <a16:creationId xmlns:a16="http://schemas.microsoft.com/office/drawing/2014/main" id="{83A33498-8D77-2820-CBB7-5A43303211F8}"/>
+                  </a:ext>
+                </a:extLst>
+              </p:cNvPr>
+              <p:cNvSpPr txBox="1"/>
+              <p:nvPr/>
+            </p:nvSpPr>
+            <p:spPr>
+              <a:xfrm>
+                <a:off x="1680131" y="2969591"/>
+                <a:ext cx="2222468" cy="710194"/>
+              </a:xfrm>
+              <a:prstGeom prst="rect">
+                <a:avLst/>
+              </a:prstGeom>
+              <a:noFill/>
+            </p:spPr>
+            <p:txBody>
+              <a:bodyPr wrap="none" rtlCol="0">
+                <a:spAutoFit/>
+              </a:bodyPr>
+              <a:lstStyle/>
+              <a:p>
+                <a:pPr/>
+                <a14:m>
+                  <m:oMathPara xmlns:m="http://schemas.openxmlformats.org/officeDocument/2006/math">
+                    <m:oMathParaPr>
+                      <m:jc m:val="centerGroup"/>
+                    </m:oMathParaPr>
+                    <m:oMath xmlns:m="http://schemas.openxmlformats.org/officeDocument/2006/math">
+                      <m:r>
+                        <m:rPr>
+                          <m:sty m:val="p"/>
+                        </m:rPr>
+                        <a:rPr lang="en-US" b="0" i="0" smtClean="0">
+                          <a:latin typeface="Cambria Math" panose="02040503050406030204" pitchFamily="18" charset="0"/>
+                        </a:rPr>
+                        <m:t>Λ</m:t>
+                      </m:r>
+                      <m:r>
+                        <a:rPr lang="en-US" b="0" i="1" smtClean="0">
+                          <a:latin typeface="Cambria Math" panose="02040503050406030204" pitchFamily="18" charset="0"/>
+                        </a:rPr>
+                        <m:t>(</m:t>
+                      </m:r>
+                      <m:r>
+                        <a:rPr lang="en-US" b="0" i="1" smtClean="0">
+                          <a:latin typeface="Cambria Math" panose="02040503050406030204" pitchFamily="18" charset="0"/>
+                        </a:rPr>
+                        <m:t>𝑡</m:t>
+                      </m:r>
+                      <m:r>
+                        <a:rPr lang="en-US" b="0" i="1" smtClean="0">
+                          <a:latin typeface="Cambria Math" panose="02040503050406030204" pitchFamily="18" charset="0"/>
+                        </a:rPr>
+                        <m:t>)=</m:t>
+                      </m:r>
+                      <m:d>
+                        <m:dPr>
+                          <m:begChr m:val="{"/>
+                          <m:endChr m:val=""/>
+                          <m:ctrlPr>
+                            <a:rPr lang="en-US" b="0" i="1" smtClean="0">
+                              <a:latin typeface="Cambria Math" panose="02040503050406030204" pitchFamily="18" charset="0"/>
+                            </a:rPr>
+                          </m:ctrlPr>
+                        </m:dPr>
+                        <m:e>
+                          <m:eqArr>
+                            <m:eqArrPr>
+                              <m:ctrlPr>
+                                <a:rPr lang="en-US" b="0" i="1" smtClean="0">
+                                  <a:latin typeface="Cambria Math" panose="02040503050406030204" pitchFamily="18" charset="0"/>
+                                </a:rPr>
+                              </m:ctrlPr>
+                            </m:eqArrPr>
+                            <m:e>
+                              <m:r>
+                                <a:rPr lang="en-US" i="1">
+                                  <a:latin typeface="Cambria Math" panose="02040503050406030204" pitchFamily="18" charset="0"/>
+                                </a:rPr>
+                                <m:t>&amp;</m:t>
+                              </m:r>
+                              <m:r>
+                                <a:rPr lang="en-US">
+                                  <a:latin typeface="Cambria Math" panose="02040503050406030204" pitchFamily="18" charset="0"/>
+                                </a:rPr>
+                                <m:t>0,</m:t>
+                              </m:r>
+                              <m:r>
+                                <a:rPr lang="en-US" i="1">
+                                  <a:latin typeface="Cambria Math" panose="02040503050406030204" pitchFamily="18" charset="0"/>
+                                </a:rPr>
+                                <m:t>  </m:t>
+                              </m:r>
+                              <m:r>
+                                <m:rPr>
+                                  <m:sty m:val="p"/>
+                                </m:rPr>
+                                <a:rPr lang="en-US">
+                                  <a:latin typeface="Cambria Math" panose="02040503050406030204" pitchFamily="18" charset="0"/>
+                                </a:rPr>
+                                <m:t>t</m:t>
+                              </m:r>
+                              <m:r>
+                                <a:rPr lang="en-US">
+                                  <a:latin typeface="Cambria Math" panose="02040503050406030204" pitchFamily="18" charset="0"/>
+                                </a:rPr>
+                                <m:t>&lt;1</m:t>
+                              </m:r>
+                            </m:e>
+                            <m:e>
+                              <m:r>
+                                <a:rPr lang="en-US" b="0" i="1" smtClean="0">
+                                  <a:latin typeface="Cambria Math" panose="02040503050406030204" pitchFamily="18" charset="0"/>
+                                </a:rPr>
+                                <m:t>𝑡</m:t>
+                              </m:r>
+                              <m:r>
+                                <a:rPr lang="en-US" i="1">
+                                  <a:latin typeface="Cambria Math" panose="02040503050406030204" pitchFamily="18" charset="0"/>
+                                </a:rPr>
+                                <m:t>−1,</m:t>
+                              </m:r>
+                              <m:r>
+                                <a:rPr lang="en-US" i="1">
+                                  <a:latin typeface="Cambria Math" panose="02040503050406030204" pitchFamily="18" charset="0"/>
+                                </a:rPr>
+                                <m:t>𝑡</m:t>
+                              </m:r>
+                              <m:r>
+                                <a:rPr lang="en-US" i="1">
+                                  <a:latin typeface="Cambria Math" panose="02040503050406030204" pitchFamily="18" charset="0"/>
+                                </a:rPr>
+                                <m:t>≥1</m:t>
+                              </m:r>
+                            </m:e>
+                          </m:eqArr>
+                        </m:e>
+                      </m:d>
+                    </m:oMath>
+                  </m:oMathPara>
+                </a14:m>
+                <a:endParaRPr lang="en-US" dirty="0"/>
+              </a:p>
+            </p:txBody>
+          </p:sp>
+        </mc:Choice>
+        <mc:Fallback xmlns="">
+          <p:sp>
+            <p:nvSpPr>
+              <p:cNvPr id="17" name="TextBox 16">
+                <a:extLst>
+                  <a:ext uri="{FF2B5EF4-FFF2-40B4-BE49-F238E27FC236}">
+                    <a16:creationId xmlns:a16="http://schemas.microsoft.com/office/drawing/2014/main" id="{83A33498-8D77-2820-CBB7-5A43303211F8}"/>
+                  </a:ext>
+                </a:extLst>
+              </p:cNvPr>
+              <p:cNvSpPr txBox="1">
+                <a:spLocks noRot="1" noChangeAspect="1" noMove="1" noResize="1" noEditPoints="1" noAdjustHandles="1" noChangeArrowheads="1" noChangeShapeType="1" noTextEdit="1"/>
+              </p:cNvSpPr>
+              <p:nvPr/>
+            </p:nvSpPr>
+            <p:spPr>
+              <a:xfrm>
+                <a:off x="1680131" y="2969591"/>
+                <a:ext cx="2222468" cy="710194"/>
+              </a:xfrm>
+              <a:prstGeom prst="rect">
+                <a:avLst/>
+              </a:prstGeom>
+              <a:blipFill>
+                <a:blip r:embed="rId7"/>
+                <a:stretch>
+                  <a:fillRect l="-14205" t="-189474" b="-277193"/>
+                </a:stretch>
+              </a:blipFill>
+            </p:spPr>
+            <p:txBody>
+              <a:bodyPr/>
+              <a:lstStyle/>
+              <a:p>
+                <a:r>
+                  <a:rPr lang="en-US">
+                    <a:noFill/>
+                  </a:rPr>
+                  <a:t> </a:t>
+                </a:r>
+              </a:p>
+            </p:txBody>
+          </p:sp>
+        </mc:Fallback>
+      </mc:AlternateContent>
+    </p:spTree>
+    <p:extLst>
+      <p:ext uri="{BB962C8B-B14F-4D97-AF65-F5344CB8AC3E}">
+        <p14:creationId xmlns:p14="http://schemas.microsoft.com/office/powerpoint/2010/main" val="3605029424"/>
+      </p:ext>
+    </p:extLst>
+  </p:cSld>
+  <p:clrMapOvr>
+    <a:masterClrMapping/>
+  </p:clrMapOvr>
+</p:sld>
+</file>
+
+<file path=ppt/slides/slide33.xml><?xml version="1.0" encoding="utf-8"?>
+<p:sld xmlns:a="http://schemas.openxmlformats.org/drawingml/2006/main" xmlns:r="http://schemas.openxmlformats.org/officeDocument/2006/relationships" xmlns:p="http://schemas.openxmlformats.org/presentationml/2006/main">
+  <p:cSld>
+    <p:spTree>
+      <p:nvGrpSpPr>
+        <p:cNvPr id="1" name="Shape 393"/>
+        <p:cNvGrpSpPr/>
+        <p:nvPr/>
+      </p:nvGrpSpPr>
+      <p:grpSpPr>
+        <a:xfrm>
+          <a:off x="0" y="0"/>
+          <a:ext cx="0" cy="0"/>
+          <a:chOff x="0" y="0"/>
+          <a:chExt cx="0" cy="0"/>
+        </a:xfrm>
+      </p:grpSpPr>
+      <p:pic>
+        <p:nvPicPr>
+          <p:cNvPr id="4" name="Picture 3">
+            <a:extLst>
+              <a:ext uri="{FF2B5EF4-FFF2-40B4-BE49-F238E27FC236}">
+                <a16:creationId xmlns:a16="http://schemas.microsoft.com/office/drawing/2014/main" id="{3C09EC9A-6208-675A-C86F-822F79487673}"/>
+              </a:ext>
+            </a:extLst>
+          </p:cNvPr>
+          <p:cNvPicPr>
+            <a:picLocks noChangeAspect="1"/>
+          </p:cNvPicPr>
+          <p:nvPr/>
+        </p:nvPicPr>
+        <p:blipFill>
+          <a:blip r:embed="rId3"/>
+          <a:stretch>
+            <a:fillRect/>
+          </a:stretch>
+        </p:blipFill>
+        <p:spPr>
+          <a:xfrm>
+            <a:off x="5546984" y="1748075"/>
+            <a:ext cx="4858799" cy="3685276"/>
+          </a:xfrm>
+          <a:prstGeom prst="rect">
+            <a:avLst/>
+          </a:prstGeom>
+        </p:spPr>
+      </p:pic>
+      <p:sp>
+        <p:nvSpPr>
+          <p:cNvPr id="394" name="Google Shape;394;p33"/>
+          <p:cNvSpPr txBox="1">
+            <a:spLocks noGrp="1"/>
+          </p:cNvSpPr>
+          <p:nvPr>
+            <p:ph type="title"/>
+          </p:nvPr>
+        </p:nvSpPr>
+        <p:spPr>
+          <a:prstGeom prst="rect">
+            <a:avLst/>
+          </a:prstGeom>
+          <a:noFill/>
+          <a:ln>
+            <a:noFill/>
+          </a:ln>
+        </p:spPr>
+        <p:txBody>
+          <a:bodyPr spcFirstLastPara="1" wrap="square" lIns="0" tIns="0" rIns="0" bIns="0" anchor="ctr" anchorCtr="0">
+            <a:normAutofit/>
+          </a:bodyPr>
+          <a:lstStyle/>
+          <a:p>
+            <a:pPr marL="0" lvl="0" indent="0" algn="l" rtl="0">
+              <a:lnSpc>
+                <a:spcPct val="90000"/>
+              </a:lnSpc>
+              <a:spcBef>
+                <a:spcPts val="0"/>
+              </a:spcBef>
+              <a:spcAft>
+                <a:spcPts val="0"/>
+              </a:spcAft>
+              <a:buClr>
+                <a:srgbClr val="4E3629"/>
+              </a:buClr>
+              <a:buSzPts val="2800"/>
+              <a:buFont typeface="Georgia"/>
+              <a:buNone/>
+            </a:pPr>
+            <a:r>
+              <a:rPr lang="en-US" dirty="0"/>
+              <a:t>Duality with the Poisson counting process </a:t>
+            </a:r>
+            <a:endParaRPr dirty="0"/>
+          </a:p>
+        </p:txBody>
+      </p:sp>
+      <p:sp>
+        <p:nvSpPr>
+          <p:cNvPr id="3" name="TextBox 2">
+            <a:extLst>
+              <a:ext uri="{FF2B5EF4-FFF2-40B4-BE49-F238E27FC236}">
+                <a16:creationId xmlns:a16="http://schemas.microsoft.com/office/drawing/2014/main" id="{E7553169-3AD7-6C46-913F-65D5F3FD4DDE}"/>
+              </a:ext>
+            </a:extLst>
+          </p:cNvPr>
+          <p:cNvSpPr txBox="1"/>
+          <p:nvPr/>
+        </p:nvSpPr>
+        <p:spPr>
+          <a:xfrm>
+            <a:off x="1375718" y="2056972"/>
+            <a:ext cx="3368841" cy="1077218"/>
+          </a:xfrm>
+          <a:prstGeom prst="rect">
+            <a:avLst/>
+          </a:prstGeom>
+          <a:noFill/>
+        </p:spPr>
+        <p:txBody>
+          <a:bodyPr wrap="square" rtlCol="0">
+            <a:spAutoFit/>
+          </a:bodyPr>
+          <a:lstStyle/>
+          <a:p>
+            <a:r>
+              <a:rPr lang="en-US" sz="3200" dirty="0"/>
+              <a:t>Poisson </a:t>
+            </a:r>
+            <a:r>
+              <a:rPr lang="en-US" sz="3200" i="1" dirty="0">
+                <a:solidFill>
+                  <a:srgbClr val="FF0000"/>
+                </a:solidFill>
+              </a:rPr>
+              <a:t>counting process</a:t>
+            </a:r>
+          </a:p>
+        </p:txBody>
+      </p:sp>
+      <p:sp>
+        <p:nvSpPr>
+          <p:cNvPr id="13" name="TextBox 12">
+            <a:extLst>
+              <a:ext uri="{FF2B5EF4-FFF2-40B4-BE49-F238E27FC236}">
+                <a16:creationId xmlns:a16="http://schemas.microsoft.com/office/drawing/2014/main" id="{F220BB39-E3DC-424F-BA93-D910107A369A}"/>
+              </a:ext>
+            </a:extLst>
+          </p:cNvPr>
+          <p:cNvSpPr txBox="1"/>
+          <p:nvPr/>
+        </p:nvSpPr>
+        <p:spPr>
+          <a:xfrm>
+            <a:off x="5546984" y="5636387"/>
+            <a:ext cx="5018042" cy="584775"/>
+          </a:xfrm>
+          <a:prstGeom prst="rect">
+            <a:avLst/>
+          </a:prstGeom>
+          <a:noFill/>
+        </p:spPr>
+        <p:txBody>
+          <a:bodyPr wrap="square" rtlCol="0">
+            <a:spAutoFit/>
+          </a:bodyPr>
+          <a:lstStyle/>
+          <a:p>
+            <a:pPr algn="ctr"/>
+            <a:r>
+              <a:rPr lang="en-US" sz="3200" dirty="0"/>
+              <a:t>Poisson </a:t>
+            </a:r>
+            <a:r>
+              <a:rPr lang="en-US" sz="3200" i="1" dirty="0">
+                <a:solidFill>
+                  <a:srgbClr val="FF0000"/>
+                </a:solidFill>
+              </a:rPr>
+              <a:t>point process</a:t>
+            </a:r>
+          </a:p>
+        </p:txBody>
+      </p:sp>
+      <mc:AlternateContent xmlns:mc="http://schemas.openxmlformats.org/markup-compatibility/2006" xmlns:a14="http://schemas.microsoft.com/office/drawing/2010/main">
+        <mc:Choice Requires="a14">
+          <p:sp>
+            <p:nvSpPr>
+              <p:cNvPr id="8" name="TextBox 7">
+                <a:extLst>
+                  <a:ext uri="{FF2B5EF4-FFF2-40B4-BE49-F238E27FC236}">
+                    <a16:creationId xmlns:a16="http://schemas.microsoft.com/office/drawing/2014/main" id="{1DE63BFB-87E9-7236-C2E8-A854BC528EF0}"/>
+                  </a:ext>
+                </a:extLst>
+              </p:cNvPr>
+              <p:cNvSpPr txBox="1"/>
+              <p:nvPr/>
+            </p:nvSpPr>
+            <p:spPr>
+              <a:xfrm>
+                <a:off x="1375718" y="3212761"/>
+                <a:ext cx="2920406" cy="1015663"/>
+              </a:xfrm>
+              <a:prstGeom prst="rect">
+                <a:avLst/>
+              </a:prstGeom>
+              <a:noFill/>
+            </p:spPr>
+            <p:txBody>
+              <a:bodyPr wrap="square">
+                <a:spAutoFit/>
+              </a:bodyPr>
+              <a:lstStyle/>
+              <a:p>
+                <a:pPr/>
+                <a14:m>
+                  <m:oMathPara xmlns:m="http://schemas.openxmlformats.org/officeDocument/2006/math">
+                    <m:oMathParaPr>
+                      <m:jc m:val="left"/>
+                    </m:oMathParaPr>
+                    <m:oMath xmlns:m="http://schemas.openxmlformats.org/officeDocument/2006/math">
+                      <m:sSub>
+                        <m:sSubPr>
+                          <m:ctrlPr>
+                            <a:rPr lang="en-US" sz="2000" i="1" dirty="0" smtClean="0">
+                              <a:latin typeface="Cambria Math" panose="02040503050406030204" pitchFamily="18" charset="0"/>
+                            </a:rPr>
+                          </m:ctrlPr>
+                        </m:sSubPr>
+                        <m:e>
+                          <m:r>
+                            <a:rPr lang="en-US" sz="2000" i="1" dirty="0" smtClean="0">
+                              <a:latin typeface="Cambria Math" panose="02040503050406030204" pitchFamily="18" charset="0"/>
+                            </a:rPr>
+                            <m:t>𝑁</m:t>
+                          </m:r>
+                        </m:e>
+                        <m:sub>
+                          <m:r>
+                            <a:rPr lang="en-US" sz="2000" b="0" i="1" dirty="0" smtClean="0">
+                              <a:latin typeface="Cambria Math" panose="02040503050406030204" pitchFamily="18" charset="0"/>
+                            </a:rPr>
+                            <m:t>0</m:t>
+                          </m:r>
+                        </m:sub>
+                      </m:sSub>
+                      <m:r>
+                        <a:rPr lang="en-US" sz="2000" i="1" dirty="0" smtClean="0">
+                          <a:latin typeface="Cambria Math" panose="02040503050406030204" pitchFamily="18" charset="0"/>
+                        </a:rPr>
+                        <m:t>, </m:t>
+                      </m:r>
+                      <m:sSub>
+                        <m:sSubPr>
+                          <m:ctrlPr>
+                            <a:rPr lang="en-US" sz="2000" i="1" dirty="0" smtClean="0">
+                              <a:latin typeface="Cambria Math" panose="02040503050406030204" pitchFamily="18" charset="0"/>
+                            </a:rPr>
+                          </m:ctrlPr>
+                        </m:sSubPr>
+                        <m:e>
+                          <m:r>
+                            <a:rPr lang="en-US" sz="2000" i="1" dirty="0" smtClean="0">
+                              <a:latin typeface="Cambria Math" panose="02040503050406030204" pitchFamily="18" charset="0"/>
+                            </a:rPr>
+                            <m:t>𝑁</m:t>
+                          </m:r>
+                        </m:e>
+                        <m:sub>
+                          <m:r>
+                            <a:rPr lang="en-US" sz="2000" i="1" dirty="0" smtClean="0">
+                              <a:latin typeface="Cambria Math" panose="02040503050406030204" pitchFamily="18" charset="0"/>
+                            </a:rPr>
+                            <m:t>1</m:t>
+                          </m:r>
+                        </m:sub>
+                      </m:sSub>
+                      <m:r>
+                        <a:rPr lang="en-US" sz="2000" i="1" dirty="0" smtClean="0">
+                          <a:latin typeface="Cambria Math" panose="02040503050406030204" pitchFamily="18" charset="0"/>
+                        </a:rPr>
+                        <m:t>, </m:t>
+                      </m:r>
+                      <m:r>
+                        <a:rPr lang="en-US" sz="2000" b="0" i="1" dirty="0" smtClean="0">
+                          <a:latin typeface="Cambria Math" panose="02040503050406030204" pitchFamily="18" charset="0"/>
+                        </a:rPr>
+                        <m:t>…</m:t>
+                      </m:r>
+                    </m:oMath>
+                  </m:oMathPara>
+                </a14:m>
+                <a:endParaRPr lang="en-US" sz="2000" dirty="0"/>
+              </a:p>
+              <a:p>
+                <a:r>
+                  <a:rPr lang="en-US" sz="2000" dirty="0"/>
+                  <a:t>Cumulative number events over time </a:t>
+                </a:r>
+              </a:p>
+            </p:txBody>
+          </p:sp>
+        </mc:Choice>
+        <mc:Fallback xmlns="">
+          <p:sp>
+            <p:nvSpPr>
+              <p:cNvPr id="8" name="TextBox 7">
+                <a:extLst>
+                  <a:ext uri="{FF2B5EF4-FFF2-40B4-BE49-F238E27FC236}">
+                    <a16:creationId xmlns:a16="http://schemas.microsoft.com/office/drawing/2014/main" id="{1DE63BFB-87E9-7236-C2E8-A854BC528EF0}"/>
+                  </a:ext>
+                </a:extLst>
+              </p:cNvPr>
+              <p:cNvSpPr txBox="1">
+                <a:spLocks noRot="1" noChangeAspect="1" noMove="1" noResize="1" noEditPoints="1" noAdjustHandles="1" noChangeArrowheads="1" noChangeShapeType="1" noTextEdit="1"/>
+              </p:cNvSpPr>
+              <p:nvPr/>
+            </p:nvSpPr>
+            <p:spPr>
+              <a:xfrm>
+                <a:off x="1375718" y="3212761"/>
+                <a:ext cx="2920406" cy="1015663"/>
+              </a:xfrm>
+              <a:prstGeom prst="rect">
+                <a:avLst/>
+              </a:prstGeom>
+              <a:blipFill>
+                <a:blip r:embed="rId4"/>
+                <a:stretch>
+                  <a:fillRect l="-2165" b="-8537"/>
+                </a:stretch>
+              </a:blipFill>
+            </p:spPr>
+            <p:txBody>
+              <a:bodyPr/>
+              <a:lstStyle/>
+              <a:p>
+                <a:r>
+                  <a:rPr lang="en-US">
+                    <a:noFill/>
+                  </a:rPr>
+                  <a:t> </a:t>
+                </a:r>
+              </a:p>
+            </p:txBody>
+          </p:sp>
+        </mc:Fallback>
+      </mc:AlternateContent>
+      <p:sp>
+        <p:nvSpPr>
+          <p:cNvPr id="11" name="Left Brace 10">
+            <a:extLst>
+              <a:ext uri="{FF2B5EF4-FFF2-40B4-BE49-F238E27FC236}">
+                <a16:creationId xmlns:a16="http://schemas.microsoft.com/office/drawing/2014/main" id="{0D8C510A-3DB3-8A73-1EBE-5849B34AAB6F}"/>
+              </a:ext>
+            </a:extLst>
+          </p:cNvPr>
+          <p:cNvSpPr/>
+          <p:nvPr/>
+        </p:nvSpPr>
+        <p:spPr>
+          <a:xfrm>
+            <a:off x="5056992" y="1797739"/>
+            <a:ext cx="382795" cy="2945088"/>
+          </a:xfrm>
+          <a:prstGeom prst="leftBrace">
+            <a:avLst/>
+          </a:prstGeom>
+          <a:ln w="19050">
+            <a:solidFill>
+              <a:schemeClr val="tx2"/>
+            </a:solidFill>
+          </a:ln>
+        </p:spPr>
+        <p:style>
+          <a:lnRef idx="1">
+            <a:schemeClr val="accent1"/>
+          </a:lnRef>
+          <a:fillRef idx="0">
+            <a:schemeClr val="accent1"/>
+          </a:fillRef>
+          <a:effectRef idx="0">
+            <a:schemeClr val="accent1"/>
+          </a:effectRef>
+          <a:fontRef idx="minor">
+            <a:schemeClr val="tx1"/>
+          </a:fontRef>
+        </p:style>
+        <p:txBody>
+          <a:bodyPr rtlCol="0" anchor="ctr"/>
+          <a:lstStyle/>
+          <a:p>
+            <a:pPr algn="ctr"/>
+            <a:endParaRPr lang="en-US"/>
+          </a:p>
+        </p:txBody>
+      </p:sp>
+      <mc:AlternateContent xmlns:mc="http://schemas.openxmlformats.org/markup-compatibility/2006" xmlns:a14="http://schemas.microsoft.com/office/drawing/2010/main">
+        <mc:Choice Requires="a14">
+          <p:sp>
+            <p:nvSpPr>
+              <p:cNvPr id="15" name="TextBox 14">
+                <a:extLst>
+                  <a:ext uri="{FF2B5EF4-FFF2-40B4-BE49-F238E27FC236}">
+                    <a16:creationId xmlns:a16="http://schemas.microsoft.com/office/drawing/2014/main" id="{BAB3A784-A9CA-AC4F-834C-294AE0D6652C}"/>
+                  </a:ext>
+                </a:extLst>
+              </p:cNvPr>
+              <p:cNvSpPr txBox="1"/>
+              <p:nvPr/>
+            </p:nvSpPr>
+            <p:spPr>
+              <a:xfrm>
+                <a:off x="6340453" y="6226865"/>
+                <a:ext cx="3638339" cy="400110"/>
+              </a:xfrm>
+              <a:prstGeom prst="rect">
+                <a:avLst/>
+              </a:prstGeom>
+              <a:noFill/>
+            </p:spPr>
+            <p:txBody>
+              <a:bodyPr wrap="square">
+                <a:spAutoFit/>
+              </a:bodyPr>
+              <a:lstStyle/>
+              <a:p>
+                <a:pPr/>
+                <a14:m>
+                  <m:oMathPara xmlns:m="http://schemas.openxmlformats.org/officeDocument/2006/math">
+                    <m:oMathParaPr>
+                      <m:jc m:val="centerGroup"/>
+                    </m:oMathParaPr>
+                    <m:oMath xmlns:m="http://schemas.openxmlformats.org/officeDocument/2006/math">
+                      <m:sSub>
+                        <m:sSubPr>
+                          <m:ctrlPr>
+                            <a:rPr lang="en-US" sz="2000" b="0" i="1" dirty="0" smtClean="0">
+                              <a:latin typeface="Cambria Math" panose="02040503050406030204" pitchFamily="18" charset="0"/>
+                            </a:rPr>
+                          </m:ctrlPr>
+                        </m:sSubPr>
+                        <m:e>
+                          <m:r>
+                            <a:rPr lang="en-US" sz="2000" b="0" i="1" dirty="0" smtClean="0">
+                              <a:latin typeface="Cambria Math" panose="02040503050406030204" pitchFamily="18" charset="0"/>
+                            </a:rPr>
+                            <m:t>𝑡</m:t>
+                          </m:r>
+                        </m:e>
+                        <m:sub>
+                          <m:r>
+                            <a:rPr lang="en-US" sz="2000" b="0" i="1" dirty="0" smtClean="0">
+                              <a:latin typeface="Cambria Math" panose="02040503050406030204" pitchFamily="18" charset="0"/>
+                            </a:rPr>
+                            <m:t>0</m:t>
+                          </m:r>
+                        </m:sub>
+                      </m:sSub>
+                      <m:r>
+                        <a:rPr lang="en-US" sz="2000" i="1" dirty="0" smtClean="0">
+                          <a:latin typeface="Cambria Math" panose="02040503050406030204" pitchFamily="18" charset="0"/>
+                        </a:rPr>
+                        <m:t>, </m:t>
+                      </m:r>
+                      <m:sSub>
+                        <m:sSubPr>
+                          <m:ctrlPr>
+                            <a:rPr lang="en-US" sz="2000" b="0" i="1" dirty="0" smtClean="0">
+                              <a:latin typeface="Cambria Math" panose="02040503050406030204" pitchFamily="18" charset="0"/>
+                            </a:rPr>
+                          </m:ctrlPr>
+                        </m:sSubPr>
+                        <m:e>
+                          <m:r>
+                            <a:rPr lang="en-US" sz="2000" b="0" i="1" dirty="0" smtClean="0">
+                              <a:latin typeface="Cambria Math" panose="02040503050406030204" pitchFamily="18" charset="0"/>
+                            </a:rPr>
+                            <m:t>𝑡</m:t>
+                          </m:r>
+                        </m:e>
+                        <m:sub>
+                          <m:r>
+                            <a:rPr lang="en-US" sz="2000" b="0" i="1" dirty="0" smtClean="0">
+                              <a:latin typeface="Cambria Math" panose="02040503050406030204" pitchFamily="18" charset="0"/>
+                            </a:rPr>
+                            <m:t>1</m:t>
+                          </m:r>
+                        </m:sub>
+                      </m:sSub>
+                      <m:r>
+                        <a:rPr lang="en-US" sz="2000" b="0" i="1" dirty="0" smtClean="0">
+                          <a:latin typeface="Cambria Math" panose="02040503050406030204" pitchFamily="18" charset="0"/>
+                        </a:rPr>
+                        <m:t>,</m:t>
+                      </m:r>
+                      <m:r>
+                        <a:rPr lang="en-US" sz="2000" i="1" dirty="0" smtClean="0">
+                          <a:latin typeface="Cambria Math" panose="02040503050406030204" pitchFamily="18" charset="0"/>
+                        </a:rPr>
+                        <m:t>…</m:t>
+                      </m:r>
+                    </m:oMath>
+                  </m:oMathPara>
+                </a14:m>
+                <a:endParaRPr lang="en-US" sz="2000" dirty="0"/>
+              </a:p>
+            </p:txBody>
+          </p:sp>
+        </mc:Choice>
+        <mc:Fallback xmlns="">
+          <p:sp>
+            <p:nvSpPr>
+              <p:cNvPr id="15" name="TextBox 14">
+                <a:extLst>
+                  <a:ext uri="{FF2B5EF4-FFF2-40B4-BE49-F238E27FC236}">
+                    <a16:creationId xmlns:a16="http://schemas.microsoft.com/office/drawing/2014/main" id="{BAB3A784-A9CA-AC4F-834C-294AE0D6652C}"/>
+                  </a:ext>
+                </a:extLst>
+              </p:cNvPr>
+              <p:cNvSpPr txBox="1">
+                <a:spLocks noRot="1" noChangeAspect="1" noMove="1" noResize="1" noEditPoints="1" noAdjustHandles="1" noChangeArrowheads="1" noChangeShapeType="1" noTextEdit="1"/>
+              </p:cNvSpPr>
+              <p:nvPr/>
+            </p:nvSpPr>
+            <p:spPr>
+              <a:xfrm>
+                <a:off x="6340453" y="6226865"/>
+                <a:ext cx="3638339" cy="400110"/>
+              </a:xfrm>
+              <a:prstGeom prst="rect">
+                <a:avLst/>
+              </a:prstGeom>
+              <a:blipFill>
+                <a:blip r:embed="rId5"/>
+                <a:stretch>
+                  <a:fillRect/>
+                </a:stretch>
+              </a:blipFill>
+            </p:spPr>
+            <p:txBody>
+              <a:bodyPr/>
+              <a:lstStyle/>
+              <a:p>
+                <a:r>
+                  <a:rPr lang="en-US">
+                    <a:noFill/>
+                  </a:rPr>
+                  <a:t> </a:t>
+                </a:r>
+              </a:p>
+            </p:txBody>
+          </p:sp>
+        </mc:Fallback>
+      </mc:AlternateContent>
+      <p:sp>
+        <p:nvSpPr>
+          <p:cNvPr id="16" name="Left Brace 15">
+            <a:extLst>
+              <a:ext uri="{FF2B5EF4-FFF2-40B4-BE49-F238E27FC236}">
+                <a16:creationId xmlns:a16="http://schemas.microsoft.com/office/drawing/2014/main" id="{E3763040-C14E-1FAB-F1A3-55F8E0AFFA67}"/>
+              </a:ext>
+            </a:extLst>
+          </p:cNvPr>
+          <p:cNvSpPr/>
+          <p:nvPr/>
+        </p:nvSpPr>
+        <p:spPr>
+          <a:xfrm rot="16200000">
+            <a:off x="8117829" y="3494772"/>
+            <a:ext cx="264540" cy="4141696"/>
+          </a:xfrm>
+          <a:prstGeom prst="leftBrace">
+            <a:avLst/>
+          </a:prstGeom>
+          <a:ln w="19050">
+            <a:solidFill>
+              <a:schemeClr val="tx2"/>
+            </a:solidFill>
+          </a:ln>
+        </p:spPr>
+        <p:style>
+          <a:lnRef idx="1">
+            <a:schemeClr val="accent1"/>
+          </a:lnRef>
+          <a:fillRef idx="0">
+            <a:schemeClr val="accent1"/>
+          </a:fillRef>
+          <a:effectRef idx="0">
+            <a:schemeClr val="accent1"/>
+          </a:effectRef>
+          <a:fontRef idx="minor">
+            <a:schemeClr val="tx1"/>
+          </a:fontRef>
+        </p:style>
+        <p:txBody>
+          <a:bodyPr rtlCol="0" anchor="ctr"/>
+          <a:lstStyle/>
+          <a:p>
+            <a:pPr algn="ctr"/>
+            <a:endParaRPr lang="en-US"/>
+          </a:p>
+        </p:txBody>
+      </p:sp>
+    </p:spTree>
+    <p:extLst>
+      <p:ext uri="{BB962C8B-B14F-4D97-AF65-F5344CB8AC3E}">
+        <p14:creationId xmlns:p14="http://schemas.microsoft.com/office/powerpoint/2010/main" val="1598476364"/>
+      </p:ext>
+    </p:extLst>
+  </p:cSld>
+  <p:clrMapOvr>
+    <a:masterClrMapping/>
+  </p:clrMapOvr>
+</p:sld>
+</file>
+
+<file path=ppt/slides/slide34.xml><?xml version="1.0" encoding="utf-8"?>
+<p:sld xmlns:a="http://schemas.openxmlformats.org/drawingml/2006/main" xmlns:r="http://schemas.openxmlformats.org/officeDocument/2006/relationships" xmlns:p="http://schemas.openxmlformats.org/presentationml/2006/main">
+  <p:cSld>
+    <p:spTree>
+      <p:nvGrpSpPr>
+        <p:cNvPr id="1" name=""/>
+        <p:cNvGrpSpPr/>
+        <p:nvPr/>
+      </p:nvGrpSpPr>
+      <p:grpSpPr>
+        <a:xfrm>
+          <a:off x="0" y="0"/>
+          <a:ext cx="0" cy="0"/>
+          <a:chOff x="0" y="0"/>
+          <a:chExt cx="0" cy="0"/>
+        </a:xfrm>
+      </p:grpSpPr>
+      <p:sp>
+        <p:nvSpPr>
+          <p:cNvPr id="2" name="Title 1">
+            <a:extLst>
+              <a:ext uri="{FF2B5EF4-FFF2-40B4-BE49-F238E27FC236}">
+                <a16:creationId xmlns:a16="http://schemas.microsoft.com/office/drawing/2014/main" id="{E5BE855F-A983-6382-051A-8404D58C783E}"/>
+              </a:ext>
+            </a:extLst>
+          </p:cNvPr>
+          <p:cNvSpPr>
+            <a:spLocks noGrp="1"/>
+          </p:cNvSpPr>
+          <p:nvPr>
+            <p:ph type="title"/>
+          </p:nvPr>
+        </p:nvSpPr>
+        <p:spPr/>
+        <p:txBody>
+          <a:bodyPr/>
+          <a:lstStyle/>
+          <a:p>
+            <a:r>
+              <a:rPr lang="en-US" dirty="0"/>
+              <a:t>How does this connect to survival analysis? </a:t>
+            </a:r>
+          </a:p>
+        </p:txBody>
+      </p:sp>
+      <p:sp>
+        <p:nvSpPr>
+          <p:cNvPr id="3" name="Content Placeholder 2">
+            <a:extLst>
+              <a:ext uri="{FF2B5EF4-FFF2-40B4-BE49-F238E27FC236}">
+                <a16:creationId xmlns:a16="http://schemas.microsoft.com/office/drawing/2014/main" id="{89BF8FD8-DA58-8D33-B7B0-F5B58E8A0015}"/>
+              </a:ext>
+            </a:extLst>
+          </p:cNvPr>
+          <p:cNvSpPr>
+            <a:spLocks noGrp="1"/>
+          </p:cNvSpPr>
+          <p:nvPr>
+            <p:ph idx="1"/>
+          </p:nvPr>
+        </p:nvSpPr>
+        <p:spPr/>
+        <p:txBody>
+          <a:bodyPr/>
+          <a:lstStyle/>
+          <a:p>
+            <a:r>
+              <a:rPr lang="en-US" dirty="0"/>
+              <a:t>The theory of point processes is the foundation of survival analyses</a:t>
+            </a:r>
+          </a:p>
+          <a:p>
+            <a:r>
+              <a:rPr lang="en-US" dirty="0"/>
+              <a:t>Often survival analysis is about the time to the earliest event</a:t>
+            </a:r>
+          </a:p>
+          <a:p>
+            <a:r>
+              <a:rPr lang="en-US" dirty="0"/>
+              <a:t>The intensity function is the same hazard function </a:t>
+            </a:r>
+          </a:p>
+          <a:p>
+            <a:r>
+              <a:rPr lang="en-US" dirty="0"/>
+              <a:t>The cumulative intensity function is the same as the integrated or cumulative hazard function</a:t>
+            </a:r>
+          </a:p>
+          <a:p>
+            <a:r>
+              <a:rPr lang="en-US" dirty="0"/>
+              <a:t>All the tools that we describe here can be used for statistical </a:t>
+            </a:r>
+            <a:r>
+              <a:rPr lang="en-US"/>
+              <a:t>simulations for survival analysis</a:t>
+            </a:r>
+            <a:endParaRPr lang="en-US" dirty="0"/>
+          </a:p>
+        </p:txBody>
+      </p:sp>
+    </p:spTree>
+    <p:extLst>
+      <p:ext uri="{BB962C8B-B14F-4D97-AF65-F5344CB8AC3E}">
+        <p14:creationId xmlns:p14="http://schemas.microsoft.com/office/powerpoint/2010/main" val="347463125"/>
+      </p:ext>
+    </p:extLst>
+  </p:cSld>
+  <p:clrMapOvr>
+    <a:masterClrMapping/>
+  </p:clrMapOvr>
+</p:sld>
+</file>
+
+<file path=ppt/slides/slide35.xml><?xml version="1.0" encoding="utf-8"?>
+<p:sld xmlns:a="http://schemas.openxmlformats.org/drawingml/2006/main" xmlns:r="http://schemas.openxmlformats.org/officeDocument/2006/relationships" xmlns:p="http://schemas.openxmlformats.org/presentationml/2006/main">
+  <p:cSld>
+    <p:spTree>
+      <p:nvGrpSpPr>
+        <p:cNvPr id="1" name=""/>
+        <p:cNvGrpSpPr/>
+        <p:nvPr/>
+      </p:nvGrpSpPr>
+      <p:grpSpPr>
+        <a:xfrm>
+          <a:off x="0" y="0"/>
+          <a:ext cx="0" cy="0"/>
+          <a:chOff x="0" y="0"/>
+          <a:chExt cx="0" cy="0"/>
+        </a:xfrm>
+      </p:grpSpPr>
+      <p:sp>
+        <p:nvSpPr>
+          <p:cNvPr id="2" name="Title 1">
+            <a:extLst>
+              <a:ext uri="{FF2B5EF4-FFF2-40B4-BE49-F238E27FC236}">
+                <a16:creationId xmlns:a16="http://schemas.microsoft.com/office/drawing/2014/main" id="{720F7917-8F2C-08B2-E632-A5C9FE70C0FE}"/>
+              </a:ext>
+            </a:extLst>
+          </p:cNvPr>
+          <p:cNvSpPr>
+            <a:spLocks noGrp="1"/>
+          </p:cNvSpPr>
+          <p:nvPr>
+            <p:ph type="ctrTitle"/>
+          </p:nvPr>
+        </p:nvSpPr>
+        <p:spPr/>
+        <p:txBody>
+          <a:bodyPr/>
+          <a:lstStyle/>
+          <a:p>
+            <a:r>
+              <a:rPr lang="en-US" dirty="0"/>
+              <a:t>Next … Section 3: Sampling</a:t>
+            </a:r>
+          </a:p>
+        </p:txBody>
+      </p:sp>
+    </p:spTree>
+    <p:extLst>
+      <p:ext uri="{BB962C8B-B14F-4D97-AF65-F5344CB8AC3E}">
+        <p14:creationId xmlns:p14="http://schemas.microsoft.com/office/powerpoint/2010/main" val="2959818871"/>
+      </p:ext>
+    </p:extLst>
+  </p:cSld>
+  <p:clrMapOvr>
+    <a:masterClrMapping/>
+  </p:clrMapOvr>
+</p:sld>
+</file>
+
+<file path=ppt/slides/slide36.xml><?xml version="1.0" encoding="utf-8"?>
+<p:sld xmlns:a="http://schemas.openxmlformats.org/drawingml/2006/main" xmlns:r="http://schemas.openxmlformats.org/officeDocument/2006/relationships" xmlns:p="http://schemas.openxmlformats.org/presentationml/2006/main">
+  <p:cSld>
+    <p:spTree>
+      <p:nvGrpSpPr>
+        <p:cNvPr id="1" name="">
+          <a:extLst>
+            <a:ext uri="{FF2B5EF4-FFF2-40B4-BE49-F238E27FC236}">
+              <a16:creationId xmlns:a16="http://schemas.microsoft.com/office/drawing/2014/main" id="{139B618F-9797-DCEC-8B3B-013507BAC13A}"/>
+            </a:ext>
+          </a:extLst>
+        </p:cNvPr>
+        <p:cNvGrpSpPr/>
+        <p:nvPr/>
+      </p:nvGrpSpPr>
+      <p:grpSpPr>
+        <a:xfrm>
+          <a:off x="0" y="0"/>
+          <a:ext cx="0" cy="0"/>
+          <a:chOff x="0" y="0"/>
+          <a:chExt cx="0" cy="0"/>
+        </a:xfrm>
+      </p:grpSpPr>
+      <p:graphicFrame>
+        <p:nvGraphicFramePr>
+          <p:cNvPr id="4" name="Content Placeholder 3">
+            <a:extLst>
+              <a:ext uri="{FF2B5EF4-FFF2-40B4-BE49-F238E27FC236}">
+                <a16:creationId xmlns:a16="http://schemas.microsoft.com/office/drawing/2014/main" id="{BCC79F37-3545-E189-62FF-0C6E97B97B15}"/>
+              </a:ext>
+            </a:extLst>
+          </p:cNvPr>
+          <p:cNvGraphicFramePr>
+            <a:graphicFrameLocks noGrp="1"/>
+          </p:cNvGraphicFramePr>
+          <p:nvPr>
+            <p:ph idx="1"/>
+          </p:nvPr>
+        </p:nvGraphicFramePr>
+        <p:xfrm>
+          <a:off x="1208690" y="942340"/>
+          <a:ext cx="10720551" cy="4973320"/>
+        </p:xfrm>
+        <a:graphic>
+          <a:graphicData uri="http://schemas.openxmlformats.org/drawingml/2006/table">
+            <a:tbl>
+              <a:tblPr firstRow="1" bandRow="1">
+                <a:tableStyleId>{21E4AEA4-8DFA-4A89-87EB-49C32662AFE0}</a:tableStyleId>
+              </a:tblPr>
+              <a:tblGrid>
+                <a:gridCol w="1717110">
+                  <a:extLst>
+                    <a:ext uri="{9D8B030D-6E8A-4147-A177-3AD203B41FA5}">
+                      <a16:colId xmlns:a16="http://schemas.microsoft.com/office/drawing/2014/main" val="4182014441"/>
+                    </a:ext>
+                  </a:extLst>
+                </a:gridCol>
+                <a:gridCol w="5976462">
+                  <a:extLst>
+                    <a:ext uri="{9D8B030D-6E8A-4147-A177-3AD203B41FA5}">
+                      <a16:colId xmlns:a16="http://schemas.microsoft.com/office/drawing/2014/main" val="906180283"/>
+                    </a:ext>
+                  </a:extLst>
+                </a:gridCol>
+                <a:gridCol w="3026979">
+                  <a:extLst>
+                    <a:ext uri="{9D8B030D-6E8A-4147-A177-3AD203B41FA5}">
+                      <a16:colId xmlns:a16="http://schemas.microsoft.com/office/drawing/2014/main" val="2769721792"/>
+                    </a:ext>
+                  </a:extLst>
+                </a:gridCol>
+              </a:tblGrid>
+              <a:tr h="370840">
+                <a:tc>
+                  <a:txBody>
+                    <a:bodyPr/>
+                    <a:lstStyle/>
+                    <a:p>
+                      <a:r>
+                        <a:rPr lang="en-US" dirty="0"/>
+                        <a:t>Time</a:t>
+                      </a:r>
+                    </a:p>
+                  </a:txBody>
+                  <a:tcPr/>
+                </a:tc>
+                <a:tc>
+                  <a:txBody>
+                    <a:bodyPr/>
+                    <a:lstStyle/>
+                    <a:p>
+                      <a:r>
+                        <a:rPr lang="en-US" dirty="0"/>
+                        <a:t>Description</a:t>
+                      </a:r>
+                    </a:p>
+                  </a:txBody>
+                  <a:tcPr/>
+                </a:tc>
+                <a:tc>
+                  <a:txBody>
+                    <a:bodyPr/>
+                    <a:lstStyle/>
+                    <a:p>
+                      <a:r>
+                        <a:rPr lang="en-US" dirty="0"/>
+                        <a:t>Discussant</a:t>
+                      </a:r>
+                    </a:p>
+                  </a:txBody>
+                  <a:tcPr/>
+                </a:tc>
+                <a:extLst>
+                  <a:ext uri="{0D108BD9-81ED-4DB2-BD59-A6C34878D82A}">
+                    <a16:rowId xmlns:a16="http://schemas.microsoft.com/office/drawing/2014/main" val="1700444250"/>
+                  </a:ext>
+                </a:extLst>
+              </a:tr>
+              <a:tr h="370840">
+                <a:tc>
+                  <a:txBody>
+                    <a:bodyPr/>
+                    <a:lstStyle/>
+                    <a:p>
+                      <a:r>
+                        <a:rPr lang="en-US" dirty="0"/>
+                        <a:t>[15 min]</a:t>
+                      </a:r>
+                    </a:p>
+                  </a:txBody>
+                  <a:tcPr/>
+                </a:tc>
+                <a:tc>
+                  <a:txBody>
+                    <a:bodyPr/>
+                    <a:lstStyle/>
+                    <a:p>
+                      <a:r>
+                        <a:rPr lang="en-US" sz="1800" kern="1200" dirty="0">
+                          <a:solidFill>
+                            <a:schemeClr val="dk1"/>
+                          </a:solidFill>
+                          <a:effectLst/>
+                          <a:latin typeface="+mn-lt"/>
+                          <a:ea typeface="+mn-ea"/>
+                          <a:cs typeface="+mn-cs"/>
+                        </a:rPr>
+                        <a:t>(0) Introductions and administrivia </a:t>
+                      </a:r>
+                      <a:endParaRPr lang="en-US" dirty="0"/>
+                    </a:p>
+                  </a:txBody>
+                  <a:tcPr/>
+                </a:tc>
+                <a:tc>
+                  <a:txBody>
+                    <a:bodyPr/>
+                    <a:lstStyle/>
+                    <a:p>
+                      <a:r>
+                        <a:rPr lang="en-US" dirty="0" err="1"/>
+                        <a:t>Trikalinos</a:t>
+                      </a:r>
+                      <a:endParaRPr lang="en-US" dirty="0"/>
+                    </a:p>
+                  </a:txBody>
+                  <a:tcPr/>
+                </a:tc>
+                <a:extLst>
+                  <a:ext uri="{0D108BD9-81ED-4DB2-BD59-A6C34878D82A}">
+                    <a16:rowId xmlns:a16="http://schemas.microsoft.com/office/drawing/2014/main" val="2490995723"/>
+                  </a:ext>
+                </a:extLst>
+              </a:tr>
+              <a:tr h="370840">
+                <a:tc>
+                  <a:txBody>
+                    <a:bodyPr/>
+                    <a:lstStyle/>
+                    <a:p>
+                      <a:r>
+                        <a:rPr lang="en-US" dirty="0"/>
+                        <a:t>[25 min]</a:t>
+                      </a:r>
+                    </a:p>
+                  </a:txBody>
+                  <a:tcPr/>
+                </a:tc>
+                <a:tc>
+                  <a:txBody>
+                    <a:bodyPr/>
+                    <a:lstStyle/>
+                    <a:p>
+                      <a:r>
+                        <a:rPr lang="en-US" sz="1800" kern="1200" dirty="0">
+                          <a:solidFill>
+                            <a:schemeClr val="dk1"/>
+                          </a:solidFill>
+                          <a:effectLst/>
+                          <a:latin typeface="+mn-lt"/>
+                          <a:ea typeface="+mn-ea"/>
+                          <a:cs typeface="+mn-cs"/>
+                        </a:rPr>
+                        <a:t>(1) DES as a composition of point processes</a:t>
+                      </a:r>
+                    </a:p>
+                  </a:txBody>
+                  <a:tcPr/>
+                </a:tc>
+                <a:tc>
+                  <a:txBody>
+                    <a:bodyPr/>
+                    <a:lstStyle/>
+                    <a:p>
+                      <a:r>
+                        <a:rPr lang="en-US" dirty="0" err="1"/>
+                        <a:t>Alarid</a:t>
+                      </a:r>
+                      <a:r>
+                        <a:rPr lang="en-US" dirty="0"/>
+                        <a:t>-Escudero</a:t>
+                      </a:r>
+                    </a:p>
+                  </a:txBody>
+                  <a:tcPr/>
+                </a:tc>
+                <a:extLst>
+                  <a:ext uri="{0D108BD9-81ED-4DB2-BD59-A6C34878D82A}">
+                    <a16:rowId xmlns:a16="http://schemas.microsoft.com/office/drawing/2014/main" val="2065491183"/>
+                  </a:ext>
+                </a:extLst>
+              </a:tr>
+              <a:tr h="370840">
+                <a:tc>
+                  <a:txBody>
+                    <a:bodyPr/>
+                    <a:lstStyle/>
+                    <a:p>
+                      <a:r>
+                        <a:rPr lang="en-US" dirty="0"/>
+                        <a:t>[30 min]</a:t>
+                      </a:r>
+                    </a:p>
+                  </a:txBody>
+                  <a:tcPr/>
+                </a:tc>
+                <a:tc>
+                  <a:txBody>
+                    <a:bodyPr/>
+                    <a:lstStyle/>
+                    <a:p>
+                      <a:pPr marL="0" marR="0" lvl="0" indent="0" algn="l" defTabSz="914400" rtl="0" eaLnBrk="1" fontAlgn="auto" latinLnBrk="0" hangingPunct="1">
+                        <a:lnSpc>
+                          <a:spcPct val="100000"/>
+                        </a:lnSpc>
+                        <a:spcBef>
+                          <a:spcPts val="0"/>
+                        </a:spcBef>
+                        <a:spcAft>
+                          <a:spcPts val="0"/>
+                        </a:spcAft>
+                        <a:buClrTx/>
+                        <a:buSzTx/>
+                        <a:buFontTx/>
+                        <a:buNone/>
+                        <a:tabLst/>
+                        <a:defRPr/>
+                      </a:pPr>
+                      <a:r>
+                        <a:rPr lang="en-US" sz="1800" kern="1200" dirty="0">
+                          <a:solidFill>
+                            <a:schemeClr val="dk1"/>
+                          </a:solidFill>
+                          <a:effectLst/>
+                          <a:latin typeface="+mn-lt"/>
+                          <a:ea typeface="+mn-ea"/>
+                          <a:cs typeface="+mn-cs"/>
+                        </a:rPr>
+                        <a:t>(2) NHPPPs – key properties</a:t>
+                      </a:r>
+                    </a:p>
+                  </a:txBody>
+                  <a:tcPr/>
+                </a:tc>
+                <a:tc>
+                  <a:txBody>
+                    <a:bodyPr/>
+                    <a:lstStyle/>
+                    <a:p>
+                      <a:r>
+                        <a:rPr lang="en-US" dirty="0" err="1"/>
+                        <a:t>Trikalinos</a:t>
+                      </a:r>
+                      <a:endParaRPr lang="en-US" dirty="0"/>
+                    </a:p>
+                  </a:txBody>
+                  <a:tcPr/>
+                </a:tc>
+                <a:extLst>
+                  <a:ext uri="{0D108BD9-81ED-4DB2-BD59-A6C34878D82A}">
+                    <a16:rowId xmlns:a16="http://schemas.microsoft.com/office/drawing/2014/main" val="2757944147"/>
+                  </a:ext>
+                </a:extLst>
+              </a:tr>
+              <a:tr h="370840">
+                <a:tc>
+                  <a:txBody>
+                    <a:bodyPr/>
+                    <a:lstStyle/>
+                    <a:p>
+                      <a:r>
+                        <a:rPr lang="en-US" dirty="0"/>
+                        <a:t>[30 min]</a:t>
+                      </a:r>
+                    </a:p>
+                  </a:txBody>
+                  <a:tcPr/>
+                </a:tc>
+                <a:tc>
+                  <a:txBody>
+                    <a:bodyPr/>
+                    <a:lstStyle/>
+                    <a:p>
+                      <a:r>
+                        <a:rPr lang="en-US" sz="1800" kern="1200" dirty="0">
+                          <a:solidFill>
+                            <a:schemeClr val="dk1"/>
+                          </a:solidFill>
+                          <a:effectLst/>
+                          <a:latin typeface="+mn-lt"/>
+                          <a:ea typeface="+mn-ea"/>
+                          <a:cs typeface="+mn-cs"/>
+                        </a:rPr>
+                        <a:t>(3) Sampling from NHPPPs</a:t>
+                      </a:r>
+                      <a:endParaRPr lang="en-US" dirty="0"/>
+                    </a:p>
+                  </a:txBody>
+                  <a:tcPr/>
+                </a:tc>
+                <a:tc>
+                  <a:txBody>
+                    <a:bodyPr/>
+                    <a:lstStyle/>
+                    <a:p>
+                      <a:r>
+                        <a:rPr lang="en-US" dirty="0" err="1"/>
+                        <a:t>Sereda</a:t>
+                      </a:r>
+                      <a:endParaRPr lang="en-US" dirty="0"/>
+                    </a:p>
+                  </a:txBody>
+                  <a:tcPr/>
+                </a:tc>
+                <a:extLst>
+                  <a:ext uri="{0D108BD9-81ED-4DB2-BD59-A6C34878D82A}">
+                    <a16:rowId xmlns:a16="http://schemas.microsoft.com/office/drawing/2014/main" val="1442363784"/>
+                  </a:ext>
+                </a:extLst>
+              </a:tr>
+              <a:tr h="370840">
+                <a:tc>
+                  <a:txBody>
+                    <a:bodyPr/>
+                    <a:lstStyle/>
+                    <a:p>
+                      <a:r>
+                        <a:rPr lang="en-US" dirty="0"/>
+                        <a:t>[15 min]</a:t>
+                      </a:r>
+                    </a:p>
+                  </a:txBody>
+                  <a:tcPr/>
+                </a:tc>
+                <a:tc>
+                  <a:txBody>
+                    <a:bodyPr/>
+                    <a:lstStyle/>
+                    <a:p>
+                      <a:pPr marL="0" marR="0" lvl="0" indent="0" algn="l" defTabSz="914400" rtl="0" eaLnBrk="1" fontAlgn="auto" latinLnBrk="0" hangingPunct="1">
+                        <a:lnSpc>
+                          <a:spcPct val="100000"/>
+                        </a:lnSpc>
+                        <a:spcBef>
+                          <a:spcPts val="0"/>
+                        </a:spcBef>
+                        <a:spcAft>
+                          <a:spcPts val="0"/>
+                        </a:spcAft>
+                        <a:buClrTx/>
+                        <a:buSzTx/>
+                        <a:buFontTx/>
+                        <a:buNone/>
+                        <a:tabLst/>
+                        <a:defRPr/>
+                      </a:pPr>
+                      <a:r>
+                        <a:rPr lang="en-US" b="1" dirty="0"/>
+                        <a:t>Break</a:t>
+                      </a:r>
+                    </a:p>
+                  </a:txBody>
+                  <a:tcPr/>
+                </a:tc>
+                <a:tc>
+                  <a:txBody>
+                    <a:bodyPr/>
+                    <a:lstStyle/>
+                    <a:p>
+                      <a:endParaRPr lang="en-US" dirty="0"/>
+                    </a:p>
+                  </a:txBody>
+                  <a:tcPr/>
+                </a:tc>
+                <a:extLst>
+                  <a:ext uri="{0D108BD9-81ED-4DB2-BD59-A6C34878D82A}">
+                    <a16:rowId xmlns:a16="http://schemas.microsoft.com/office/drawing/2014/main" val="1269228105"/>
+                  </a:ext>
+                </a:extLst>
+              </a:tr>
+              <a:tr h="370840">
+                <a:tc>
+                  <a:txBody>
+                    <a:bodyPr/>
+                    <a:lstStyle/>
+                    <a:p>
+                      <a:r>
+                        <a:rPr lang="en-US" dirty="0"/>
+                        <a:t>[80 min]</a:t>
+                      </a:r>
+                    </a:p>
+                  </a:txBody>
+                  <a:tcPr/>
+                </a:tc>
+                <a:tc>
+                  <a:txBody>
+                    <a:bodyPr/>
+                    <a:lstStyle/>
+                    <a:p>
+                      <a:r>
+                        <a:rPr lang="en-US" sz="1800" kern="1200" dirty="0">
+                          <a:solidFill>
+                            <a:schemeClr val="dk1"/>
+                          </a:solidFill>
+                          <a:effectLst/>
+                          <a:latin typeface="+mn-lt"/>
+                          <a:ea typeface="+mn-ea"/>
+                          <a:cs typeface="+mn-cs"/>
+                        </a:rPr>
+                        <a:t>(4) Guided exercise: </a:t>
+                      </a:r>
+                    </a:p>
+                    <a:p>
+                      <a:pPr marL="285750" indent="-285750">
+                        <a:buFontTx/>
+                        <a:buChar char="-"/>
+                      </a:pPr>
+                      <a:r>
+                        <a:rPr lang="en-US" sz="1800" kern="1200" dirty="0">
+                          <a:solidFill>
+                            <a:schemeClr val="dk1"/>
+                          </a:solidFill>
+                          <a:effectLst/>
+                          <a:latin typeface="+mn-lt"/>
+                          <a:ea typeface="+mn-ea"/>
+                          <a:cs typeface="+mn-cs"/>
+                        </a:rPr>
+                        <a:t>Implement a simple cancer natural history DES for one person</a:t>
+                      </a:r>
+                    </a:p>
+                    <a:p>
+                      <a:pPr marL="285750" indent="-285750">
+                        <a:buFontTx/>
+                        <a:buChar char="-"/>
+                      </a:pPr>
+                      <a:r>
+                        <a:rPr lang="en-US" sz="1800" kern="1200" dirty="0">
+                          <a:solidFill>
+                            <a:schemeClr val="dk1"/>
+                          </a:solidFill>
+                          <a:effectLst/>
+                          <a:latin typeface="+mn-lt"/>
+                          <a:ea typeface="+mn-ea"/>
+                          <a:cs typeface="+mn-cs"/>
+                        </a:rPr>
+                        <a:t>The many-person case</a:t>
+                      </a:r>
+                    </a:p>
+                    <a:p>
+                      <a:pPr marL="285750" indent="-285750">
+                        <a:buFontTx/>
+                        <a:buChar char="-"/>
+                      </a:pPr>
+                      <a:r>
+                        <a:rPr lang="en-US" sz="1800" kern="1200" dirty="0">
+                          <a:solidFill>
+                            <a:schemeClr val="dk1"/>
+                          </a:solidFill>
+                          <a:effectLst/>
+                          <a:latin typeface="+mn-lt"/>
+                          <a:ea typeface="+mn-ea"/>
+                          <a:cs typeface="+mn-cs"/>
+                        </a:rPr>
+                        <a:t>Packaging </a:t>
+                      </a:r>
+                    </a:p>
+                  </a:txBody>
+                  <a:tcPr/>
+                </a:tc>
+                <a:tc>
+                  <a:txBody>
+                    <a:bodyPr/>
+                    <a:lstStyle/>
+                    <a:p>
+                      <a:r>
+                        <a:rPr lang="en-US" dirty="0"/>
+                        <a:t>[All]</a:t>
+                      </a:r>
+                    </a:p>
+                    <a:p>
+                      <a:r>
+                        <a:rPr lang="en-US" dirty="0" err="1"/>
+                        <a:t>Chrysanthopoulou</a:t>
+                      </a:r>
+                      <a:endParaRPr lang="en-US" dirty="0"/>
+                    </a:p>
+                    <a:p>
+                      <a:endParaRPr lang="en-US" dirty="0"/>
+                    </a:p>
+                    <a:p>
+                      <a:r>
+                        <a:rPr lang="en-US" dirty="0" err="1"/>
+                        <a:t>Sereda</a:t>
+                      </a:r>
+                      <a:r>
+                        <a:rPr lang="en-US" dirty="0"/>
+                        <a:t>/</a:t>
+                      </a:r>
+                      <a:r>
+                        <a:rPr lang="en-US" dirty="0" err="1"/>
+                        <a:t>Alarid</a:t>
+                      </a:r>
+                      <a:r>
+                        <a:rPr lang="en-US" dirty="0"/>
+                        <a:t>-Escudero</a:t>
+                      </a:r>
+                    </a:p>
+                    <a:p>
+                      <a:r>
+                        <a:rPr lang="en-US" dirty="0" err="1"/>
+                        <a:t>Trikalinos</a:t>
+                      </a:r>
+                      <a:endParaRPr lang="en-US" dirty="0"/>
+                    </a:p>
+                  </a:txBody>
+                  <a:tcPr/>
+                </a:tc>
+                <a:extLst>
+                  <a:ext uri="{0D108BD9-81ED-4DB2-BD59-A6C34878D82A}">
+                    <a16:rowId xmlns:a16="http://schemas.microsoft.com/office/drawing/2014/main" val="1448491104"/>
+                  </a:ext>
+                </a:extLst>
+              </a:tr>
+              <a:tr h="370840">
+                <a:tc>
+                  <a:txBody>
+                    <a:bodyPr/>
+                    <a:lstStyle/>
+                    <a:p>
+                      <a:r>
+                        <a:rPr lang="en-US" dirty="0"/>
+                        <a:t>[10 min]</a:t>
+                      </a:r>
+                    </a:p>
+                  </a:txBody>
+                  <a:tcPr/>
+                </a:tc>
+                <a:tc>
+                  <a:txBody>
+                    <a:bodyPr/>
+                    <a:lstStyle/>
+                    <a:p>
+                      <a:pPr marL="0" marR="0" lvl="0" indent="0" algn="l" defTabSz="914400" rtl="0" eaLnBrk="1" fontAlgn="auto" latinLnBrk="0" hangingPunct="1">
+                        <a:lnSpc>
+                          <a:spcPct val="100000"/>
+                        </a:lnSpc>
+                        <a:spcBef>
+                          <a:spcPts val="0"/>
+                        </a:spcBef>
+                        <a:spcAft>
+                          <a:spcPts val="0"/>
+                        </a:spcAft>
+                        <a:buClrTx/>
+                        <a:buSzTx/>
+                        <a:buFontTx/>
+                        <a:buNone/>
+                        <a:tabLst/>
+                        <a:defRPr/>
+                      </a:pPr>
+                      <a:r>
+                        <a:rPr lang="en-US" sz="1800" kern="1200" dirty="0">
+                          <a:solidFill>
+                            <a:schemeClr val="dk1"/>
+                          </a:solidFill>
+                          <a:effectLst/>
+                          <a:latin typeface="+mn-lt"/>
+                          <a:ea typeface="+mn-ea"/>
+                          <a:cs typeface="+mn-cs"/>
+                        </a:rPr>
+                        <a:t>(5) Advanced Topic Teaser on self-excitatory processes: point processes that are not NHPPPs and when you may need them</a:t>
+                      </a:r>
+                    </a:p>
+                  </a:txBody>
+                  <a:tcPr/>
+                </a:tc>
+                <a:tc>
+                  <a:txBody>
+                    <a:bodyPr/>
+                    <a:lstStyle/>
+                    <a:p>
+                      <a:r>
+                        <a:rPr lang="en-US" dirty="0" err="1"/>
+                        <a:t>Trikalinos</a:t>
+                      </a:r>
+                      <a:endParaRPr lang="en-US" dirty="0"/>
+                    </a:p>
+                  </a:txBody>
+                  <a:tcPr/>
+                </a:tc>
+                <a:extLst>
+                  <a:ext uri="{0D108BD9-81ED-4DB2-BD59-A6C34878D82A}">
+                    <a16:rowId xmlns:a16="http://schemas.microsoft.com/office/drawing/2014/main" val="3766472740"/>
+                  </a:ext>
+                </a:extLst>
+              </a:tr>
+              <a:tr h="370840">
+                <a:tc>
+                  <a:txBody>
+                    <a:bodyPr/>
+                    <a:lstStyle/>
+                    <a:p>
+                      <a:r>
+                        <a:rPr lang="en-US" dirty="0"/>
+                        <a:t>[15 min]</a:t>
+                      </a:r>
+                    </a:p>
+                  </a:txBody>
+                  <a:tcPr/>
+                </a:tc>
+                <a:tc>
+                  <a:txBody>
+                    <a:bodyPr/>
+                    <a:lstStyle/>
+                    <a:p>
+                      <a:r>
+                        <a:rPr lang="en-US" dirty="0"/>
+                        <a:t>General Q &amp; A</a:t>
+                      </a:r>
+                    </a:p>
+                  </a:txBody>
+                  <a:tcPr/>
+                </a:tc>
+                <a:tc>
+                  <a:txBody>
+                    <a:bodyPr/>
+                    <a:lstStyle/>
+                    <a:p>
+                      <a:r>
+                        <a:rPr lang="en-US" dirty="0"/>
+                        <a:t>All</a:t>
+                      </a:r>
+                    </a:p>
+                  </a:txBody>
+                  <a:tcPr/>
+                </a:tc>
+                <a:extLst>
+                  <a:ext uri="{0D108BD9-81ED-4DB2-BD59-A6C34878D82A}">
+                    <a16:rowId xmlns:a16="http://schemas.microsoft.com/office/drawing/2014/main" val="3034331301"/>
+                  </a:ext>
+                </a:extLst>
+              </a:tr>
+            </a:tbl>
+          </a:graphicData>
+        </a:graphic>
+      </p:graphicFrame>
+      <p:sp>
+        <p:nvSpPr>
+          <p:cNvPr id="5" name="Right Arrow 4">
+            <a:extLst>
+              <a:ext uri="{FF2B5EF4-FFF2-40B4-BE49-F238E27FC236}">
+                <a16:creationId xmlns:a16="http://schemas.microsoft.com/office/drawing/2014/main" id="{DD2DDC48-154B-55AF-7641-A4A89495743E}"/>
+              </a:ext>
+            </a:extLst>
+          </p:cNvPr>
+          <p:cNvSpPr/>
+          <p:nvPr/>
+        </p:nvSpPr>
+        <p:spPr>
+          <a:xfrm>
+            <a:off x="189186" y="2404753"/>
+            <a:ext cx="914400" cy="420414"/>
+          </a:xfrm>
+          <a:prstGeom prst="rightArrow">
+            <a:avLst/>
+          </a:prstGeom>
+          <a:solidFill>
+            <a:srgbClr val="FF0000"/>
+          </a:solidFill>
+          <a:ln>
+            <a:noFill/>
+          </a:ln>
+          <a:effectLst/>
+        </p:spPr>
+        <p:style>
+          <a:lnRef idx="2">
+            <a:schemeClr val="accent1">
+              <a:shade val="15000"/>
+            </a:schemeClr>
+          </a:lnRef>
+          <a:fillRef idx="1">
+            <a:schemeClr val="accent1"/>
+          </a:fillRef>
+          <a:effectRef idx="0">
+            <a:schemeClr val="accent1"/>
+          </a:effectRef>
+          <a:fontRef idx="minor">
+            <a:schemeClr val="lt1"/>
+          </a:fontRef>
+        </p:style>
+        <p:txBody>
+          <a:bodyPr rtlCol="0" anchor="ctr"/>
+          <a:lstStyle/>
+          <a:p>
+            <a:pPr algn="ctr"/>
+            <a:endParaRPr lang="en-US"/>
+          </a:p>
+        </p:txBody>
+      </p:sp>
+      <p:sp>
+        <p:nvSpPr>
+          <p:cNvPr id="2" name="TextBox 1">
+            <a:extLst>
+              <a:ext uri="{FF2B5EF4-FFF2-40B4-BE49-F238E27FC236}">
+                <a16:creationId xmlns:a16="http://schemas.microsoft.com/office/drawing/2014/main" id="{F20AFC78-1411-1F67-1A0D-D9B1339F40EE}"/>
+              </a:ext>
+            </a:extLst>
+          </p:cNvPr>
+          <p:cNvSpPr txBox="1"/>
+          <p:nvPr/>
+        </p:nvSpPr>
+        <p:spPr>
+          <a:xfrm>
+            <a:off x="1208690" y="310250"/>
+            <a:ext cx="5017656" cy="461665"/>
+          </a:xfrm>
+          <a:prstGeom prst="rect">
+            <a:avLst/>
+          </a:prstGeom>
+          <a:noFill/>
+        </p:spPr>
+        <p:txBody>
+          <a:bodyPr wrap="none" rtlCol="0">
+            <a:spAutoFit/>
+          </a:bodyPr>
+          <a:lstStyle/>
+          <a:p>
+            <a:r>
+              <a:rPr lang="en-US" sz="2400" dirty="0"/>
+              <a:t>Sunday 27</a:t>
+            </a:r>
+            <a:r>
+              <a:rPr lang="en-US" sz="2400" baseline="30000" dirty="0"/>
+              <a:t>th</a:t>
+            </a:r>
+            <a:r>
+              <a:rPr lang="en-US" sz="2400" dirty="0"/>
+              <a:t> of October 8:30 to 12:00</a:t>
+            </a:r>
+          </a:p>
+        </p:txBody>
+      </p:sp>
+    </p:spTree>
+    <p:extLst>
+      <p:ext uri="{BB962C8B-B14F-4D97-AF65-F5344CB8AC3E}">
+        <p14:creationId xmlns:p14="http://schemas.microsoft.com/office/powerpoint/2010/main" val="2199334569"/>
+      </p:ext>
+    </p:extLst>
+  </p:cSld>
+  <p:clrMapOvr>
+    <a:masterClrMapping/>
+  </p:clrMapOvr>
+</p:sld>
+</file>
+
+<file path=ppt/slides/slide4.xml><?xml version="1.0" encoding="utf-8"?>
 <p:sld xmlns:a="http://schemas.openxmlformats.org/drawingml/2006/main" xmlns:r="http://schemas.openxmlformats.org/officeDocument/2006/relationships" xmlns:p="http://schemas.openxmlformats.org/presentationml/2006/main">
   <p:cSld>
     <p:spTree>
@@ -14490,1469 +19535,7 @@
 </p:sld>
 </file>
 
-<file path=ppt/slides/slide30.xml><?xml version="1.0" encoding="utf-8"?>
-<p:sld xmlns:a="http://schemas.openxmlformats.org/drawingml/2006/main" xmlns:r="http://schemas.openxmlformats.org/officeDocument/2006/relationships" xmlns:p="http://schemas.openxmlformats.org/presentationml/2006/main">
-  <p:cSld>
-    <p:spTree>
-      <p:nvGrpSpPr>
-        <p:cNvPr id="1" name="">
-          <a:extLst>
-            <a:ext uri="{FF2B5EF4-FFF2-40B4-BE49-F238E27FC236}">
-              <a16:creationId xmlns:a16="http://schemas.microsoft.com/office/drawing/2014/main" id="{ED53FF7C-4AEA-F494-1D56-70E41B9C7901}"/>
-            </a:ext>
-          </a:extLst>
-        </p:cNvPr>
-        <p:cNvGrpSpPr/>
-        <p:nvPr/>
-      </p:nvGrpSpPr>
-      <p:grpSpPr>
-        <a:xfrm>
-          <a:off x="0" y="0"/>
-          <a:ext cx="0" cy="0"/>
-          <a:chOff x="0" y="0"/>
-          <a:chExt cx="0" cy="0"/>
-        </a:xfrm>
-      </p:grpSpPr>
-      <p:pic>
-        <p:nvPicPr>
-          <p:cNvPr id="13" name="Content Placeholder 12">
-            <a:extLst>
-              <a:ext uri="{FF2B5EF4-FFF2-40B4-BE49-F238E27FC236}">
-                <a16:creationId xmlns:a16="http://schemas.microsoft.com/office/drawing/2014/main" id="{955322BB-9839-EFC4-954B-75FB78F225C6}"/>
-              </a:ext>
-            </a:extLst>
-          </p:cNvPr>
-          <p:cNvPicPr>
-            <a:picLocks noGrp="1" noChangeAspect="1"/>
-          </p:cNvPicPr>
-          <p:nvPr>
-            <p:ph sz="quarter" idx="4"/>
-          </p:nvPr>
-        </p:nvPicPr>
-        <p:blipFill>
-          <a:blip r:embed="rId2"/>
-          <a:stretch>
-            <a:fillRect/>
-          </a:stretch>
-        </p:blipFill>
-        <p:spPr>
-          <a:xfrm>
-            <a:off x="6477794" y="2975769"/>
-            <a:ext cx="4572000" cy="2743200"/>
-          </a:xfrm>
-        </p:spPr>
-      </p:pic>
-      <p:sp>
-        <p:nvSpPr>
-          <p:cNvPr id="7" name="Title 6">
-            <a:extLst>
-              <a:ext uri="{FF2B5EF4-FFF2-40B4-BE49-F238E27FC236}">
-                <a16:creationId xmlns:a16="http://schemas.microsoft.com/office/drawing/2014/main" id="{4A6AC51B-9273-63B0-D5C4-1DA46C689B6B}"/>
-              </a:ext>
-            </a:extLst>
-          </p:cNvPr>
-          <p:cNvSpPr>
-            <a:spLocks noGrp="1"/>
-          </p:cNvSpPr>
-          <p:nvPr>
-            <p:ph type="title"/>
-          </p:nvPr>
-        </p:nvSpPr>
-        <p:spPr/>
-        <p:txBody>
-          <a:bodyPr/>
-          <a:lstStyle/>
-          <a:p>
-            <a:r>
-              <a:rPr lang="en-US" dirty="0"/>
-              <a:t>Cumulative intensity function and its inverse</a:t>
-            </a:r>
-          </a:p>
-        </p:txBody>
-      </p:sp>
-      <mc:AlternateContent xmlns:mc="http://schemas.openxmlformats.org/markup-compatibility/2006">
-        <mc:Choice xmlns:a14="http://schemas.microsoft.com/office/drawing/2010/main" Requires="a14">
-          <p:sp>
-            <p:nvSpPr>
-              <p:cNvPr id="10" name="Text Placeholder 9">
-                <a:extLst>
-                  <a:ext uri="{FF2B5EF4-FFF2-40B4-BE49-F238E27FC236}">
-                    <a16:creationId xmlns:a16="http://schemas.microsoft.com/office/drawing/2014/main" id="{058835FE-A2C1-8D31-BD16-31CAB79D10DE}"/>
-                  </a:ext>
-                </a:extLst>
-              </p:cNvPr>
-              <p:cNvSpPr>
-                <a:spLocks noGrp="1"/>
-              </p:cNvSpPr>
-              <p:nvPr>
-                <p:ph type="body" idx="1"/>
-              </p:nvPr>
-            </p:nvSpPr>
-            <p:spPr/>
-            <p:txBody>
-              <a:bodyPr/>
-              <a:lstStyle/>
-              <a:p>
-                <a:r>
-                  <a:rPr lang="en-US" dirty="0"/>
-                  <a:t>Cumulative intensity function </a:t>
-                </a:r>
-                <a14:m>
-                  <m:oMath xmlns:m="http://schemas.openxmlformats.org/officeDocument/2006/math">
-                    <m:r>
-                      <m:rPr>
-                        <m:sty m:val="p"/>
-                      </m:rPr>
-                      <a:rPr lang="en-US" b="0">
-                        <a:latin typeface="Cambria Math" panose="02040503050406030204" pitchFamily="18" charset="0"/>
-                      </a:rPr>
-                      <m:t>Λ</m:t>
-                    </m:r>
-                    <m:r>
-                      <a:rPr lang="en-US" b="0">
-                        <a:latin typeface="Cambria Math" panose="02040503050406030204" pitchFamily="18" charset="0"/>
-                      </a:rPr>
-                      <m:t>(</m:t>
-                    </m:r>
-                    <m:r>
-                      <m:rPr>
-                        <m:sty m:val="p"/>
-                      </m:rPr>
-                      <a:rPr lang="en-US" b="0">
-                        <a:latin typeface="Cambria Math" panose="02040503050406030204" pitchFamily="18" charset="0"/>
-                      </a:rPr>
-                      <m:t>t</m:t>
-                    </m:r>
-                    <m:r>
-                      <a:rPr lang="en-US" b="0">
-                        <a:latin typeface="Cambria Math" panose="02040503050406030204" pitchFamily="18" charset="0"/>
-                      </a:rPr>
-                      <m:t>)</m:t>
-                    </m:r>
-                  </m:oMath>
-                </a14:m>
-                <a:endParaRPr lang="en-US" b="0" dirty="0"/>
-              </a:p>
-            </p:txBody>
-          </p:sp>
-        </mc:Choice>
-        <mc:Fallback>
-          <p:sp>
-            <p:nvSpPr>
-              <p:cNvPr id="10" name="Text Placeholder 9">
-                <a:extLst>
-                  <a:ext uri="{FF2B5EF4-FFF2-40B4-BE49-F238E27FC236}">
-                    <a16:creationId xmlns:a16="http://schemas.microsoft.com/office/drawing/2014/main" id="{058835FE-A2C1-8D31-BD16-31CAB79D10DE}"/>
-                  </a:ext>
-                </a:extLst>
-              </p:cNvPr>
-              <p:cNvSpPr>
-                <a:spLocks noGrp="1" noRot="1" noChangeAspect="1" noMove="1" noResize="1" noEditPoints="1" noAdjustHandles="1" noChangeArrowheads="1" noChangeShapeType="1" noTextEdit="1"/>
-              </p:cNvSpPr>
-              <p:nvPr>
-                <p:ph type="body" idx="1"/>
-              </p:nvPr>
-            </p:nvSpPr>
-            <p:spPr>
-              <a:blipFill>
-                <a:blip r:embed="rId3"/>
-                <a:stretch>
-                  <a:fillRect l="-1966" b="-16667"/>
-                </a:stretch>
-              </a:blipFill>
-            </p:spPr>
-            <p:txBody>
-              <a:bodyPr/>
-              <a:lstStyle/>
-              <a:p>
-                <a:r>
-                  <a:rPr lang="en-US">
-                    <a:noFill/>
-                  </a:rPr>
-                  <a:t> </a:t>
-                </a:r>
-              </a:p>
-            </p:txBody>
-          </p:sp>
-        </mc:Fallback>
-      </mc:AlternateContent>
-      <mc:AlternateContent xmlns:mc="http://schemas.openxmlformats.org/markup-compatibility/2006">
-        <mc:Choice xmlns:a14="http://schemas.microsoft.com/office/drawing/2010/main" Requires="a14">
-          <p:sp>
-            <p:nvSpPr>
-              <p:cNvPr id="12" name="Text Placeholder 11">
-                <a:extLst>
-                  <a:ext uri="{FF2B5EF4-FFF2-40B4-BE49-F238E27FC236}">
-                    <a16:creationId xmlns:a16="http://schemas.microsoft.com/office/drawing/2014/main" id="{BA04777E-18C7-ADCA-58D7-45513E208F7F}"/>
-                  </a:ext>
-                </a:extLst>
-              </p:cNvPr>
-              <p:cNvSpPr>
-                <a:spLocks noGrp="1"/>
-              </p:cNvSpPr>
-              <p:nvPr>
-                <p:ph type="body" sz="quarter" idx="3"/>
-              </p:nvPr>
-            </p:nvSpPr>
-            <p:spPr/>
-            <p:txBody>
-              <a:bodyPr/>
-              <a:lstStyle/>
-              <a:p>
-                <a:r>
-                  <a:rPr lang="en-US" dirty="0"/>
-                  <a:t>Inverse cumulative intensity function </a:t>
-                </a:r>
-                <a14:m>
-                  <m:oMath xmlns:m="http://schemas.openxmlformats.org/officeDocument/2006/math">
-                    <m:sSup>
-                      <m:sSupPr>
-                        <m:ctrlPr>
-                          <a:rPr lang="en-US" b="0" i="0" smtClean="0">
-                            <a:latin typeface="Cambria Math" panose="02040503050406030204" pitchFamily="18" charset="0"/>
-                          </a:rPr>
-                        </m:ctrlPr>
-                      </m:sSupPr>
-                      <m:e>
-                        <m:r>
-                          <m:rPr>
-                            <m:sty m:val="p"/>
-                          </m:rPr>
-                          <a:rPr lang="en-US" b="0" i="0" smtClean="0">
-                            <a:latin typeface="Cambria Math" panose="02040503050406030204" pitchFamily="18" charset="0"/>
-                          </a:rPr>
-                          <m:t>Λ</m:t>
-                        </m:r>
-                      </m:e>
-                      <m:sup>
-                        <m:r>
-                          <a:rPr lang="en-US" b="0" i="0" smtClean="0">
-                            <a:latin typeface="Cambria Math" panose="02040503050406030204" pitchFamily="18" charset="0"/>
-                          </a:rPr>
-                          <m:t>−1</m:t>
-                        </m:r>
-                      </m:sup>
-                    </m:sSup>
-                    <m:r>
-                      <a:rPr lang="en-US" b="0" i="0" smtClean="0">
-                        <a:latin typeface="Cambria Math" panose="02040503050406030204" pitchFamily="18" charset="0"/>
-                      </a:rPr>
-                      <m:t>(</m:t>
-                    </m:r>
-                    <m:r>
-                      <m:rPr>
-                        <m:sty m:val="p"/>
-                      </m:rPr>
-                      <a:rPr lang="en-US" b="0" i="0" smtClean="0">
-                        <a:latin typeface="Cambria Math" panose="02040503050406030204" pitchFamily="18" charset="0"/>
-                      </a:rPr>
-                      <m:t>z</m:t>
-                    </m:r>
-                    <m:r>
-                      <a:rPr lang="en-US" b="0" i="0" smtClean="0">
-                        <a:latin typeface="Cambria Math" panose="02040503050406030204" pitchFamily="18" charset="0"/>
-                      </a:rPr>
-                      <m:t>)</m:t>
-                    </m:r>
-                  </m:oMath>
-                </a14:m>
-                <a:endParaRPr lang="en-US" b="0" dirty="0"/>
-              </a:p>
-            </p:txBody>
-          </p:sp>
-        </mc:Choice>
-        <mc:Fallback>
-          <p:sp>
-            <p:nvSpPr>
-              <p:cNvPr id="12" name="Text Placeholder 11">
-                <a:extLst>
-                  <a:ext uri="{FF2B5EF4-FFF2-40B4-BE49-F238E27FC236}">
-                    <a16:creationId xmlns:a16="http://schemas.microsoft.com/office/drawing/2014/main" id="{BA04777E-18C7-ADCA-58D7-45513E208F7F}"/>
-                  </a:ext>
-                </a:extLst>
-              </p:cNvPr>
-              <p:cNvSpPr>
-                <a:spLocks noGrp="1" noRot="1" noChangeAspect="1" noMove="1" noResize="1" noEditPoints="1" noAdjustHandles="1" noChangeArrowheads="1" noChangeShapeType="1" noTextEdit="1"/>
-              </p:cNvSpPr>
-              <p:nvPr>
-                <p:ph type="body" sz="quarter" idx="3"/>
-              </p:nvPr>
-            </p:nvSpPr>
-            <p:spPr>
-              <a:blipFill>
-                <a:blip r:embed="rId4"/>
-                <a:stretch>
-                  <a:fillRect l="-1956" t="-1515" b="-16667"/>
-                </a:stretch>
-              </a:blipFill>
-            </p:spPr>
-            <p:txBody>
-              <a:bodyPr/>
-              <a:lstStyle/>
-              <a:p>
-                <a:r>
-                  <a:rPr lang="en-US">
-                    <a:noFill/>
-                  </a:rPr>
-                  <a:t> </a:t>
-                </a:r>
-              </a:p>
-            </p:txBody>
-          </p:sp>
-        </mc:Fallback>
-      </mc:AlternateContent>
-      <p:pic>
-        <p:nvPicPr>
-          <p:cNvPr id="8" name="Content Placeholder 4">
-            <a:extLst>
-              <a:ext uri="{FF2B5EF4-FFF2-40B4-BE49-F238E27FC236}">
-                <a16:creationId xmlns:a16="http://schemas.microsoft.com/office/drawing/2014/main" id="{CDCFC46B-3D98-7E16-AFF3-B7ED15294FA5}"/>
-              </a:ext>
-            </a:extLst>
-          </p:cNvPr>
-          <p:cNvPicPr>
-            <a:picLocks noGrp="1" noChangeAspect="1"/>
-          </p:cNvPicPr>
-          <p:nvPr>
-            <p:ph sz="half" idx="2"/>
-          </p:nvPr>
-        </p:nvPicPr>
-        <p:blipFill>
-          <a:blip r:embed="rId5"/>
-          <a:stretch>
-            <a:fillRect/>
-          </a:stretch>
-        </p:blipFill>
-        <p:spPr>
-          <a:xfrm>
-            <a:off x="1132681" y="2975769"/>
-            <a:ext cx="4572000" cy="2743200"/>
-          </a:xfrm>
-        </p:spPr>
-      </p:pic>
-      <mc:AlternateContent xmlns:mc="http://schemas.openxmlformats.org/markup-compatibility/2006">
-        <mc:Choice xmlns:a14="http://schemas.microsoft.com/office/drawing/2010/main" Requires="a14">
-          <p:sp>
-            <p:nvSpPr>
-              <p:cNvPr id="16" name="TextBox 15">
-                <a:extLst>
-                  <a:ext uri="{FF2B5EF4-FFF2-40B4-BE49-F238E27FC236}">
-                    <a16:creationId xmlns:a16="http://schemas.microsoft.com/office/drawing/2014/main" id="{A8A4678A-4193-5CC4-841E-9C4F011E62BC}"/>
-                  </a:ext>
-                </a:extLst>
-              </p:cNvPr>
-              <p:cNvSpPr txBox="1"/>
-              <p:nvPr/>
-            </p:nvSpPr>
-            <p:spPr>
-              <a:xfrm>
-                <a:off x="7144082" y="2969591"/>
-                <a:ext cx="2937407" cy="710194"/>
-              </a:xfrm>
-              <a:prstGeom prst="rect">
-                <a:avLst/>
-              </a:prstGeom>
-              <a:noFill/>
-            </p:spPr>
-            <p:txBody>
-              <a:bodyPr wrap="none" rtlCol="0">
-                <a:spAutoFit/>
-              </a:bodyPr>
-              <a:lstStyle/>
-              <a:p>
-                <a14:m>
-                  <m:oMathPara xmlns:m="http://schemas.openxmlformats.org/officeDocument/2006/math">
-                    <m:oMathParaPr>
-                      <m:jc m:val="centerGroup"/>
-                    </m:oMathParaPr>
-                    <m:oMath xmlns:m="http://schemas.openxmlformats.org/officeDocument/2006/math">
-                      <m:sSup>
-                        <m:sSupPr>
-                          <m:ctrlPr>
-                            <a:rPr lang="en-US" b="0" i="1" smtClean="0">
-                              <a:latin typeface="Cambria Math" panose="02040503050406030204" pitchFamily="18" charset="0"/>
-                            </a:rPr>
-                          </m:ctrlPr>
-                        </m:sSupPr>
-                        <m:e>
-                          <m:r>
-                            <m:rPr>
-                              <m:sty m:val="p"/>
-                            </m:rPr>
-                            <a:rPr lang="en-US" b="0" i="0" smtClean="0">
-                              <a:latin typeface="Cambria Math" panose="02040503050406030204" pitchFamily="18" charset="0"/>
-                            </a:rPr>
-                            <m:t>Λ</m:t>
-                          </m:r>
-                        </m:e>
-                        <m:sup>
-                          <m:r>
-                            <a:rPr lang="en-US" b="0" i="1" smtClean="0">
-                              <a:latin typeface="Cambria Math" panose="02040503050406030204" pitchFamily="18" charset="0"/>
-                            </a:rPr>
-                            <m:t>−1</m:t>
-                          </m:r>
-                        </m:sup>
-                      </m:sSup>
-                      <m:r>
-                        <a:rPr lang="en-US" b="0" i="1" smtClean="0">
-                          <a:latin typeface="Cambria Math" panose="02040503050406030204" pitchFamily="18" charset="0"/>
-                        </a:rPr>
-                        <m:t>(</m:t>
-                      </m:r>
-                      <m:r>
-                        <a:rPr lang="en-US" b="0" i="1" smtClean="0">
-                          <a:latin typeface="Cambria Math" panose="02040503050406030204" pitchFamily="18" charset="0"/>
-                        </a:rPr>
-                        <m:t>𝑧</m:t>
-                      </m:r>
-                      <m:r>
-                        <a:rPr lang="en-US" b="0" i="1" smtClean="0">
-                          <a:latin typeface="Cambria Math" panose="02040503050406030204" pitchFamily="18" charset="0"/>
-                        </a:rPr>
-                        <m:t>)=</m:t>
-                      </m:r>
-                      <m:d>
-                        <m:dPr>
-                          <m:begChr m:val="{"/>
-                          <m:endChr m:val=""/>
-                          <m:ctrlPr>
-                            <a:rPr lang="en-US" b="0" i="1" smtClean="0">
-                              <a:latin typeface="Cambria Math" panose="02040503050406030204" pitchFamily="18" charset="0"/>
-                            </a:rPr>
-                          </m:ctrlPr>
-                        </m:dPr>
-                        <m:e>
-                          <m:eqArr>
-                            <m:eqArrPr>
-                              <m:ctrlPr>
-                                <a:rPr lang="en-US" b="0" i="1" smtClean="0">
-                                  <a:latin typeface="Cambria Math" panose="02040503050406030204" pitchFamily="18" charset="0"/>
-                                </a:rPr>
-                              </m:ctrlPr>
-                            </m:eqArrPr>
-                            <m:e>
-                              <m:r>
-                                <m:rPr>
-                                  <m:sty m:val="p"/>
-                                </m:rPr>
-                                <a:rPr lang="en-US" b="0" i="0" smtClean="0">
-                                  <a:latin typeface="Cambria Math" panose="02040503050406030204" pitchFamily="18" charset="0"/>
-                                </a:rPr>
-                                <m:t>u</m:t>
-                              </m:r>
-                              <m:r>
-                                <m:rPr>
-                                  <m:sty m:val="p"/>
-                                </m:rPr>
-                                <a:rPr lang="en-US">
-                                  <a:latin typeface="Cambria Math" panose="02040503050406030204" pitchFamily="18" charset="0"/>
-                                </a:rPr>
-                                <m:t>ndefined</m:t>
-                              </m:r>
-                              <m:r>
-                                <a:rPr lang="en-US" i="1">
-                                  <a:latin typeface="Cambria Math" panose="02040503050406030204" pitchFamily="18" charset="0"/>
-                                </a:rPr>
-                                <m:t>, </m:t>
-                              </m:r>
-                              <m:r>
-                                <m:rPr>
-                                  <m:sty m:val="p"/>
-                                </m:rPr>
-                                <a:rPr lang="en-US">
-                                  <a:latin typeface="Cambria Math" panose="02040503050406030204" pitchFamily="18" charset="0"/>
-                                </a:rPr>
-                                <m:t>z</m:t>
-                              </m:r>
-                              <m:r>
-                                <a:rPr lang="en-US">
-                                  <a:latin typeface="Cambria Math" panose="02040503050406030204" pitchFamily="18" charset="0"/>
-                                </a:rPr>
-                                <m:t>&lt;1</m:t>
-                              </m:r>
-                            </m:e>
-                            <m:e>
-                              <m:r>
-                                <a:rPr lang="en-US" b="0" i="1" smtClean="0">
-                                  <a:latin typeface="Cambria Math" panose="02040503050406030204" pitchFamily="18" charset="0"/>
-                                </a:rPr>
-                                <m:t>&amp;</m:t>
-                              </m:r>
-                              <m:r>
-                                <a:rPr lang="en-US" i="1">
-                                  <a:latin typeface="Cambria Math" panose="02040503050406030204" pitchFamily="18" charset="0"/>
-                                </a:rPr>
-                                <m:t>𝑧</m:t>
-                              </m:r>
-                              <m:r>
-                                <a:rPr lang="en-US" i="1">
-                                  <a:latin typeface="Cambria Math" panose="02040503050406030204" pitchFamily="18" charset="0"/>
-                                </a:rPr>
-                                <m:t>,          </m:t>
-                              </m:r>
-                              <m:r>
-                                <a:rPr lang="en-US" i="1">
-                                  <a:latin typeface="Cambria Math" panose="02040503050406030204" pitchFamily="18" charset="0"/>
-                                </a:rPr>
-                                <m:t>𝑧</m:t>
-                              </m:r>
-                              <m:r>
-                                <a:rPr lang="en-US" i="1">
-                                  <a:latin typeface="Cambria Math" panose="02040503050406030204" pitchFamily="18" charset="0"/>
-                                </a:rPr>
-                                <m:t>≥1</m:t>
-                              </m:r>
-                            </m:e>
-                          </m:eqArr>
-                        </m:e>
-                      </m:d>
-                    </m:oMath>
-                  </m:oMathPara>
-                </a14:m>
-                <a:endParaRPr lang="en-US" dirty="0"/>
-              </a:p>
-            </p:txBody>
-          </p:sp>
-        </mc:Choice>
-        <mc:Fallback>
-          <p:sp>
-            <p:nvSpPr>
-              <p:cNvPr id="16" name="TextBox 15">
-                <a:extLst>
-                  <a:ext uri="{FF2B5EF4-FFF2-40B4-BE49-F238E27FC236}">
-                    <a16:creationId xmlns:a16="http://schemas.microsoft.com/office/drawing/2014/main" id="{A8A4678A-4193-5CC4-841E-9C4F011E62BC}"/>
-                  </a:ext>
-                </a:extLst>
-              </p:cNvPr>
-              <p:cNvSpPr txBox="1">
-                <a:spLocks noRot="1" noChangeAspect="1" noMove="1" noResize="1" noEditPoints="1" noAdjustHandles="1" noChangeArrowheads="1" noChangeShapeType="1" noTextEdit="1"/>
-              </p:cNvSpPr>
-              <p:nvPr/>
-            </p:nvSpPr>
-            <p:spPr>
-              <a:xfrm>
-                <a:off x="7144082" y="2969591"/>
-                <a:ext cx="2937407" cy="710194"/>
-              </a:xfrm>
-              <a:prstGeom prst="rect">
-                <a:avLst/>
-              </a:prstGeom>
-              <a:blipFill>
-                <a:blip r:embed="rId6"/>
-                <a:stretch>
-                  <a:fillRect l="-2586" t="-189474" b="-277193"/>
-                </a:stretch>
-              </a:blipFill>
-            </p:spPr>
-            <p:txBody>
-              <a:bodyPr/>
-              <a:lstStyle/>
-              <a:p>
-                <a:r>
-                  <a:rPr lang="en-US">
-                    <a:noFill/>
-                  </a:rPr>
-                  <a:t> </a:t>
-                </a:r>
-              </a:p>
-            </p:txBody>
-          </p:sp>
-        </mc:Fallback>
-      </mc:AlternateContent>
-      <mc:AlternateContent xmlns:mc="http://schemas.openxmlformats.org/markup-compatibility/2006">
-        <mc:Choice xmlns:a14="http://schemas.microsoft.com/office/drawing/2010/main" Requires="a14">
-          <p:sp>
-            <p:nvSpPr>
-              <p:cNvPr id="17" name="TextBox 16">
-                <a:extLst>
-                  <a:ext uri="{FF2B5EF4-FFF2-40B4-BE49-F238E27FC236}">
-                    <a16:creationId xmlns:a16="http://schemas.microsoft.com/office/drawing/2014/main" id="{83A33498-8D77-2820-CBB7-5A43303211F8}"/>
-                  </a:ext>
-                </a:extLst>
-              </p:cNvPr>
-              <p:cNvSpPr txBox="1"/>
-              <p:nvPr/>
-            </p:nvSpPr>
-            <p:spPr>
-              <a:xfrm>
-                <a:off x="1680131" y="2969591"/>
-                <a:ext cx="2222468" cy="710194"/>
-              </a:xfrm>
-              <a:prstGeom prst="rect">
-                <a:avLst/>
-              </a:prstGeom>
-              <a:noFill/>
-            </p:spPr>
-            <p:txBody>
-              <a:bodyPr wrap="none" rtlCol="0">
-                <a:spAutoFit/>
-              </a:bodyPr>
-              <a:lstStyle/>
-              <a:p>
-                <a14:m>
-                  <m:oMathPara xmlns:m="http://schemas.openxmlformats.org/officeDocument/2006/math">
-                    <m:oMathParaPr>
-                      <m:jc m:val="centerGroup"/>
-                    </m:oMathParaPr>
-                    <m:oMath xmlns:m="http://schemas.openxmlformats.org/officeDocument/2006/math">
-                      <m:r>
-                        <m:rPr>
-                          <m:sty m:val="p"/>
-                        </m:rPr>
-                        <a:rPr lang="en-US" b="0" i="0" smtClean="0">
-                          <a:latin typeface="Cambria Math" panose="02040503050406030204" pitchFamily="18" charset="0"/>
-                        </a:rPr>
-                        <m:t>Λ</m:t>
-                      </m:r>
-                      <m:r>
-                        <a:rPr lang="en-US" b="0" i="1" smtClean="0">
-                          <a:latin typeface="Cambria Math" panose="02040503050406030204" pitchFamily="18" charset="0"/>
-                        </a:rPr>
-                        <m:t>(</m:t>
-                      </m:r>
-                      <m:r>
-                        <a:rPr lang="en-US" b="0" i="1" smtClean="0">
-                          <a:latin typeface="Cambria Math" panose="02040503050406030204" pitchFamily="18" charset="0"/>
-                        </a:rPr>
-                        <m:t>𝑡</m:t>
-                      </m:r>
-                      <m:r>
-                        <a:rPr lang="en-US" b="0" i="1" smtClean="0">
-                          <a:latin typeface="Cambria Math" panose="02040503050406030204" pitchFamily="18" charset="0"/>
-                        </a:rPr>
-                        <m:t>)=</m:t>
-                      </m:r>
-                      <m:d>
-                        <m:dPr>
-                          <m:begChr m:val="{"/>
-                          <m:endChr m:val=""/>
-                          <m:ctrlPr>
-                            <a:rPr lang="en-US" b="0" i="1" smtClean="0">
-                              <a:latin typeface="Cambria Math" panose="02040503050406030204" pitchFamily="18" charset="0"/>
-                            </a:rPr>
-                          </m:ctrlPr>
-                        </m:dPr>
-                        <m:e>
-                          <m:eqArr>
-                            <m:eqArrPr>
-                              <m:ctrlPr>
-                                <a:rPr lang="en-US" b="0" i="1" smtClean="0">
-                                  <a:latin typeface="Cambria Math" panose="02040503050406030204" pitchFamily="18" charset="0"/>
-                                </a:rPr>
-                              </m:ctrlPr>
-                            </m:eqArrPr>
-                            <m:e>
-                              <m:r>
-                                <a:rPr lang="en-US" i="1">
-                                  <a:latin typeface="Cambria Math" panose="02040503050406030204" pitchFamily="18" charset="0"/>
-                                </a:rPr>
-                                <m:t>&amp;</m:t>
-                              </m:r>
-                              <m:r>
-                                <a:rPr lang="en-US">
-                                  <a:latin typeface="Cambria Math" panose="02040503050406030204" pitchFamily="18" charset="0"/>
-                                </a:rPr>
-                                <m:t>0,</m:t>
-                              </m:r>
-                              <m:r>
-                                <a:rPr lang="en-US" i="1">
-                                  <a:latin typeface="Cambria Math" panose="02040503050406030204" pitchFamily="18" charset="0"/>
-                                </a:rPr>
-                                <m:t>  </m:t>
-                              </m:r>
-                              <m:r>
-                                <m:rPr>
-                                  <m:sty m:val="p"/>
-                                </m:rPr>
-                                <a:rPr lang="en-US">
-                                  <a:latin typeface="Cambria Math" panose="02040503050406030204" pitchFamily="18" charset="0"/>
-                                </a:rPr>
-                                <m:t>t</m:t>
-                              </m:r>
-                              <m:r>
-                                <a:rPr lang="en-US">
-                                  <a:latin typeface="Cambria Math" panose="02040503050406030204" pitchFamily="18" charset="0"/>
-                                </a:rPr>
-                                <m:t>&lt;1</m:t>
-                              </m:r>
-                            </m:e>
-                            <m:e>
-                              <m:r>
-                                <a:rPr lang="en-US" b="0" i="1" smtClean="0">
-                                  <a:latin typeface="Cambria Math" panose="02040503050406030204" pitchFamily="18" charset="0"/>
-                                </a:rPr>
-                                <m:t>𝑡</m:t>
-                              </m:r>
-                              <m:r>
-                                <a:rPr lang="en-US" i="1">
-                                  <a:latin typeface="Cambria Math" panose="02040503050406030204" pitchFamily="18" charset="0"/>
-                                </a:rPr>
-                                <m:t>−1,</m:t>
-                              </m:r>
-                              <m:r>
-                                <a:rPr lang="en-US" i="1">
-                                  <a:latin typeface="Cambria Math" panose="02040503050406030204" pitchFamily="18" charset="0"/>
-                                </a:rPr>
-                                <m:t>𝑡</m:t>
-                              </m:r>
-                              <m:r>
-                                <a:rPr lang="en-US" i="1">
-                                  <a:latin typeface="Cambria Math" panose="02040503050406030204" pitchFamily="18" charset="0"/>
-                                </a:rPr>
-                                <m:t>≥1</m:t>
-                              </m:r>
-                            </m:e>
-                          </m:eqArr>
-                        </m:e>
-                      </m:d>
-                    </m:oMath>
-                  </m:oMathPara>
-                </a14:m>
-                <a:endParaRPr lang="en-US" dirty="0"/>
-              </a:p>
-            </p:txBody>
-          </p:sp>
-        </mc:Choice>
-        <mc:Fallback>
-          <p:sp>
-            <p:nvSpPr>
-              <p:cNvPr id="17" name="TextBox 16">
-                <a:extLst>
-                  <a:ext uri="{FF2B5EF4-FFF2-40B4-BE49-F238E27FC236}">
-                    <a16:creationId xmlns:a16="http://schemas.microsoft.com/office/drawing/2014/main" id="{83A33498-8D77-2820-CBB7-5A43303211F8}"/>
-                  </a:ext>
-                </a:extLst>
-              </p:cNvPr>
-              <p:cNvSpPr txBox="1">
-                <a:spLocks noRot="1" noChangeAspect="1" noMove="1" noResize="1" noEditPoints="1" noAdjustHandles="1" noChangeArrowheads="1" noChangeShapeType="1" noTextEdit="1"/>
-              </p:cNvSpPr>
-              <p:nvPr/>
-            </p:nvSpPr>
-            <p:spPr>
-              <a:xfrm>
-                <a:off x="1680131" y="2969591"/>
-                <a:ext cx="2222468" cy="710194"/>
-              </a:xfrm>
-              <a:prstGeom prst="rect">
-                <a:avLst/>
-              </a:prstGeom>
-              <a:blipFill>
-                <a:blip r:embed="rId7"/>
-                <a:stretch>
-                  <a:fillRect l="-14205" t="-189474" b="-277193"/>
-                </a:stretch>
-              </a:blipFill>
-            </p:spPr>
-            <p:txBody>
-              <a:bodyPr/>
-              <a:lstStyle/>
-              <a:p>
-                <a:r>
-                  <a:rPr lang="en-US">
-                    <a:noFill/>
-                  </a:rPr>
-                  <a:t> </a:t>
-                </a:r>
-              </a:p>
-            </p:txBody>
-          </p:sp>
-        </mc:Fallback>
-      </mc:AlternateContent>
-    </p:spTree>
-    <p:extLst>
-      <p:ext uri="{BB962C8B-B14F-4D97-AF65-F5344CB8AC3E}">
-        <p14:creationId xmlns:p14="http://schemas.microsoft.com/office/powerpoint/2010/main" val="3605029424"/>
-      </p:ext>
-    </p:extLst>
-  </p:cSld>
-  <p:clrMapOvr>
-    <a:masterClrMapping/>
-  </p:clrMapOvr>
-</p:sld>
-</file>
-
-<file path=ppt/slides/slide31.xml><?xml version="1.0" encoding="utf-8"?>
-<p:sld xmlns:a="http://schemas.openxmlformats.org/drawingml/2006/main" xmlns:r="http://schemas.openxmlformats.org/officeDocument/2006/relationships" xmlns:p="http://schemas.openxmlformats.org/presentationml/2006/main">
-  <p:cSld>
-    <p:spTree>
-      <p:nvGrpSpPr>
-        <p:cNvPr id="1" name="Shape 393"/>
-        <p:cNvGrpSpPr/>
-        <p:nvPr/>
-      </p:nvGrpSpPr>
-      <p:grpSpPr>
-        <a:xfrm>
-          <a:off x="0" y="0"/>
-          <a:ext cx="0" cy="0"/>
-          <a:chOff x="0" y="0"/>
-          <a:chExt cx="0" cy="0"/>
-        </a:xfrm>
-      </p:grpSpPr>
-      <p:pic>
-        <p:nvPicPr>
-          <p:cNvPr id="4" name="Picture 3">
-            <a:extLst>
-              <a:ext uri="{FF2B5EF4-FFF2-40B4-BE49-F238E27FC236}">
-                <a16:creationId xmlns:a16="http://schemas.microsoft.com/office/drawing/2014/main" id="{3C09EC9A-6208-675A-C86F-822F79487673}"/>
-              </a:ext>
-            </a:extLst>
-          </p:cNvPr>
-          <p:cNvPicPr>
-            <a:picLocks noChangeAspect="1"/>
-          </p:cNvPicPr>
-          <p:nvPr/>
-        </p:nvPicPr>
-        <p:blipFill>
-          <a:blip r:embed="rId3"/>
-          <a:stretch>
-            <a:fillRect/>
-          </a:stretch>
-        </p:blipFill>
-        <p:spPr>
-          <a:xfrm>
-            <a:off x="5546984" y="1748075"/>
-            <a:ext cx="4858799" cy="3685276"/>
-          </a:xfrm>
-          <a:prstGeom prst="rect">
-            <a:avLst/>
-          </a:prstGeom>
-        </p:spPr>
-      </p:pic>
-      <p:sp>
-        <p:nvSpPr>
-          <p:cNvPr id="394" name="Google Shape;394;p33"/>
-          <p:cNvSpPr txBox="1">
-            <a:spLocks noGrp="1"/>
-          </p:cNvSpPr>
-          <p:nvPr>
-            <p:ph type="title"/>
-          </p:nvPr>
-        </p:nvSpPr>
-        <p:spPr>
-          <a:prstGeom prst="rect">
-            <a:avLst/>
-          </a:prstGeom>
-          <a:noFill/>
-          <a:ln>
-            <a:noFill/>
-          </a:ln>
-        </p:spPr>
-        <p:txBody>
-          <a:bodyPr spcFirstLastPara="1" wrap="square" lIns="0" tIns="0" rIns="0" bIns="0" anchor="ctr" anchorCtr="0">
-            <a:normAutofit/>
-          </a:bodyPr>
-          <a:lstStyle/>
-          <a:p>
-            <a:pPr marL="0" lvl="0" indent="0" algn="l" rtl="0">
-              <a:lnSpc>
-                <a:spcPct val="90000"/>
-              </a:lnSpc>
-              <a:spcBef>
-                <a:spcPts val="0"/>
-              </a:spcBef>
-              <a:spcAft>
-                <a:spcPts val="0"/>
-              </a:spcAft>
-              <a:buClr>
-                <a:srgbClr val="4E3629"/>
-              </a:buClr>
-              <a:buSzPts val="2800"/>
-              <a:buFont typeface="Georgia"/>
-              <a:buNone/>
-            </a:pPr>
-            <a:r>
-              <a:rPr lang="en-US" dirty="0"/>
-              <a:t>Duality with the Poisson counting process </a:t>
-            </a:r>
-            <a:endParaRPr dirty="0"/>
-          </a:p>
-        </p:txBody>
-      </p:sp>
-      <p:sp>
-        <p:nvSpPr>
-          <p:cNvPr id="3" name="TextBox 2">
-            <a:extLst>
-              <a:ext uri="{FF2B5EF4-FFF2-40B4-BE49-F238E27FC236}">
-                <a16:creationId xmlns:a16="http://schemas.microsoft.com/office/drawing/2014/main" id="{E7553169-3AD7-6C46-913F-65D5F3FD4DDE}"/>
-              </a:ext>
-            </a:extLst>
-          </p:cNvPr>
-          <p:cNvSpPr txBox="1"/>
-          <p:nvPr/>
-        </p:nvSpPr>
-        <p:spPr>
-          <a:xfrm>
-            <a:off x="1375718" y="2056972"/>
-            <a:ext cx="3368841" cy="1077218"/>
-          </a:xfrm>
-          <a:prstGeom prst="rect">
-            <a:avLst/>
-          </a:prstGeom>
-          <a:noFill/>
-        </p:spPr>
-        <p:txBody>
-          <a:bodyPr wrap="square" rtlCol="0">
-            <a:spAutoFit/>
-          </a:bodyPr>
-          <a:lstStyle/>
-          <a:p>
-            <a:r>
-              <a:rPr lang="en-US" sz="3200" dirty="0"/>
-              <a:t>Poisson </a:t>
-            </a:r>
-            <a:r>
-              <a:rPr lang="en-US" sz="3200" i="1" dirty="0">
-                <a:solidFill>
-                  <a:srgbClr val="FF0000"/>
-                </a:solidFill>
-              </a:rPr>
-              <a:t>counting process</a:t>
-            </a:r>
-          </a:p>
-        </p:txBody>
-      </p:sp>
-      <p:sp>
-        <p:nvSpPr>
-          <p:cNvPr id="13" name="TextBox 12">
-            <a:extLst>
-              <a:ext uri="{FF2B5EF4-FFF2-40B4-BE49-F238E27FC236}">
-                <a16:creationId xmlns:a16="http://schemas.microsoft.com/office/drawing/2014/main" id="{F220BB39-E3DC-424F-BA93-D910107A369A}"/>
-              </a:ext>
-            </a:extLst>
-          </p:cNvPr>
-          <p:cNvSpPr txBox="1"/>
-          <p:nvPr/>
-        </p:nvSpPr>
-        <p:spPr>
-          <a:xfrm>
-            <a:off x="5546984" y="5636387"/>
-            <a:ext cx="5018042" cy="584775"/>
-          </a:xfrm>
-          <a:prstGeom prst="rect">
-            <a:avLst/>
-          </a:prstGeom>
-          <a:noFill/>
-        </p:spPr>
-        <p:txBody>
-          <a:bodyPr wrap="square" rtlCol="0">
-            <a:spAutoFit/>
-          </a:bodyPr>
-          <a:lstStyle/>
-          <a:p>
-            <a:pPr algn="ctr"/>
-            <a:r>
-              <a:rPr lang="en-US" sz="3200" dirty="0"/>
-              <a:t>Poisson </a:t>
-            </a:r>
-            <a:r>
-              <a:rPr lang="en-US" sz="3200" i="1" dirty="0">
-                <a:solidFill>
-                  <a:srgbClr val="FF0000"/>
-                </a:solidFill>
-              </a:rPr>
-              <a:t>point process</a:t>
-            </a:r>
-          </a:p>
-        </p:txBody>
-      </p:sp>
-      <mc:AlternateContent xmlns:mc="http://schemas.openxmlformats.org/markup-compatibility/2006">
-        <mc:Choice xmlns:a14="http://schemas.microsoft.com/office/drawing/2010/main" Requires="a14">
-          <p:sp>
-            <p:nvSpPr>
-              <p:cNvPr id="8" name="TextBox 7">
-                <a:extLst>
-                  <a:ext uri="{FF2B5EF4-FFF2-40B4-BE49-F238E27FC236}">
-                    <a16:creationId xmlns:a16="http://schemas.microsoft.com/office/drawing/2014/main" id="{1DE63BFB-87E9-7236-C2E8-A854BC528EF0}"/>
-                  </a:ext>
-                </a:extLst>
-              </p:cNvPr>
-              <p:cNvSpPr txBox="1"/>
-              <p:nvPr/>
-            </p:nvSpPr>
-            <p:spPr>
-              <a:xfrm>
-                <a:off x="1375718" y="3212761"/>
-                <a:ext cx="2920406" cy="1015663"/>
-              </a:xfrm>
-              <a:prstGeom prst="rect">
-                <a:avLst/>
-              </a:prstGeom>
-              <a:noFill/>
-            </p:spPr>
-            <p:txBody>
-              <a:bodyPr wrap="square">
-                <a:spAutoFit/>
-              </a:bodyPr>
-              <a:lstStyle/>
-              <a:p>
-                <a:pPr/>
-                <a14:m>
-                  <m:oMathPara xmlns:m="http://schemas.openxmlformats.org/officeDocument/2006/math">
-                    <m:oMathParaPr>
-                      <m:jc m:val="left"/>
-                    </m:oMathParaPr>
-                    <m:oMath xmlns:m="http://schemas.openxmlformats.org/officeDocument/2006/math">
-                      <m:sSub>
-                        <m:sSubPr>
-                          <m:ctrlPr>
-                            <a:rPr lang="en-US" sz="2000" i="1" dirty="0" smtClean="0">
-                              <a:latin typeface="Cambria Math" panose="02040503050406030204" pitchFamily="18" charset="0"/>
-                            </a:rPr>
-                          </m:ctrlPr>
-                        </m:sSubPr>
-                        <m:e>
-                          <m:r>
-                            <a:rPr lang="en-US" sz="2000" i="1" dirty="0" smtClean="0">
-                              <a:latin typeface="Cambria Math" panose="02040503050406030204" pitchFamily="18" charset="0"/>
-                            </a:rPr>
-                            <m:t>𝑁</m:t>
-                          </m:r>
-                        </m:e>
-                        <m:sub>
-                          <m:r>
-                            <a:rPr lang="en-US" sz="2000" b="0" i="1" dirty="0" smtClean="0">
-                              <a:latin typeface="Cambria Math" panose="02040503050406030204" pitchFamily="18" charset="0"/>
-                            </a:rPr>
-                            <m:t>0</m:t>
-                          </m:r>
-                        </m:sub>
-                      </m:sSub>
-                      <m:r>
-                        <a:rPr lang="en-US" sz="2000" i="1" dirty="0" smtClean="0">
-                          <a:latin typeface="Cambria Math" panose="02040503050406030204" pitchFamily="18" charset="0"/>
-                        </a:rPr>
-                        <m:t>, </m:t>
-                      </m:r>
-                      <m:sSub>
-                        <m:sSubPr>
-                          <m:ctrlPr>
-                            <a:rPr lang="en-US" sz="2000" i="1" dirty="0" smtClean="0">
-                              <a:latin typeface="Cambria Math" panose="02040503050406030204" pitchFamily="18" charset="0"/>
-                            </a:rPr>
-                          </m:ctrlPr>
-                        </m:sSubPr>
-                        <m:e>
-                          <m:r>
-                            <a:rPr lang="en-US" sz="2000" i="1" dirty="0" smtClean="0">
-                              <a:latin typeface="Cambria Math" panose="02040503050406030204" pitchFamily="18" charset="0"/>
-                            </a:rPr>
-                            <m:t>𝑁</m:t>
-                          </m:r>
-                        </m:e>
-                        <m:sub>
-                          <m:r>
-                            <a:rPr lang="en-US" sz="2000" i="1" dirty="0" smtClean="0">
-                              <a:latin typeface="Cambria Math" panose="02040503050406030204" pitchFamily="18" charset="0"/>
-                            </a:rPr>
-                            <m:t>1</m:t>
-                          </m:r>
-                        </m:sub>
-                      </m:sSub>
-                      <m:r>
-                        <a:rPr lang="en-US" sz="2000" i="1" dirty="0" smtClean="0">
-                          <a:latin typeface="Cambria Math" panose="02040503050406030204" pitchFamily="18" charset="0"/>
-                        </a:rPr>
-                        <m:t>,</m:t>
-                      </m:r>
-                      <m:r>
-                        <a:rPr lang="en-US" sz="2000" i="1" dirty="0" smtClean="0">
-                          <a:latin typeface="Cambria Math" panose="02040503050406030204" pitchFamily="18" charset="0"/>
-                        </a:rPr>
-                        <m:t> </m:t>
-                      </m:r>
-                      <m:r>
-                        <a:rPr lang="en-US" sz="2000" b="0" i="1" dirty="0" smtClean="0">
-                          <a:latin typeface="Cambria Math" panose="02040503050406030204" pitchFamily="18" charset="0"/>
-                        </a:rPr>
-                        <m:t>…</m:t>
-                      </m:r>
-                    </m:oMath>
-                  </m:oMathPara>
-                </a14:m>
-                <a:endParaRPr lang="en-US" sz="2000" dirty="0"/>
-              </a:p>
-              <a:p>
-                <a:r>
-                  <a:rPr lang="en-US" sz="2000" dirty="0"/>
-                  <a:t>Cumulative number events over time </a:t>
-                </a:r>
-              </a:p>
-            </p:txBody>
-          </p:sp>
-        </mc:Choice>
-        <mc:Fallback>
-          <p:sp>
-            <p:nvSpPr>
-              <p:cNvPr id="8" name="TextBox 7">
-                <a:extLst>
-                  <a:ext uri="{FF2B5EF4-FFF2-40B4-BE49-F238E27FC236}">
-                    <a16:creationId xmlns:a16="http://schemas.microsoft.com/office/drawing/2014/main" id="{1DE63BFB-87E9-7236-C2E8-A854BC528EF0}"/>
-                  </a:ext>
-                </a:extLst>
-              </p:cNvPr>
-              <p:cNvSpPr txBox="1">
-                <a:spLocks noRot="1" noChangeAspect="1" noMove="1" noResize="1" noEditPoints="1" noAdjustHandles="1" noChangeArrowheads="1" noChangeShapeType="1" noTextEdit="1"/>
-              </p:cNvSpPr>
-              <p:nvPr/>
-            </p:nvSpPr>
-            <p:spPr>
-              <a:xfrm>
-                <a:off x="1375718" y="3212761"/>
-                <a:ext cx="2920406" cy="1015663"/>
-              </a:xfrm>
-              <a:prstGeom prst="rect">
-                <a:avLst/>
-              </a:prstGeom>
-              <a:blipFill>
-                <a:blip r:embed="rId4"/>
-                <a:stretch>
-                  <a:fillRect l="-2165" b="-8537"/>
-                </a:stretch>
-              </a:blipFill>
-            </p:spPr>
-            <p:txBody>
-              <a:bodyPr/>
-              <a:lstStyle/>
-              <a:p>
-                <a:r>
-                  <a:rPr lang="en-US">
-                    <a:noFill/>
-                  </a:rPr>
-                  <a:t> </a:t>
-                </a:r>
-              </a:p>
-            </p:txBody>
-          </p:sp>
-        </mc:Fallback>
-      </mc:AlternateContent>
-      <p:sp>
-        <p:nvSpPr>
-          <p:cNvPr id="11" name="Left Brace 10">
-            <a:extLst>
-              <a:ext uri="{FF2B5EF4-FFF2-40B4-BE49-F238E27FC236}">
-                <a16:creationId xmlns:a16="http://schemas.microsoft.com/office/drawing/2014/main" id="{0D8C510A-3DB3-8A73-1EBE-5849B34AAB6F}"/>
-              </a:ext>
-            </a:extLst>
-          </p:cNvPr>
-          <p:cNvSpPr/>
-          <p:nvPr/>
-        </p:nvSpPr>
-        <p:spPr>
-          <a:xfrm>
-            <a:off x="5056992" y="1797739"/>
-            <a:ext cx="382795" cy="2945088"/>
-          </a:xfrm>
-          <a:prstGeom prst="leftBrace">
-            <a:avLst/>
-          </a:prstGeom>
-          <a:ln w="19050">
-            <a:solidFill>
-              <a:schemeClr val="tx2"/>
-            </a:solidFill>
-          </a:ln>
-        </p:spPr>
-        <p:style>
-          <a:lnRef idx="1">
-            <a:schemeClr val="accent1"/>
-          </a:lnRef>
-          <a:fillRef idx="0">
-            <a:schemeClr val="accent1"/>
-          </a:fillRef>
-          <a:effectRef idx="0">
-            <a:schemeClr val="accent1"/>
-          </a:effectRef>
-          <a:fontRef idx="minor">
-            <a:schemeClr val="tx1"/>
-          </a:fontRef>
-        </p:style>
-        <p:txBody>
-          <a:bodyPr rtlCol="0" anchor="ctr"/>
-          <a:lstStyle/>
-          <a:p>
-            <a:pPr algn="ctr"/>
-            <a:endParaRPr lang="en-US"/>
-          </a:p>
-        </p:txBody>
-      </p:sp>
-      <mc:AlternateContent xmlns:mc="http://schemas.openxmlformats.org/markup-compatibility/2006">
-        <mc:Choice xmlns:a14="http://schemas.microsoft.com/office/drawing/2010/main" Requires="a14">
-          <p:sp>
-            <p:nvSpPr>
-              <p:cNvPr id="15" name="TextBox 14">
-                <a:extLst>
-                  <a:ext uri="{FF2B5EF4-FFF2-40B4-BE49-F238E27FC236}">
-                    <a16:creationId xmlns:a16="http://schemas.microsoft.com/office/drawing/2014/main" id="{BAB3A784-A9CA-AC4F-834C-294AE0D6652C}"/>
-                  </a:ext>
-                </a:extLst>
-              </p:cNvPr>
-              <p:cNvSpPr txBox="1"/>
-              <p:nvPr/>
-            </p:nvSpPr>
-            <p:spPr>
-              <a:xfrm>
-                <a:off x="6340453" y="6226865"/>
-                <a:ext cx="3638339" cy="400110"/>
-              </a:xfrm>
-              <a:prstGeom prst="rect">
-                <a:avLst/>
-              </a:prstGeom>
-              <a:noFill/>
-            </p:spPr>
-            <p:txBody>
-              <a:bodyPr wrap="square">
-                <a:spAutoFit/>
-              </a:bodyPr>
-              <a:lstStyle/>
-              <a:p>
-                <a14:m>
-                  <m:oMathPara xmlns:m="http://schemas.openxmlformats.org/officeDocument/2006/math">
-                    <m:oMathParaPr>
-                      <m:jc m:val="centerGroup"/>
-                    </m:oMathParaPr>
-                    <m:oMath xmlns:m="http://schemas.openxmlformats.org/officeDocument/2006/math">
-                      <m:sSub>
-                        <m:sSubPr>
-                          <m:ctrlPr>
-                            <a:rPr lang="en-US" sz="2000" b="0" i="1" dirty="0" smtClean="0">
-                              <a:latin typeface="Cambria Math" panose="02040503050406030204" pitchFamily="18" charset="0"/>
-                            </a:rPr>
-                          </m:ctrlPr>
-                        </m:sSubPr>
-                        <m:e>
-                          <m:r>
-                            <a:rPr lang="en-US" sz="2000" b="0" i="1" dirty="0" smtClean="0">
-                              <a:latin typeface="Cambria Math" panose="02040503050406030204" pitchFamily="18" charset="0"/>
-                            </a:rPr>
-                            <m:t>𝑡</m:t>
-                          </m:r>
-                        </m:e>
-                        <m:sub>
-                          <m:r>
-                            <a:rPr lang="en-US" sz="2000" b="0" i="1" dirty="0" smtClean="0">
-                              <a:latin typeface="Cambria Math" panose="02040503050406030204" pitchFamily="18" charset="0"/>
-                            </a:rPr>
-                            <m:t>0</m:t>
-                          </m:r>
-                        </m:sub>
-                      </m:sSub>
-                      <m:r>
-                        <a:rPr lang="en-US" sz="2000" i="1" dirty="0" smtClean="0">
-                          <a:latin typeface="Cambria Math" panose="02040503050406030204" pitchFamily="18" charset="0"/>
-                        </a:rPr>
-                        <m:t>, </m:t>
-                      </m:r>
-                      <m:sSub>
-                        <m:sSubPr>
-                          <m:ctrlPr>
-                            <a:rPr lang="en-US" sz="2000" b="0" i="1" dirty="0" smtClean="0">
-                              <a:latin typeface="Cambria Math" panose="02040503050406030204" pitchFamily="18" charset="0"/>
-                            </a:rPr>
-                          </m:ctrlPr>
-                        </m:sSubPr>
-                        <m:e>
-                          <m:r>
-                            <a:rPr lang="en-US" sz="2000" b="0" i="1" dirty="0" smtClean="0">
-                              <a:latin typeface="Cambria Math" panose="02040503050406030204" pitchFamily="18" charset="0"/>
-                            </a:rPr>
-                            <m:t>𝑡</m:t>
-                          </m:r>
-                        </m:e>
-                        <m:sub>
-                          <m:r>
-                            <a:rPr lang="en-US" sz="2000" b="0" i="1" dirty="0" smtClean="0">
-                              <a:latin typeface="Cambria Math" panose="02040503050406030204" pitchFamily="18" charset="0"/>
-                            </a:rPr>
-                            <m:t>1</m:t>
-                          </m:r>
-                        </m:sub>
-                      </m:sSub>
-                      <m:r>
-                        <a:rPr lang="en-US" sz="2000" b="0" i="1" dirty="0" smtClean="0">
-                          <a:latin typeface="Cambria Math" panose="02040503050406030204" pitchFamily="18" charset="0"/>
-                        </a:rPr>
-                        <m:t>,</m:t>
-                      </m:r>
-                      <m:r>
-                        <a:rPr lang="en-US" sz="2000" i="1" dirty="0" smtClean="0">
-                          <a:latin typeface="Cambria Math" panose="02040503050406030204" pitchFamily="18" charset="0"/>
-                        </a:rPr>
-                        <m:t>…</m:t>
-                      </m:r>
-                    </m:oMath>
-                  </m:oMathPara>
-                </a14:m>
-                <a:endParaRPr lang="en-US" sz="2000" dirty="0"/>
-              </a:p>
-            </p:txBody>
-          </p:sp>
-        </mc:Choice>
-        <mc:Fallback>
-          <p:sp>
-            <p:nvSpPr>
-              <p:cNvPr id="15" name="TextBox 14">
-                <a:extLst>
-                  <a:ext uri="{FF2B5EF4-FFF2-40B4-BE49-F238E27FC236}">
-                    <a16:creationId xmlns:a16="http://schemas.microsoft.com/office/drawing/2014/main" id="{BAB3A784-A9CA-AC4F-834C-294AE0D6652C}"/>
-                  </a:ext>
-                </a:extLst>
-              </p:cNvPr>
-              <p:cNvSpPr txBox="1">
-                <a:spLocks noRot="1" noChangeAspect="1" noMove="1" noResize="1" noEditPoints="1" noAdjustHandles="1" noChangeArrowheads="1" noChangeShapeType="1" noTextEdit="1"/>
-              </p:cNvSpPr>
-              <p:nvPr/>
-            </p:nvSpPr>
-            <p:spPr>
-              <a:xfrm>
-                <a:off x="6340453" y="6226865"/>
-                <a:ext cx="3638339" cy="400110"/>
-              </a:xfrm>
-              <a:prstGeom prst="rect">
-                <a:avLst/>
-              </a:prstGeom>
-              <a:blipFill>
-                <a:blip r:embed="rId5"/>
-                <a:stretch>
-                  <a:fillRect/>
-                </a:stretch>
-              </a:blipFill>
-            </p:spPr>
-            <p:txBody>
-              <a:bodyPr/>
-              <a:lstStyle/>
-              <a:p>
-                <a:r>
-                  <a:rPr lang="en-US">
-                    <a:noFill/>
-                  </a:rPr>
-                  <a:t> </a:t>
-                </a:r>
-              </a:p>
-            </p:txBody>
-          </p:sp>
-        </mc:Fallback>
-      </mc:AlternateContent>
-      <p:sp>
-        <p:nvSpPr>
-          <p:cNvPr id="16" name="Left Brace 15">
-            <a:extLst>
-              <a:ext uri="{FF2B5EF4-FFF2-40B4-BE49-F238E27FC236}">
-                <a16:creationId xmlns:a16="http://schemas.microsoft.com/office/drawing/2014/main" id="{E3763040-C14E-1FAB-F1A3-55F8E0AFFA67}"/>
-              </a:ext>
-            </a:extLst>
-          </p:cNvPr>
-          <p:cNvSpPr/>
-          <p:nvPr/>
-        </p:nvSpPr>
-        <p:spPr>
-          <a:xfrm rot="16200000">
-            <a:off x="8117829" y="3494772"/>
-            <a:ext cx="264540" cy="4141696"/>
-          </a:xfrm>
-          <a:prstGeom prst="leftBrace">
-            <a:avLst/>
-          </a:prstGeom>
-          <a:ln w="19050">
-            <a:solidFill>
-              <a:schemeClr val="tx2"/>
-            </a:solidFill>
-          </a:ln>
-        </p:spPr>
-        <p:style>
-          <a:lnRef idx="1">
-            <a:schemeClr val="accent1"/>
-          </a:lnRef>
-          <a:fillRef idx="0">
-            <a:schemeClr val="accent1"/>
-          </a:fillRef>
-          <a:effectRef idx="0">
-            <a:schemeClr val="accent1"/>
-          </a:effectRef>
-          <a:fontRef idx="minor">
-            <a:schemeClr val="tx1"/>
-          </a:fontRef>
-        </p:style>
-        <p:txBody>
-          <a:bodyPr rtlCol="0" anchor="ctr"/>
-          <a:lstStyle/>
-          <a:p>
-            <a:pPr algn="ctr"/>
-            <a:endParaRPr lang="en-US"/>
-          </a:p>
-        </p:txBody>
-      </p:sp>
-    </p:spTree>
-    <p:extLst>
-      <p:ext uri="{BB962C8B-B14F-4D97-AF65-F5344CB8AC3E}">
-        <p14:creationId xmlns:p14="http://schemas.microsoft.com/office/powerpoint/2010/main" val="1598476364"/>
-      </p:ext>
-    </p:extLst>
-  </p:cSld>
-  <p:clrMapOvr>
-    <a:masterClrMapping/>
-  </p:clrMapOvr>
-</p:sld>
-</file>
-
-<file path=ppt/slides/slide32.xml><?xml version="1.0" encoding="utf-8"?>
-<p:sld xmlns:a="http://schemas.openxmlformats.org/drawingml/2006/main" xmlns:r="http://schemas.openxmlformats.org/officeDocument/2006/relationships" xmlns:p="http://schemas.openxmlformats.org/presentationml/2006/main">
-  <p:cSld>
-    <p:spTree>
-      <p:nvGrpSpPr>
-        <p:cNvPr id="1" name=""/>
-        <p:cNvGrpSpPr/>
-        <p:nvPr/>
-      </p:nvGrpSpPr>
-      <p:grpSpPr>
-        <a:xfrm>
-          <a:off x="0" y="0"/>
-          <a:ext cx="0" cy="0"/>
-          <a:chOff x="0" y="0"/>
-          <a:chExt cx="0" cy="0"/>
-        </a:xfrm>
-      </p:grpSpPr>
-      <p:sp>
-        <p:nvSpPr>
-          <p:cNvPr id="2" name="Title 1">
-            <a:extLst>
-              <a:ext uri="{FF2B5EF4-FFF2-40B4-BE49-F238E27FC236}">
-                <a16:creationId xmlns:a16="http://schemas.microsoft.com/office/drawing/2014/main" id="{720F7917-8F2C-08B2-E632-A5C9FE70C0FE}"/>
-              </a:ext>
-            </a:extLst>
-          </p:cNvPr>
-          <p:cNvSpPr>
-            <a:spLocks noGrp="1"/>
-          </p:cNvSpPr>
-          <p:nvPr>
-            <p:ph type="ctrTitle"/>
-          </p:nvPr>
-        </p:nvSpPr>
-        <p:spPr/>
-        <p:txBody>
-          <a:bodyPr/>
-          <a:lstStyle/>
-          <a:p>
-            <a:r>
-              <a:rPr lang="en-US" dirty="0"/>
-              <a:t>Next … Section 3: Sampling</a:t>
-            </a:r>
-          </a:p>
-        </p:txBody>
-      </p:sp>
-    </p:spTree>
-    <p:extLst>
-      <p:ext uri="{BB962C8B-B14F-4D97-AF65-F5344CB8AC3E}">
-        <p14:creationId xmlns:p14="http://schemas.microsoft.com/office/powerpoint/2010/main" val="2959818871"/>
-      </p:ext>
-    </p:extLst>
-  </p:cSld>
-  <p:clrMapOvr>
-    <a:masterClrMapping/>
-  </p:clrMapOvr>
-</p:sld>
-</file>
-
-<file path=ppt/slides/slide4.xml><?xml version="1.0" encoding="utf-8"?>
+<file path=ppt/slides/slide5.xml><?xml version="1.0" encoding="utf-8"?>
 <p:sld xmlns:a="http://schemas.openxmlformats.org/drawingml/2006/main" xmlns:r="http://schemas.openxmlformats.org/officeDocument/2006/relationships" xmlns:p="http://schemas.openxmlformats.org/presentationml/2006/main">
   <p:cSld>
     <p:spTree>
@@ -16289,7 +19872,7 @@
 </p:sld>
 </file>
 
-<file path=ppt/slides/slide5.xml><?xml version="1.0" encoding="utf-8"?>
+<file path=ppt/slides/slide6.xml><?xml version="1.0" encoding="utf-8"?>
 <p:sld xmlns:a="http://schemas.openxmlformats.org/drawingml/2006/main" xmlns:r="http://schemas.openxmlformats.org/officeDocument/2006/relationships" xmlns:p="http://schemas.openxmlformats.org/presentationml/2006/main">
   <p:cSld>
     <p:spTree>
@@ -16469,7 +20052,7 @@
 </p:sld>
 </file>
 
-<file path=ppt/slides/slide6.xml><?xml version="1.0" encoding="utf-8"?>
+<file path=ppt/slides/slide7.xml><?xml version="1.0" encoding="utf-8"?>
 <p:sld xmlns:a="http://schemas.openxmlformats.org/drawingml/2006/main" xmlns:r="http://schemas.openxmlformats.org/officeDocument/2006/relationships" xmlns:p="http://schemas.openxmlformats.org/presentationml/2006/main">
   <p:cSld>
     <p:spTree>
@@ -16648,7 +20231,7 @@
 </p:sld>
 </file>
 
-<file path=ppt/slides/slide7.xml><?xml version="1.0" encoding="utf-8"?>
+<file path=ppt/slides/slide8.xml><?xml version="1.0" encoding="utf-8"?>
 <p:sld xmlns:a="http://schemas.openxmlformats.org/drawingml/2006/main" xmlns:r="http://schemas.openxmlformats.org/officeDocument/2006/relationships" xmlns:p="http://schemas.openxmlformats.org/presentationml/2006/main">
   <p:cSld>
     <p:spTree>
@@ -16821,7 +20404,7 @@
 </p:sld>
 </file>
 
-<file path=ppt/slides/slide8.xml><?xml version="1.0" encoding="utf-8"?>
+<file path=ppt/slides/slide9.xml><?xml version="1.0" encoding="utf-8"?>
 <p:sld xmlns:a="http://schemas.openxmlformats.org/drawingml/2006/main" xmlns:r="http://schemas.openxmlformats.org/officeDocument/2006/relationships" xmlns:p="http://schemas.openxmlformats.org/presentationml/2006/main">
   <p:cSld>
     <p:spTree>
@@ -17517,661 +21100,6 @@
 </p:sld>
 </file>
 
-<file path=ppt/slides/slide9.xml><?xml version="1.0" encoding="utf-8"?>
-<p:sld xmlns:a="http://schemas.openxmlformats.org/drawingml/2006/main" xmlns:r="http://schemas.openxmlformats.org/officeDocument/2006/relationships" xmlns:p="http://schemas.openxmlformats.org/presentationml/2006/main">
-  <p:cSld>
-    <p:spTree>
-      <p:nvGrpSpPr>
-        <p:cNvPr id="1" name="">
-          <a:extLst>
-            <a:ext uri="{FF2B5EF4-FFF2-40B4-BE49-F238E27FC236}">
-              <a16:creationId xmlns:a16="http://schemas.microsoft.com/office/drawing/2014/main" id="{2F655CD5-72A6-3C01-53B9-2BAC666C5D5D}"/>
-            </a:ext>
-          </a:extLst>
-        </p:cNvPr>
-        <p:cNvGrpSpPr/>
-        <p:nvPr/>
-      </p:nvGrpSpPr>
-      <p:grpSpPr>
-        <a:xfrm>
-          <a:off x="0" y="0"/>
-          <a:ext cx="0" cy="0"/>
-          <a:chOff x="0" y="0"/>
-          <a:chExt cx="0" cy="0"/>
-        </a:xfrm>
-      </p:grpSpPr>
-      <p:pic>
-        <p:nvPicPr>
-          <p:cNvPr id="18" name="Content Placeholder 17">
-            <a:extLst>
-              <a:ext uri="{FF2B5EF4-FFF2-40B4-BE49-F238E27FC236}">
-                <a16:creationId xmlns:a16="http://schemas.microsoft.com/office/drawing/2014/main" id="{1C82D198-BEAF-457A-119E-0C35C0AC70A9}"/>
-              </a:ext>
-            </a:extLst>
-          </p:cNvPr>
-          <p:cNvPicPr>
-            <a:picLocks noGrp="1" noChangeAspect="1"/>
-          </p:cNvPicPr>
-          <p:nvPr>
-            <p:ph sz="half" idx="2"/>
-          </p:nvPr>
-        </p:nvPicPr>
-        <p:blipFill>
-          <a:blip r:embed="rId2"/>
-          <a:stretch>
-            <a:fillRect/>
-          </a:stretch>
-        </p:blipFill>
-        <p:spPr>
-          <a:xfrm>
-            <a:off x="6477000" y="2629694"/>
-            <a:ext cx="4572000" cy="2743200"/>
-          </a:xfrm>
-        </p:spPr>
-      </p:pic>
-      <p:sp>
-        <p:nvSpPr>
-          <p:cNvPr id="2" name="Title 1">
-            <a:extLst>
-              <a:ext uri="{FF2B5EF4-FFF2-40B4-BE49-F238E27FC236}">
-                <a16:creationId xmlns:a16="http://schemas.microsoft.com/office/drawing/2014/main" id="{7CF69BAE-2C22-A42D-25E3-E84EBD36B369}"/>
-              </a:ext>
-            </a:extLst>
-          </p:cNvPr>
-          <p:cNvSpPr>
-            <a:spLocks noGrp="1"/>
-          </p:cNvSpPr>
-          <p:nvPr>
-            <p:ph type="title"/>
-          </p:nvPr>
-        </p:nvSpPr>
-        <p:spPr/>
-        <p:txBody>
-          <a:bodyPr/>
-          <a:lstStyle/>
-          <a:p>
-            <a:r>
-              <a:rPr lang="en-US"/>
-              <a:t>The point process</a:t>
-            </a:r>
-          </a:p>
-        </p:txBody>
-      </p:sp>
-      <p:sp>
-        <p:nvSpPr>
-          <p:cNvPr id="4" name="Content Placeholder 3">
-            <a:extLst>
-              <a:ext uri="{FF2B5EF4-FFF2-40B4-BE49-F238E27FC236}">
-                <a16:creationId xmlns:a16="http://schemas.microsoft.com/office/drawing/2014/main" id="{62BF73F6-E8C4-4D5D-FB98-90D86170ACD5}"/>
-              </a:ext>
-            </a:extLst>
-          </p:cNvPr>
-          <p:cNvSpPr>
-            <a:spLocks noGrp="1"/>
-          </p:cNvSpPr>
-          <p:nvPr>
-            <p:ph sz="half" idx="1"/>
-          </p:nvPr>
-        </p:nvSpPr>
-        <p:spPr/>
-        <p:txBody>
-          <a:bodyPr vert="horz" lIns="91440" tIns="45720" rIns="91440" bIns="45720" rtlCol="0" anchor="t">
-            <a:normAutofit/>
-          </a:bodyPr>
-          <a:lstStyle/>
-          <a:p>
-            <a:r>
-              <a:rPr lang="en-US" dirty="0"/>
-              <a:t>The interarrival times are the lengths of the interarrival time intervals </a:t>
-            </a:r>
-          </a:p>
-          <a:p>
-            <a:r>
-              <a:rPr lang="en-US" dirty="0"/>
-              <a:t>The arrival times and interarrival times give the same information</a:t>
-            </a:r>
-            <a:br>
-              <a:rPr lang="en-US" dirty="0"/>
-            </a:br>
-            <a:br>
-              <a:rPr lang="en-US" dirty="0"/>
-            </a:br>
-            <a:r>
-              <a:rPr lang="en-US" dirty="0"/>
-              <a:t>(… thus, the interarrival times are random)</a:t>
-            </a:r>
-          </a:p>
-        </p:txBody>
-      </p:sp>
-      <p:grpSp>
-        <p:nvGrpSpPr>
-          <p:cNvPr id="37" name="Group 36">
-            <a:extLst>
-              <a:ext uri="{FF2B5EF4-FFF2-40B4-BE49-F238E27FC236}">
-                <a16:creationId xmlns:a16="http://schemas.microsoft.com/office/drawing/2014/main" id="{4E20D6F7-B6A9-2B1A-9BCB-BF8B54DD73E5}"/>
-              </a:ext>
-            </a:extLst>
-          </p:cNvPr>
-          <p:cNvGrpSpPr/>
-          <p:nvPr/>
-        </p:nvGrpSpPr>
-        <p:grpSpPr>
-          <a:xfrm>
-            <a:off x="7580376" y="3524149"/>
-            <a:ext cx="2989740" cy="164592"/>
-            <a:chOff x="7580376" y="3277175"/>
-            <a:chExt cx="2989740" cy="164592"/>
-          </a:xfrm>
-        </p:grpSpPr>
-        <p:cxnSp>
-          <p:nvCxnSpPr>
-            <p:cNvPr id="6" name="Straight Connector 5">
-              <a:extLst>
-                <a:ext uri="{FF2B5EF4-FFF2-40B4-BE49-F238E27FC236}">
-                  <a16:creationId xmlns:a16="http://schemas.microsoft.com/office/drawing/2014/main" id="{87EB88CC-7E30-F1C6-0F56-F8DD3F6227BB}"/>
-                </a:ext>
-              </a:extLst>
-            </p:cNvPr>
-            <p:cNvCxnSpPr>
-              <a:cxnSpLocks/>
-            </p:cNvCxnSpPr>
-            <p:nvPr/>
-          </p:nvCxnSpPr>
-          <p:spPr>
-            <a:xfrm>
-              <a:off x="7580376" y="3277175"/>
-              <a:ext cx="0" cy="164592"/>
-            </a:xfrm>
-            <a:prstGeom prst="line">
-              <a:avLst/>
-            </a:prstGeom>
-            <a:ln w="6350">
-              <a:solidFill>
-                <a:schemeClr val="tx1"/>
-              </a:solidFill>
-            </a:ln>
-          </p:spPr>
-          <p:style>
-            <a:lnRef idx="2">
-              <a:schemeClr val="accent1"/>
-            </a:lnRef>
-            <a:fillRef idx="0">
-              <a:schemeClr val="accent1"/>
-            </a:fillRef>
-            <a:effectRef idx="1">
-              <a:schemeClr val="accent1"/>
-            </a:effectRef>
-            <a:fontRef idx="minor">
-              <a:schemeClr val="tx1"/>
-            </a:fontRef>
-          </p:style>
-        </p:cxnSp>
-        <p:cxnSp>
-          <p:nvCxnSpPr>
-            <p:cNvPr id="10" name="Straight Connector 9">
-              <a:extLst>
-                <a:ext uri="{FF2B5EF4-FFF2-40B4-BE49-F238E27FC236}">
-                  <a16:creationId xmlns:a16="http://schemas.microsoft.com/office/drawing/2014/main" id="{C7E7815B-3CE5-02B0-908A-434052937475}"/>
-                </a:ext>
-              </a:extLst>
-            </p:cNvPr>
-            <p:cNvCxnSpPr>
-              <a:cxnSpLocks/>
-            </p:cNvCxnSpPr>
-            <p:nvPr/>
-          </p:nvCxnSpPr>
-          <p:spPr>
-            <a:xfrm>
-              <a:off x="7823270" y="3277175"/>
-              <a:ext cx="0" cy="164592"/>
-            </a:xfrm>
-            <a:prstGeom prst="line">
-              <a:avLst/>
-            </a:prstGeom>
-            <a:ln w="6350">
-              <a:solidFill>
-                <a:schemeClr val="tx1"/>
-              </a:solidFill>
-            </a:ln>
-          </p:spPr>
-          <p:style>
-            <a:lnRef idx="2">
-              <a:schemeClr val="accent1"/>
-            </a:lnRef>
-            <a:fillRef idx="0">
-              <a:schemeClr val="accent1"/>
-            </a:fillRef>
-            <a:effectRef idx="1">
-              <a:schemeClr val="accent1"/>
-            </a:effectRef>
-            <a:fontRef idx="minor">
-              <a:schemeClr val="tx1"/>
-            </a:fontRef>
-          </p:style>
-        </p:cxnSp>
-        <p:cxnSp>
-          <p:nvCxnSpPr>
-            <p:cNvPr id="12" name="Straight Connector 11">
-              <a:extLst>
-                <a:ext uri="{FF2B5EF4-FFF2-40B4-BE49-F238E27FC236}">
-                  <a16:creationId xmlns:a16="http://schemas.microsoft.com/office/drawing/2014/main" id="{C88E8632-06B9-E9D1-4CBC-6C873ACEDDE0}"/>
-                </a:ext>
-              </a:extLst>
-            </p:cNvPr>
-            <p:cNvCxnSpPr>
-              <a:cxnSpLocks/>
-            </p:cNvCxnSpPr>
-            <p:nvPr/>
-          </p:nvCxnSpPr>
-          <p:spPr>
-            <a:xfrm>
-              <a:off x="10570116" y="3277175"/>
-              <a:ext cx="0" cy="164592"/>
-            </a:xfrm>
-            <a:prstGeom prst="line">
-              <a:avLst/>
-            </a:prstGeom>
-            <a:ln w="6350">
-              <a:solidFill>
-                <a:schemeClr val="tx1"/>
-              </a:solidFill>
-            </a:ln>
-          </p:spPr>
-          <p:style>
-            <a:lnRef idx="2">
-              <a:schemeClr val="accent1"/>
-            </a:lnRef>
-            <a:fillRef idx="0">
-              <a:schemeClr val="accent1"/>
-            </a:fillRef>
-            <a:effectRef idx="1">
-              <a:schemeClr val="accent1"/>
-            </a:effectRef>
-            <a:fontRef idx="minor">
-              <a:schemeClr val="tx1"/>
-            </a:fontRef>
-          </p:style>
-        </p:cxnSp>
-        <p:cxnSp>
-          <p:nvCxnSpPr>
-            <p:cNvPr id="13" name="Straight Connector 12">
-              <a:extLst>
-                <a:ext uri="{FF2B5EF4-FFF2-40B4-BE49-F238E27FC236}">
-                  <a16:creationId xmlns:a16="http://schemas.microsoft.com/office/drawing/2014/main" id="{EF5F2903-A94C-4B7A-9434-4B0D47897B29}"/>
-                </a:ext>
-              </a:extLst>
-            </p:cNvPr>
-            <p:cNvCxnSpPr>
-              <a:cxnSpLocks/>
-            </p:cNvCxnSpPr>
-            <p:nvPr/>
-          </p:nvCxnSpPr>
-          <p:spPr>
-            <a:xfrm>
-              <a:off x="9958000" y="3277175"/>
-              <a:ext cx="0" cy="164592"/>
-            </a:xfrm>
-            <a:prstGeom prst="line">
-              <a:avLst/>
-            </a:prstGeom>
-            <a:ln w="6350">
-              <a:solidFill>
-                <a:schemeClr val="tx1"/>
-              </a:solidFill>
-            </a:ln>
-          </p:spPr>
-          <p:style>
-            <a:lnRef idx="2">
-              <a:schemeClr val="accent1"/>
-            </a:lnRef>
-            <a:fillRef idx="0">
-              <a:schemeClr val="accent1"/>
-            </a:fillRef>
-            <a:effectRef idx="1">
-              <a:schemeClr val="accent1"/>
-            </a:effectRef>
-            <a:fontRef idx="minor">
-              <a:schemeClr val="tx1"/>
-            </a:fontRef>
-          </p:style>
-        </p:cxnSp>
-        <p:cxnSp>
-          <p:nvCxnSpPr>
-            <p:cNvPr id="14" name="Straight Connector 13">
-              <a:extLst>
-                <a:ext uri="{FF2B5EF4-FFF2-40B4-BE49-F238E27FC236}">
-                  <a16:creationId xmlns:a16="http://schemas.microsoft.com/office/drawing/2014/main" id="{44F3FB67-9124-6D7E-E28C-FBBCF319D24C}"/>
-                </a:ext>
-              </a:extLst>
-            </p:cNvPr>
-            <p:cNvCxnSpPr>
-              <a:cxnSpLocks/>
-            </p:cNvCxnSpPr>
-            <p:nvPr/>
-          </p:nvCxnSpPr>
-          <p:spPr>
-            <a:xfrm>
-              <a:off x="10418018" y="3277175"/>
-              <a:ext cx="0" cy="164592"/>
-            </a:xfrm>
-            <a:prstGeom prst="line">
-              <a:avLst/>
-            </a:prstGeom>
-            <a:ln w="6350">
-              <a:solidFill>
-                <a:schemeClr val="tx1"/>
-              </a:solidFill>
-            </a:ln>
-          </p:spPr>
-          <p:style>
-            <a:lnRef idx="2">
-              <a:schemeClr val="accent1"/>
-            </a:lnRef>
-            <a:fillRef idx="0">
-              <a:schemeClr val="accent1"/>
-            </a:fillRef>
-            <a:effectRef idx="1">
-              <a:schemeClr val="accent1"/>
-            </a:effectRef>
-            <a:fontRef idx="minor">
-              <a:schemeClr val="tx1"/>
-            </a:fontRef>
-          </p:style>
-        </p:cxnSp>
-        <p:cxnSp>
-          <p:nvCxnSpPr>
-            <p:cNvPr id="20" name="Straight Arrow Connector 19">
-              <a:extLst>
-                <a:ext uri="{FF2B5EF4-FFF2-40B4-BE49-F238E27FC236}">
-                  <a16:creationId xmlns:a16="http://schemas.microsoft.com/office/drawing/2014/main" id="{CC8A29FE-69D6-E1B6-620D-B5DF943BAA99}"/>
-                </a:ext>
-              </a:extLst>
-            </p:cNvPr>
-            <p:cNvCxnSpPr>
-              <a:cxnSpLocks/>
-            </p:cNvCxnSpPr>
-            <p:nvPr/>
-          </p:nvCxnSpPr>
-          <p:spPr>
-            <a:xfrm>
-              <a:off x="7580376" y="3359471"/>
-              <a:ext cx="242894" cy="0"/>
-            </a:xfrm>
-            <a:prstGeom prst="straightConnector1">
-              <a:avLst/>
-            </a:prstGeom>
-            <a:ln w="6350">
-              <a:solidFill>
-                <a:schemeClr val="tx1"/>
-              </a:solidFill>
-              <a:headEnd type="stealth" w="sm" len="sm"/>
-              <a:tailEnd type="stealth" w="sm" len="sm"/>
-            </a:ln>
-          </p:spPr>
-          <p:style>
-            <a:lnRef idx="2">
-              <a:schemeClr val="accent1"/>
-            </a:lnRef>
-            <a:fillRef idx="0">
-              <a:schemeClr val="accent1"/>
-            </a:fillRef>
-            <a:effectRef idx="1">
-              <a:schemeClr val="accent1"/>
-            </a:effectRef>
-            <a:fontRef idx="minor">
-              <a:schemeClr val="tx1"/>
-            </a:fontRef>
-          </p:style>
-        </p:cxnSp>
-        <p:cxnSp>
-          <p:nvCxnSpPr>
-            <p:cNvPr id="21" name="Straight Arrow Connector 20">
-              <a:extLst>
-                <a:ext uri="{FF2B5EF4-FFF2-40B4-BE49-F238E27FC236}">
-                  <a16:creationId xmlns:a16="http://schemas.microsoft.com/office/drawing/2014/main" id="{383A609A-2C7F-4106-4FB0-3844924AFF32}"/>
-                </a:ext>
-              </a:extLst>
-            </p:cNvPr>
-            <p:cNvCxnSpPr>
-              <a:cxnSpLocks/>
-            </p:cNvCxnSpPr>
-            <p:nvPr/>
-          </p:nvCxnSpPr>
-          <p:spPr>
-            <a:xfrm>
-              <a:off x="7829229" y="3359471"/>
-              <a:ext cx="2122421" cy="0"/>
-            </a:xfrm>
-            <a:prstGeom prst="straightConnector1">
-              <a:avLst/>
-            </a:prstGeom>
-            <a:ln w="6350">
-              <a:solidFill>
-                <a:schemeClr val="tx1"/>
-              </a:solidFill>
-              <a:headEnd type="stealth" w="sm" len="sm"/>
-              <a:tailEnd type="stealth" w="sm" len="sm"/>
-            </a:ln>
-          </p:spPr>
-          <p:style>
-            <a:lnRef idx="2">
-              <a:schemeClr val="accent1"/>
-            </a:lnRef>
-            <a:fillRef idx="0">
-              <a:schemeClr val="accent1"/>
-            </a:fillRef>
-            <a:effectRef idx="1">
-              <a:schemeClr val="accent1"/>
-            </a:effectRef>
-            <a:fontRef idx="minor">
-              <a:schemeClr val="tx1"/>
-            </a:fontRef>
-          </p:style>
-        </p:cxnSp>
-        <p:cxnSp>
-          <p:nvCxnSpPr>
-            <p:cNvPr id="23" name="Straight Arrow Connector 22">
-              <a:extLst>
-                <a:ext uri="{FF2B5EF4-FFF2-40B4-BE49-F238E27FC236}">
-                  <a16:creationId xmlns:a16="http://schemas.microsoft.com/office/drawing/2014/main" id="{E14D4E41-6CBC-899C-D4A6-F8F180D23B97}"/>
-                </a:ext>
-              </a:extLst>
-            </p:cNvPr>
-            <p:cNvCxnSpPr>
-              <a:cxnSpLocks/>
-            </p:cNvCxnSpPr>
-            <p:nvPr/>
-          </p:nvCxnSpPr>
-          <p:spPr>
-            <a:xfrm>
-              <a:off x="9964897" y="3359471"/>
-              <a:ext cx="447710" cy="0"/>
-            </a:xfrm>
-            <a:prstGeom prst="straightConnector1">
-              <a:avLst/>
-            </a:prstGeom>
-            <a:ln w="6350">
-              <a:solidFill>
-                <a:schemeClr val="tx1"/>
-              </a:solidFill>
-              <a:headEnd type="stealth" w="sm" len="sm"/>
-              <a:tailEnd type="stealth" w="sm" len="sm"/>
-            </a:ln>
-          </p:spPr>
-          <p:style>
-            <a:lnRef idx="2">
-              <a:schemeClr val="accent1"/>
-            </a:lnRef>
-            <a:fillRef idx="0">
-              <a:schemeClr val="accent1"/>
-            </a:fillRef>
-            <a:effectRef idx="1">
-              <a:schemeClr val="accent1"/>
-            </a:effectRef>
-            <a:fontRef idx="minor">
-              <a:schemeClr val="tx1"/>
-            </a:fontRef>
-          </p:style>
-        </p:cxnSp>
-        <p:cxnSp>
-          <p:nvCxnSpPr>
-            <p:cNvPr id="27" name="Straight Arrow Connector 26">
-              <a:extLst>
-                <a:ext uri="{FF2B5EF4-FFF2-40B4-BE49-F238E27FC236}">
-                  <a16:creationId xmlns:a16="http://schemas.microsoft.com/office/drawing/2014/main" id="{FED9D45D-5D12-28E2-99D0-D1965087180F}"/>
-                </a:ext>
-              </a:extLst>
-            </p:cNvPr>
-            <p:cNvCxnSpPr>
-              <a:cxnSpLocks/>
-            </p:cNvCxnSpPr>
-            <p:nvPr/>
-          </p:nvCxnSpPr>
-          <p:spPr>
-            <a:xfrm>
-              <a:off x="10429875" y="3359471"/>
-              <a:ext cx="133891" cy="0"/>
-            </a:xfrm>
-            <a:prstGeom prst="straightConnector1">
-              <a:avLst/>
-            </a:prstGeom>
-            <a:ln w="6350">
-              <a:solidFill>
-                <a:schemeClr val="tx1"/>
-              </a:solidFill>
-              <a:headEnd type="stealth" w="sm" len="sm"/>
-              <a:tailEnd type="stealth" w="sm" len="sm"/>
-            </a:ln>
-          </p:spPr>
-          <p:style>
-            <a:lnRef idx="2">
-              <a:schemeClr val="accent1"/>
-            </a:lnRef>
-            <a:fillRef idx="0">
-              <a:schemeClr val="accent1"/>
-            </a:fillRef>
-            <a:effectRef idx="1">
-              <a:schemeClr val="accent1"/>
-            </a:effectRef>
-            <a:fontRef idx="minor">
-              <a:schemeClr val="tx1"/>
-            </a:fontRef>
-          </p:style>
-        </p:cxnSp>
-      </p:grpSp>
-      <p:grpSp>
-        <p:nvGrpSpPr>
-          <p:cNvPr id="42" name="Group 41">
-            <a:extLst>
-              <a:ext uri="{FF2B5EF4-FFF2-40B4-BE49-F238E27FC236}">
-                <a16:creationId xmlns:a16="http://schemas.microsoft.com/office/drawing/2014/main" id="{13B6EF9F-5738-BE46-308C-C9403F7731A6}"/>
-              </a:ext>
-            </a:extLst>
-          </p:cNvPr>
-          <p:cNvGrpSpPr/>
-          <p:nvPr/>
-        </p:nvGrpSpPr>
-        <p:grpSpPr>
-          <a:xfrm>
-            <a:off x="9133720" y="2366781"/>
-            <a:ext cx="3058280" cy="1226079"/>
-            <a:chOff x="9133720" y="2329073"/>
-            <a:chExt cx="3058280" cy="1226079"/>
-          </a:xfrm>
-        </p:grpSpPr>
-        <p:sp>
-          <p:nvSpPr>
-            <p:cNvPr id="38" name="TextBox 37">
-              <a:extLst>
-                <a:ext uri="{FF2B5EF4-FFF2-40B4-BE49-F238E27FC236}">
-                  <a16:creationId xmlns:a16="http://schemas.microsoft.com/office/drawing/2014/main" id="{E355CD03-2595-4AAE-C231-69282142ACFE}"/>
-                </a:ext>
-              </a:extLst>
-            </p:cNvPr>
-            <p:cNvSpPr txBox="1"/>
-            <p:nvPr/>
-          </p:nvSpPr>
-          <p:spPr>
-            <a:xfrm>
-              <a:off x="10052440" y="2329073"/>
-              <a:ext cx="2139560" cy="369332"/>
-            </a:xfrm>
-            <a:prstGeom prst="rect">
-              <a:avLst/>
-            </a:prstGeom>
-            <a:noFill/>
-          </p:spPr>
-          <p:txBody>
-            <a:bodyPr wrap="none" rtlCol="0">
-              <a:spAutoFit/>
-            </a:bodyPr>
-            <a:lstStyle/>
-            <a:p>
-              <a:r>
-                <a:rPr lang="en-US" i="1"/>
-                <a:t>interarrival intervals</a:t>
-              </a:r>
-            </a:p>
-          </p:txBody>
-        </p:sp>
-        <p:cxnSp>
-          <p:nvCxnSpPr>
-            <p:cNvPr id="40" name="Straight Arrow Connector 39">
-              <a:extLst>
-                <a:ext uri="{FF2B5EF4-FFF2-40B4-BE49-F238E27FC236}">
-                  <a16:creationId xmlns:a16="http://schemas.microsoft.com/office/drawing/2014/main" id="{31181F9D-4492-6C2D-8786-95DA8FDFEA0D}"/>
-                </a:ext>
-              </a:extLst>
-            </p:cNvPr>
-            <p:cNvCxnSpPr>
-              <a:cxnSpLocks/>
-            </p:cNvCxnSpPr>
-            <p:nvPr/>
-          </p:nvCxnSpPr>
-          <p:spPr>
-            <a:xfrm flipH="1">
-              <a:off x="9133720" y="2695074"/>
-              <a:ext cx="959056" cy="860078"/>
-            </a:xfrm>
-            <a:prstGeom prst="straightConnector1">
-              <a:avLst/>
-            </a:prstGeom>
-            <a:ln w="6350">
-              <a:solidFill>
-                <a:schemeClr val="tx1"/>
-              </a:solidFill>
-              <a:tailEnd type="triangle"/>
-            </a:ln>
-          </p:spPr>
-          <p:style>
-            <a:lnRef idx="2">
-              <a:schemeClr val="accent1"/>
-            </a:lnRef>
-            <a:fillRef idx="0">
-              <a:schemeClr val="accent1"/>
-            </a:fillRef>
-            <a:effectRef idx="1">
-              <a:schemeClr val="accent1"/>
-            </a:effectRef>
-            <a:fontRef idx="minor">
-              <a:schemeClr val="tx1"/>
-            </a:fontRef>
-          </p:style>
-        </p:cxnSp>
-      </p:grpSp>
-    </p:spTree>
-    <p:extLst>
-      <p:ext uri="{BB962C8B-B14F-4D97-AF65-F5344CB8AC3E}">
-        <p14:creationId xmlns:p14="http://schemas.microsoft.com/office/powerpoint/2010/main" val="4117257768"/>
-      </p:ext>
-    </p:extLst>
-  </p:cSld>
-  <p:clrMapOvr>
-    <a:masterClrMapping/>
-  </p:clrMapOvr>
-</p:sld>
-</file>
-
 <file path=ppt/theme/theme1.xml><?xml version="1.0" encoding="utf-8"?>
 <a:theme xmlns:a="http://schemas.openxmlformats.org/drawingml/2006/main" name="Office Theme">
   <a:themeElements>
@@ -18803,26 +21731,6 @@
 </file>
 
 <file path=customXml/item1.xml><?xml version="1.0" encoding="utf-8"?>
-<p:properties xmlns:p="http://schemas.microsoft.com/office/2006/metadata/properties" xmlns:xsi="http://www.w3.org/2001/XMLSchema-instance" xmlns:pc="http://schemas.microsoft.com/office/infopath/2007/PartnerControls">
-  <documentManagement>
-    <TaxCatchAll xmlns="b6c9d19c-b34a-4cf4-8ebf-64c63fc48083" xsi:nil="true"/>
-    <lcf76f155ced4ddcb4097134ff3c332f xmlns="33f92c16-e346-46b5-ac57-2b519ac4cf68">
-      <Terms xmlns="http://schemas.microsoft.com/office/infopath/2007/PartnerControls"/>
-    </lcf76f155ced4ddcb4097134ff3c332f>
-  </documentManagement>
-</p:properties>
-</file>
-
-<file path=customXml/item2.xml><?xml version="1.0" encoding="utf-8"?>
-<?mso-contentType ?>
-<FormTemplates xmlns="http://schemas.microsoft.com/sharepoint/v3/contenttype/forms">
-  <Display>DocumentLibraryForm</Display>
-  <Edit>DocumentLibraryForm</Edit>
-  <New>DocumentLibraryForm</New>
-</FormTemplates>
-</file>
-
-<file path=customXml/item3.xml><?xml version="1.0" encoding="utf-8"?>
 <ct:contentTypeSchema xmlns:ct="http://schemas.microsoft.com/office/2006/metadata/contentType" xmlns:ma="http://schemas.microsoft.com/office/2006/metadata/properties/metaAttributes" ct:_="" ma:_="" ma:contentTypeName="Document" ma:contentTypeID="0x0101007069032936BB004A979B3FCE77DE1EB1" ma:contentTypeVersion="16" ma:contentTypeDescription="Create a new document." ma:contentTypeScope="" ma:versionID="59b39aa881a230c9f06045ed60478b88">
   <xsd:schema xmlns:xsd="http://www.w3.org/2001/XMLSchema" xmlns:xs="http://www.w3.org/2001/XMLSchema" xmlns:p="http://schemas.microsoft.com/office/2006/metadata/properties" xmlns:ns2="33f92c16-e346-46b5-ac57-2b519ac4cf68" xmlns:ns3="0efde304-9646-43d8-8eee-5b1a55ab17f1" xmlns:ns4="b6c9d19c-b34a-4cf4-8ebf-64c63fc48083" targetNamespace="http://schemas.microsoft.com/office/2006/metadata/properties" ma:root="true" ma:fieldsID="c596c03b60b8e16cee14ab235af6374a" ns2:_="" ns3:_="" ns4:_="">
     <xsd:import namespace="33f92c16-e346-46b5-ac57-2b519ac4cf68"/>
@@ -19062,7 +21970,47 @@
 </ct:contentTypeSchema>
 </file>
 
+<file path=customXml/item2.xml><?xml version="1.0" encoding="utf-8"?>
+<p:properties xmlns:p="http://schemas.microsoft.com/office/2006/metadata/properties" xmlns:xsi="http://www.w3.org/2001/XMLSchema-instance" xmlns:pc="http://schemas.microsoft.com/office/infopath/2007/PartnerControls">
+  <documentManagement>
+    <TaxCatchAll xmlns="b6c9d19c-b34a-4cf4-8ebf-64c63fc48083" xsi:nil="true"/>
+    <lcf76f155ced4ddcb4097134ff3c332f xmlns="33f92c16-e346-46b5-ac57-2b519ac4cf68">
+      <Terms xmlns="http://schemas.microsoft.com/office/infopath/2007/PartnerControls"/>
+    </lcf76f155ced4ddcb4097134ff3c332f>
+  </documentManagement>
+</p:properties>
+</file>
+
+<file path=customXml/item3.xml><?xml version="1.0" encoding="utf-8"?>
+<?mso-contentType ?>
+<FormTemplates xmlns="http://schemas.microsoft.com/sharepoint/v3/contenttype/forms">
+  <Display>DocumentLibraryForm</Display>
+  <Edit>DocumentLibraryForm</Edit>
+  <New>DocumentLibraryForm</New>
+</FormTemplates>
+</file>
+
 <file path=customXml/itemProps1.xml><?xml version="1.0" encoding="utf-8"?>
+<ds:datastoreItem xmlns:ds="http://schemas.openxmlformats.org/officeDocument/2006/customXml" ds:itemID="{2D7DA705-6300-4113-B183-485198D9C84E}">
+  <ds:schemaRefs>
+    <ds:schemaRef ds:uri="0efde304-9646-43d8-8eee-5b1a55ab17f1"/>
+    <ds:schemaRef ds:uri="33f92c16-e346-46b5-ac57-2b519ac4cf68"/>
+    <ds:schemaRef ds:uri="b6c9d19c-b34a-4cf4-8ebf-64c63fc48083"/>
+    <ds:schemaRef ds:uri="http://purl.org/dc/elements/1.1/"/>
+    <ds:schemaRef ds:uri="http://purl.org/dc/terms/"/>
+    <ds:schemaRef ds:uri="http://schemas.microsoft.com/internal/obd"/>
+    <ds:schemaRef ds:uri="http://schemas.microsoft.com/office/2006/documentManagement/types"/>
+    <ds:schemaRef ds:uri="http://schemas.microsoft.com/office/2006/metadata/contentType"/>
+    <ds:schemaRef ds:uri="http://schemas.microsoft.com/office/2006/metadata/properties"/>
+    <ds:schemaRef ds:uri="http://schemas.microsoft.com/office/2006/metadata/properties/metaAttributes"/>
+    <ds:schemaRef ds:uri="http://schemas.microsoft.com/office/infopath/2007/PartnerControls"/>
+    <ds:schemaRef ds:uri="http://schemas.openxmlformats.org/package/2006/metadata/core-properties"/>
+    <ds:schemaRef ds:uri="http://www.w3.org/2001/XMLSchema"/>
+  </ds:schemaRefs>
+</ds:datastoreItem>
+</file>
+
+<file path=customXml/itemProps2.xml><?xml version="1.0" encoding="utf-8"?>
 <ds:datastoreItem xmlns:ds="http://schemas.openxmlformats.org/officeDocument/2006/customXml" ds:itemID="{E709C047-1DE0-4980-A90A-4D5EFC165D2C}">
   <ds:schemaRefs>
     <ds:schemaRef ds:uri="0efde304-9646-43d8-8eee-5b1a55ab17f1"/>
@@ -19080,30 +22028,10 @@
 </ds:datastoreItem>
 </file>
 
-<file path=customXml/itemProps2.xml><?xml version="1.0" encoding="utf-8"?>
+<file path=customXml/itemProps3.xml><?xml version="1.0" encoding="utf-8"?>
 <ds:datastoreItem xmlns:ds="http://schemas.openxmlformats.org/officeDocument/2006/customXml" ds:itemID="{EF0BFC65-ABD5-40EA-BAE0-821B9D6524E8}">
   <ds:schemaRefs>
     <ds:schemaRef ds:uri="http://schemas.microsoft.com/sharepoint/v3/contenttype/forms"/>
   </ds:schemaRefs>
 </ds:datastoreItem>
-</file>
-
-<file path=customXml/itemProps3.xml><?xml version="1.0" encoding="utf-8"?>
-<ds:datastoreItem xmlns:ds="http://schemas.openxmlformats.org/officeDocument/2006/customXml" ds:itemID="{2D7DA705-6300-4113-B183-485198D9C84E}">
-  <ds:schemaRefs>
-    <ds:schemaRef ds:uri="0efde304-9646-43d8-8eee-5b1a55ab17f1"/>
-    <ds:schemaRef ds:uri="33f92c16-e346-46b5-ac57-2b519ac4cf68"/>
-    <ds:schemaRef ds:uri="b6c9d19c-b34a-4cf4-8ebf-64c63fc48083"/>
-    <ds:schemaRef ds:uri="http://purl.org/dc/elements/1.1/"/>
-    <ds:schemaRef ds:uri="http://purl.org/dc/terms/"/>
-    <ds:schemaRef ds:uri="http://schemas.microsoft.com/internal/obd"/>
-    <ds:schemaRef ds:uri="http://schemas.microsoft.com/office/2006/documentManagement/types"/>
-    <ds:schemaRef ds:uri="http://schemas.microsoft.com/office/2006/metadata/contentType"/>
-    <ds:schemaRef ds:uri="http://schemas.microsoft.com/office/2006/metadata/properties"/>
-    <ds:schemaRef ds:uri="http://schemas.microsoft.com/office/2006/metadata/properties/metaAttributes"/>
-    <ds:schemaRef ds:uri="http://schemas.microsoft.com/office/infopath/2007/PartnerControls"/>
-    <ds:schemaRef ds:uri="http://schemas.openxmlformats.org/package/2006/metadata/core-properties"/>
-    <ds:schemaRef ds:uri="http://www.w3.org/2001/XMLSchema"/>
-  </ds:schemaRefs>
-</ds:datastoreItem>
 </file>
--- a/master_files/materials/02_Theory.pptx
+++ b/master_files/materials/02_Theory.pptx
@@ -153,10 +153,10 @@
 <file path=ppt/revisionInfo.xml><?xml version="1.0" encoding="utf-8"?>
 <p1510:revInfo xmlns:a="http://schemas.openxmlformats.org/drawingml/2006/main" xmlns:r="http://schemas.openxmlformats.org/officeDocument/2006/relationships" xmlns:p1510="http://schemas.microsoft.com/office/powerpoint/2015/10/main">
   <p1510:revLst>
+    <p1510:client id="{EF2D0F1B-141F-5943-3652-63BD3E557E8F}" v="112" dt="2024-10-24T12:02:55.926"/>
+    <p1510:client id="{B75E930D-5E45-1C43-B22A-EB7A887D4510}" v="826" dt="2024-10-24T17:46:57.136"/>
+    <p1510:client id="{3386F1E1-383E-54AC-6936-A35E2C84F8C8}" v="124" dt="2024-10-24T11:56:16.523"/>
     <p1510:client id="{1C754E17-F4C1-DA44-68A0-12F0D9E02299}" v="163" dt="2024-10-24T12:00:46.280"/>
-    <p1510:client id="{3386F1E1-383E-54AC-6936-A35E2C84F8C8}" v="124" dt="2024-10-24T11:56:16.523"/>
-    <p1510:client id="{B75E930D-5E45-1C43-B22A-EB7A887D4510}" v="826" dt="2024-10-24T17:46:57.136"/>
-    <p1510:client id="{EF2D0F1B-141F-5943-3652-63BD3E557E8F}" v="112" dt="2024-10-24T12:02:55.926"/>
   </p1510:revLst>
 </p1510:revInfo>
 </file>
@@ -243,7 +243,7 @@
           <a:p>
             <a:fld id="{E033252C-ECEF-0044-BF19-FBFB46CE84A2}" type="datetimeFigureOut">
               <a:rPr lang="en-US" smtClean="0"/>
-              <a:t>10/26/24</a:t>
+              <a:t>10/31/24</a:t>
             </a:fld>
             <a:endParaRPr lang="en-US"/>
           </a:p>
@@ -766,7 +766,7 @@
           <a:p>
             <a:fld id="{6A8FB48A-BFC4-2846-8228-6201ABA4D0C5}" type="datetimeFigureOut">
               <a:rPr lang="en-US" smtClean="0"/>
-              <a:t>10/26/24</a:t>
+              <a:t>10/31/24</a:t>
             </a:fld>
             <a:endParaRPr lang="en-US"/>
           </a:p>
@@ -964,7 +964,7 @@
           <a:p>
             <a:fld id="{6A8FB48A-BFC4-2846-8228-6201ABA4D0C5}" type="datetimeFigureOut">
               <a:rPr lang="en-US" smtClean="0"/>
-              <a:t>10/26/24</a:t>
+              <a:t>10/31/24</a:t>
             </a:fld>
             <a:endParaRPr lang="en-US"/>
           </a:p>
@@ -1172,7 +1172,7 @@
           <a:p>
             <a:fld id="{6A8FB48A-BFC4-2846-8228-6201ABA4D0C5}" type="datetimeFigureOut">
               <a:rPr lang="en-US" smtClean="0"/>
-              <a:t>10/26/24</a:t>
+              <a:t>10/31/24</a:t>
             </a:fld>
             <a:endParaRPr lang="en-US"/>
           </a:p>
@@ -1370,7 +1370,7 @@
           <a:p>
             <a:fld id="{6A8FB48A-BFC4-2846-8228-6201ABA4D0C5}" type="datetimeFigureOut">
               <a:rPr lang="en-US" smtClean="0"/>
-              <a:t>10/26/24</a:t>
+              <a:t>10/31/24</a:t>
             </a:fld>
             <a:endParaRPr lang="en-US"/>
           </a:p>
@@ -1645,7 +1645,7 @@
           <a:p>
             <a:fld id="{6A8FB48A-BFC4-2846-8228-6201ABA4D0C5}" type="datetimeFigureOut">
               <a:rPr lang="en-US" smtClean="0"/>
-              <a:t>10/26/24</a:t>
+              <a:t>10/31/24</a:t>
             </a:fld>
             <a:endParaRPr lang="en-US"/>
           </a:p>
@@ -1910,7 +1910,7 @@
           <a:p>
             <a:fld id="{6A8FB48A-BFC4-2846-8228-6201ABA4D0C5}" type="datetimeFigureOut">
               <a:rPr lang="en-US" smtClean="0"/>
-              <a:t>10/26/24</a:t>
+              <a:t>10/31/24</a:t>
             </a:fld>
             <a:endParaRPr lang="en-US"/>
           </a:p>
@@ -2322,7 +2322,7 @@
           <a:p>
             <a:fld id="{6A8FB48A-BFC4-2846-8228-6201ABA4D0C5}" type="datetimeFigureOut">
               <a:rPr lang="en-US" smtClean="0"/>
-              <a:t>10/26/24</a:t>
+              <a:t>10/31/24</a:t>
             </a:fld>
             <a:endParaRPr lang="en-US"/>
           </a:p>
@@ -2463,7 +2463,7 @@
           <a:p>
             <a:fld id="{6A8FB48A-BFC4-2846-8228-6201ABA4D0C5}" type="datetimeFigureOut">
               <a:rPr lang="en-US" smtClean="0"/>
-              <a:t>10/26/24</a:t>
+              <a:t>10/31/24</a:t>
             </a:fld>
             <a:endParaRPr lang="en-US"/>
           </a:p>
@@ -2576,7 +2576,7 @@
           <a:p>
             <a:fld id="{6A8FB48A-BFC4-2846-8228-6201ABA4D0C5}" type="datetimeFigureOut">
               <a:rPr lang="en-US" smtClean="0"/>
-              <a:t>10/26/24</a:t>
+              <a:t>10/31/24</a:t>
             </a:fld>
             <a:endParaRPr lang="en-US"/>
           </a:p>
@@ -2887,7 +2887,7 @@
           <a:p>
             <a:fld id="{6A8FB48A-BFC4-2846-8228-6201ABA4D0C5}" type="datetimeFigureOut">
               <a:rPr lang="en-US" smtClean="0"/>
-              <a:t>10/26/24</a:t>
+              <a:t>10/31/24</a:t>
             </a:fld>
             <a:endParaRPr lang="en-US"/>
           </a:p>
@@ -3175,7 +3175,7 @@
           <a:p>
             <a:fld id="{6A8FB48A-BFC4-2846-8228-6201ABA4D0C5}" type="datetimeFigureOut">
               <a:rPr lang="en-US" smtClean="0"/>
-              <a:t>10/26/24</a:t>
+              <a:t>10/31/24</a:t>
             </a:fld>
             <a:endParaRPr lang="en-US"/>
           </a:p>
@@ -3416,7 +3416,7 @@
           <a:p>
             <a:fld id="{6A8FB48A-BFC4-2846-8228-6201ABA4D0C5}" type="datetimeFigureOut">
               <a:rPr lang="en-US" smtClean="0"/>
-              <a:t>10/26/24</a:t>
+              <a:t>10/31/24</a:t>
             </a:fld>
             <a:endParaRPr lang="en-US"/>
           </a:p>
@@ -3857,7 +3857,7 @@
         </p:nvGraphicFramePr>
         <p:xfrm>
           <a:off x="1208690" y="942340"/>
-          <a:ext cx="10720551" cy="4973320"/>
+          <a:ext cx="10720551" cy="4699000"/>
         </p:xfrm>
         <a:graphic>
           <a:graphicData uri="http://schemas.openxmlformats.org/drawingml/2006/table">
@@ -11971,8 +11971,8 @@
           </p:sp>
         </mc:Fallback>
       </mc:AlternateContent>
-      <mc:AlternateContent xmlns:mc="http://schemas.openxmlformats.org/markup-compatibility/2006" xmlns:a14="http://schemas.microsoft.com/office/drawing/2010/main">
-        <mc:Choice Requires="a14">
+      <mc:AlternateContent xmlns:mc="http://schemas.openxmlformats.org/markup-compatibility/2006">
+        <mc:Choice xmlns:a14="http://schemas.microsoft.com/office/drawing/2010/main" Requires="a14">
           <p:sp>
             <p:nvSpPr>
               <p:cNvPr id="8" name="Content Placeholder 7">
@@ -11992,7 +11992,7 @@
             <p:spPr/>
             <p:txBody>
               <a:bodyPr>
-                <a:normAutofit fontScale="92500" lnSpcReduction="10000"/>
+                <a:normAutofit fontScale="92500"/>
               </a:bodyPr>
               <a:lstStyle/>
               <a:p>
@@ -12069,7 +12069,7 @@
             </p:txBody>
           </p:sp>
         </mc:Choice>
-        <mc:Fallback xmlns="">
+        <mc:Fallback>
           <p:sp>
             <p:nvSpPr>
               <p:cNvPr id="8" name="Content Placeholder 7">
@@ -12090,7 +12090,7 @@
               <a:blipFill>
                 <a:blip r:embed="rId3"/>
                 <a:stretch>
-                  <a:fillRect l="-2200" t="-2616"/>
+                  <a:fillRect l="-1956" t="-2339" r="-2200"/>
                 </a:stretch>
               </a:blipFill>
             </p:spPr>
@@ -16971,10 +16971,10 @@
       </p:grpSpPr>
       <p:pic>
         <p:nvPicPr>
-          <p:cNvPr id="13" name="Content Placeholder 12">
+          <p:cNvPr id="5" name="Content Placeholder 4">
             <a:extLst>
               <a:ext uri="{FF2B5EF4-FFF2-40B4-BE49-F238E27FC236}">
-                <a16:creationId xmlns:a16="http://schemas.microsoft.com/office/drawing/2014/main" id="{955322BB-9839-EFC4-954B-75FB78F225C6}"/>
+                <a16:creationId xmlns:a16="http://schemas.microsoft.com/office/drawing/2014/main" id="{F1252057-FDA8-024D-8094-EE3D521CF6D4}"/>
               </a:ext>
             </a:extLst>
           </p:cNvPr>
@@ -17286,8 +17286,8 @@
           </a:xfrm>
         </p:spPr>
       </p:pic>
-      <mc:AlternateContent xmlns:mc="http://schemas.openxmlformats.org/markup-compatibility/2006" xmlns:a14="http://schemas.microsoft.com/office/drawing/2010/main">
-        <mc:Choice Requires="a14">
+      <mc:AlternateContent xmlns:mc="http://schemas.openxmlformats.org/markup-compatibility/2006">
+        <mc:Choice xmlns:a14="http://schemas.microsoft.com/office/drawing/2010/main" Requires="a14">
           <p:sp>
             <p:nvSpPr>
               <p:cNvPr id="16" name="TextBox 15">
@@ -17303,7 +17303,7 @@
             <p:spPr>
               <a:xfrm>
                 <a:off x="7144082" y="2969591"/>
-                <a:ext cx="2937407" cy="710194"/>
+                <a:ext cx="1785297" cy="369332"/>
               </a:xfrm>
               <a:prstGeom prst="rect">
                 <a:avLst/>
@@ -17351,11 +17351,28 @@
                           </m:r>
                         </m:sup>
                       </m:sSup>
+                      <m:d>
+                        <m:dPr>
+                          <m:ctrlPr>
+                            <a:rPr lang="en-US" b="0" i="1" smtClean="0">
+                              <a:latin typeface="Cambria Math" panose="02040503050406030204" pitchFamily="18" charset="0"/>
+                            </a:rPr>
+                          </m:ctrlPr>
+                        </m:dPr>
+                        <m:e>
+                          <m:r>
+                            <a:rPr lang="en-US" b="0" i="1" smtClean="0">
+                              <a:latin typeface="Cambria Math" panose="02040503050406030204" pitchFamily="18" charset="0"/>
+                            </a:rPr>
+                            <m:t>𝑧</m:t>
+                          </m:r>
+                        </m:e>
+                      </m:d>
                       <m:r>
                         <a:rPr lang="en-US" b="0" i="1" smtClean="0">
                           <a:latin typeface="Cambria Math" panose="02040503050406030204" pitchFamily="18" charset="0"/>
                         </a:rPr>
-                        <m:t>(</m:t>
+                        <m:t>=</m:t>
                       </m:r>
                       <m:r>
                         <a:rPr lang="en-US" b="0" i="1" smtClean="0">
@@ -17367,103 +17384,8 @@
                         <a:rPr lang="en-US" b="0" i="1" smtClean="0">
                           <a:latin typeface="Cambria Math" panose="02040503050406030204" pitchFamily="18" charset="0"/>
                         </a:rPr>
-                        <m:t>)=</m:t>
+                        <m:t>+1</m:t>
                       </m:r>
-                      <m:d>
-                        <m:dPr>
-                          <m:begChr m:val="{"/>
-                          <m:endChr m:val=""/>
-                          <m:ctrlPr>
-                            <a:rPr lang="en-US" b="0" i="1" smtClean="0">
-                              <a:latin typeface="Cambria Math" panose="02040503050406030204" pitchFamily="18" charset="0"/>
-                            </a:rPr>
-                          </m:ctrlPr>
-                        </m:dPr>
-                        <m:e>
-                          <m:eqArr>
-                            <m:eqArrPr>
-                              <m:ctrlPr>
-                                <a:rPr lang="en-US" b="0" i="1" smtClean="0">
-                                  <a:latin typeface="Cambria Math" panose="02040503050406030204" pitchFamily="18" charset="0"/>
-                                </a:rPr>
-                              </m:ctrlPr>
-                            </m:eqArrPr>
-                            <m:e>
-                              <m:r>
-                                <m:rPr>
-                                  <m:sty m:val="p"/>
-                                </m:rPr>
-                                <a:rPr lang="en-US" b="0" i="0" smtClean="0">
-                                  <a:latin typeface="Cambria Math" panose="02040503050406030204" pitchFamily="18" charset="0"/>
-                                </a:rPr>
-                                <m:t>u</m:t>
-                              </m:r>
-                              <m:r>
-                                <m:rPr>
-                                  <m:sty m:val="p"/>
-                                </m:rPr>
-                                <a:rPr lang="en-US">
-                                  <a:latin typeface="Cambria Math" panose="02040503050406030204" pitchFamily="18" charset="0"/>
-                                </a:rPr>
-                                <m:t>ndefined</m:t>
-                              </m:r>
-                              <m:r>
-                                <a:rPr lang="en-US" i="1">
-                                  <a:latin typeface="Cambria Math" panose="02040503050406030204" pitchFamily="18" charset="0"/>
-                                </a:rPr>
-                                <m:t>, </m:t>
-                              </m:r>
-                              <m:r>
-                                <m:rPr>
-                                  <m:sty m:val="p"/>
-                                </m:rPr>
-                                <a:rPr lang="en-US">
-                                  <a:latin typeface="Cambria Math" panose="02040503050406030204" pitchFamily="18" charset="0"/>
-                                </a:rPr>
-                                <m:t>z</m:t>
-                              </m:r>
-                              <m:r>
-                                <a:rPr lang="en-US">
-                                  <a:latin typeface="Cambria Math" panose="02040503050406030204" pitchFamily="18" charset="0"/>
-                                </a:rPr>
-                                <m:t>&lt;1</m:t>
-                              </m:r>
-                            </m:e>
-                            <m:e>
-                              <m:r>
-                                <a:rPr lang="en-US" b="0" i="1" smtClean="0">
-                                  <a:latin typeface="Cambria Math" panose="02040503050406030204" pitchFamily="18" charset="0"/>
-                                </a:rPr>
-                                <m:t>&amp;</m:t>
-                              </m:r>
-                              <m:r>
-                                <a:rPr lang="en-US" i="1">
-                                  <a:latin typeface="Cambria Math" panose="02040503050406030204" pitchFamily="18" charset="0"/>
-                                </a:rPr>
-                                <m:t>𝑧</m:t>
-                              </m:r>
-                              <m:r>
-                                <a:rPr lang="en-US" i="1">
-                                  <a:latin typeface="Cambria Math" panose="02040503050406030204" pitchFamily="18" charset="0"/>
-                                </a:rPr>
-                                <m:t>,          </m:t>
-                              </m:r>
-                              <m:r>
-                                <a:rPr lang="en-US" i="1">
-                                  <a:latin typeface="Cambria Math" panose="02040503050406030204" pitchFamily="18" charset="0"/>
-                                </a:rPr>
-                                <m:t>𝑧</m:t>
-                              </m:r>
-                              <m:r>
-                                <a:rPr lang="en-US" i="1">
-                                  <a:latin typeface="Cambria Math" panose="02040503050406030204" pitchFamily="18" charset="0"/>
-                                </a:rPr>
-                                <m:t>≥1</m:t>
-                              </m:r>
-                            </m:e>
-                          </m:eqArr>
-                        </m:e>
-                      </m:d>
                     </m:oMath>
                   </m:oMathPara>
                 </a14:m>
@@ -17472,7 +17394,7 @@
             </p:txBody>
           </p:sp>
         </mc:Choice>
-        <mc:Fallback xmlns="">
+        <mc:Fallback>
           <p:sp>
             <p:nvSpPr>
               <p:cNvPr id="16" name="TextBox 15">
@@ -17490,7 +17412,7 @@
             <p:spPr>
               <a:xfrm>
                 <a:off x="7144082" y="2969591"/>
-                <a:ext cx="2937407" cy="710194"/>
+                <a:ext cx="1785297" cy="369332"/>
               </a:xfrm>
               <a:prstGeom prst="rect">
                 <a:avLst/>
@@ -17498,7 +17420,7 @@
               <a:blipFill>
                 <a:blip r:embed="rId6"/>
                 <a:stretch>
-                  <a:fillRect l="-2586" t="-189474" b="-277193"/>
+                  <a:fillRect/>
                 </a:stretch>
               </a:blipFill>
             </p:spPr>
@@ -21731,6 +21653,17 @@
 </file>
 
 <file path=customXml/item1.xml><?xml version="1.0" encoding="utf-8"?>
+<p:properties xmlns:p="http://schemas.microsoft.com/office/2006/metadata/properties" xmlns:xsi="http://www.w3.org/2001/XMLSchema-instance" xmlns:pc="http://schemas.microsoft.com/office/infopath/2007/PartnerControls">
+  <documentManagement>
+    <TaxCatchAll xmlns="b6c9d19c-b34a-4cf4-8ebf-64c63fc48083" xsi:nil="true"/>
+    <lcf76f155ced4ddcb4097134ff3c332f xmlns="33f92c16-e346-46b5-ac57-2b519ac4cf68">
+      <Terms xmlns="http://schemas.microsoft.com/office/infopath/2007/PartnerControls"/>
+    </lcf76f155ced4ddcb4097134ff3c332f>
+  </documentManagement>
+</p:properties>
+</file>
+
+<file path=customXml/item2.xml><?xml version="1.0" encoding="utf-8"?>
 <ct:contentTypeSchema xmlns:ct="http://schemas.microsoft.com/office/2006/metadata/contentType" xmlns:ma="http://schemas.microsoft.com/office/2006/metadata/properties/metaAttributes" ct:_="" ma:_="" ma:contentTypeName="Document" ma:contentTypeID="0x0101007069032936BB004A979B3FCE77DE1EB1" ma:contentTypeVersion="16" ma:contentTypeDescription="Create a new document." ma:contentTypeScope="" ma:versionID="59b39aa881a230c9f06045ed60478b88">
   <xsd:schema xmlns:xsd="http://www.w3.org/2001/XMLSchema" xmlns:xs="http://www.w3.org/2001/XMLSchema" xmlns:p="http://schemas.microsoft.com/office/2006/metadata/properties" xmlns:ns2="33f92c16-e346-46b5-ac57-2b519ac4cf68" xmlns:ns3="0efde304-9646-43d8-8eee-5b1a55ab17f1" xmlns:ns4="b6c9d19c-b34a-4cf4-8ebf-64c63fc48083" targetNamespace="http://schemas.microsoft.com/office/2006/metadata/properties" ma:root="true" ma:fieldsID="c596c03b60b8e16cee14ab235af6374a" ns2:_="" ns3:_="" ns4:_="">
     <xsd:import namespace="33f92c16-e346-46b5-ac57-2b519ac4cf68"/>
@@ -21970,17 +21903,6 @@
 </ct:contentTypeSchema>
 </file>
 
-<file path=customXml/item2.xml><?xml version="1.0" encoding="utf-8"?>
-<p:properties xmlns:p="http://schemas.microsoft.com/office/2006/metadata/properties" xmlns:xsi="http://www.w3.org/2001/XMLSchema-instance" xmlns:pc="http://schemas.microsoft.com/office/infopath/2007/PartnerControls">
-  <documentManagement>
-    <TaxCatchAll xmlns="b6c9d19c-b34a-4cf4-8ebf-64c63fc48083" xsi:nil="true"/>
-    <lcf76f155ced4ddcb4097134ff3c332f xmlns="33f92c16-e346-46b5-ac57-2b519ac4cf68">
-      <Terms xmlns="http://schemas.microsoft.com/office/infopath/2007/PartnerControls"/>
-    </lcf76f155ced4ddcb4097134ff3c332f>
-  </documentManagement>
-</p:properties>
-</file>
-
 <file path=customXml/item3.xml><?xml version="1.0" encoding="utf-8"?>
 <?mso-contentType ?>
 <FormTemplates xmlns="http://schemas.microsoft.com/sharepoint/v3/contenttype/forms">
@@ -21991,6 +21913,24 @@
 </file>
 
 <file path=customXml/itemProps1.xml><?xml version="1.0" encoding="utf-8"?>
+<ds:datastoreItem xmlns:ds="http://schemas.openxmlformats.org/officeDocument/2006/customXml" ds:itemID="{E709C047-1DE0-4980-A90A-4D5EFC165D2C}">
+  <ds:schemaRefs>
+    <ds:schemaRef ds:uri="0efde304-9646-43d8-8eee-5b1a55ab17f1"/>
+    <ds:schemaRef ds:uri="33f92c16-e346-46b5-ac57-2b519ac4cf68"/>
+    <ds:schemaRef ds:uri="b6c9d19c-b34a-4cf4-8ebf-64c63fc48083"/>
+    <ds:schemaRef ds:uri="http://purl.org/dc/dcmitype/"/>
+    <ds:schemaRef ds:uri="http://purl.org/dc/elements/1.1/"/>
+    <ds:schemaRef ds:uri="http://purl.org/dc/terms/"/>
+    <ds:schemaRef ds:uri="http://schemas.microsoft.com/office/2006/documentManagement/types"/>
+    <ds:schemaRef ds:uri="http://schemas.microsoft.com/office/2006/metadata/properties"/>
+    <ds:schemaRef ds:uri="http://schemas.microsoft.com/office/infopath/2007/PartnerControls"/>
+    <ds:schemaRef ds:uri="http://schemas.openxmlformats.org/package/2006/metadata/core-properties"/>
+    <ds:schemaRef ds:uri="http://www.w3.org/XML/1998/namespace"/>
+  </ds:schemaRefs>
+</ds:datastoreItem>
+</file>
+
+<file path=customXml/itemProps2.xml><?xml version="1.0" encoding="utf-8"?>
 <ds:datastoreItem xmlns:ds="http://schemas.openxmlformats.org/officeDocument/2006/customXml" ds:itemID="{2D7DA705-6300-4113-B183-485198D9C84E}">
   <ds:schemaRefs>
     <ds:schemaRef ds:uri="0efde304-9646-43d8-8eee-5b1a55ab17f1"/>
@@ -22010,24 +21950,6 @@
 </ds:datastoreItem>
 </file>
 
-<file path=customXml/itemProps2.xml><?xml version="1.0" encoding="utf-8"?>
-<ds:datastoreItem xmlns:ds="http://schemas.openxmlformats.org/officeDocument/2006/customXml" ds:itemID="{E709C047-1DE0-4980-A90A-4D5EFC165D2C}">
-  <ds:schemaRefs>
-    <ds:schemaRef ds:uri="0efde304-9646-43d8-8eee-5b1a55ab17f1"/>
-    <ds:schemaRef ds:uri="33f92c16-e346-46b5-ac57-2b519ac4cf68"/>
-    <ds:schemaRef ds:uri="b6c9d19c-b34a-4cf4-8ebf-64c63fc48083"/>
-    <ds:schemaRef ds:uri="http://purl.org/dc/dcmitype/"/>
-    <ds:schemaRef ds:uri="http://purl.org/dc/elements/1.1/"/>
-    <ds:schemaRef ds:uri="http://purl.org/dc/terms/"/>
-    <ds:schemaRef ds:uri="http://schemas.microsoft.com/office/2006/documentManagement/types"/>
-    <ds:schemaRef ds:uri="http://schemas.microsoft.com/office/2006/metadata/properties"/>
-    <ds:schemaRef ds:uri="http://schemas.microsoft.com/office/infopath/2007/PartnerControls"/>
-    <ds:schemaRef ds:uri="http://schemas.openxmlformats.org/package/2006/metadata/core-properties"/>
-    <ds:schemaRef ds:uri="http://www.w3.org/XML/1998/namespace"/>
-  </ds:schemaRefs>
-</ds:datastoreItem>
-</file>
-
 <file path=customXml/itemProps3.xml><?xml version="1.0" encoding="utf-8"?>
 <ds:datastoreItem xmlns:ds="http://schemas.openxmlformats.org/officeDocument/2006/customXml" ds:itemID="{EF0BFC65-ABD5-40EA-BAE0-821B9D6524E8}">
   <ds:schemaRefs>
